--- a/工具介绍和制品管理.pptx
+++ b/工具介绍和制品管理.pptx
@@ -18,9 +18,8 @@
     <p:sldId id="271" r:id="rId12"/>
     <p:sldId id="269" r:id="rId13"/>
     <p:sldId id="272" r:id="rId14"/>
-    <p:sldId id="273" r:id="rId15"/>
-    <p:sldId id="261" r:id="rId16"/>
-    <p:sldId id="274" r:id="rId17"/>
+    <p:sldId id="261" r:id="rId15"/>
+    <p:sldId id="274" r:id="rId16"/>
   </p:sldIdLst>
   <p:sldSz cx="9144000" cy="6858000" type="screen4x3"/>
   <p:notesSz cx="6858000" cy="9144000"/>
@@ -308,7 +307,7 @@
             <a:fld id="{2FE7D661-1836-44F7-8FAF-35E8F866ECD3}" type="datetime1">
               <a:rPr lang="en-US" smtClean="0"/>
               <a:pPr/>
-              <a:t>3/24/15</a:t>
+              <a:t>3/25/15</a:t>
             </a:fld>
             <a:endParaRPr lang="en-US"/>
           </a:p>
@@ -473,7 +472,7 @@
           <a:p>
             <a:fld id="{B1FF71CE-B899-4B2B-848D-9F12F0C901B6}" type="datetimeFigureOut">
               <a:rPr lang="en-US" smtClean="0"/>
-              <a:t>3/24/15</a:t>
+              <a:t>3/25/15</a:t>
             </a:fld>
             <a:endParaRPr lang="en-US"/>
           </a:p>
@@ -649,7 +648,7 @@
             <a:fld id="{102CF1CA-F464-4B29-B867-EAF8A9B936E3}" type="datetime1">
               <a:rPr lang="en-US" smtClean="0"/>
               <a:pPr/>
-              <a:t>3/24/15</a:t>
+              <a:t>3/25/15</a:t>
             </a:fld>
             <a:endParaRPr lang="en-US" dirty="0"/>
           </a:p>
@@ -816,7 +815,7 @@
             <a:fld id="{CAE6B357-51B9-47D2-A71D-0D06CB03185D}" type="datetime1">
               <a:rPr lang="en-US" smtClean="0"/>
               <a:pPr/>
-              <a:t>3/24/15</a:t>
+              <a:t>3/25/15</a:t>
             </a:fld>
             <a:endParaRPr lang="en-US"/>
           </a:p>
@@ -1057,7 +1056,7 @@
             <a:fld id="{058CB827-F132-4DF6-9FB9-4035A4C798EF}" type="datetime1">
               <a:rPr lang="en-US" smtClean="0"/>
               <a:pPr/>
-              <a:t>3/24/15</a:t>
+              <a:t>3/25/15</a:t>
             </a:fld>
             <a:endParaRPr lang="en-US"/>
           </a:p>
@@ -1341,7 +1340,7 @@
             <a:fld id="{1A92A601-7D32-4ED7-AD1A-974B6DDBDCDC}" type="datetime1">
               <a:rPr lang="en-US" smtClean="0"/>
               <a:pPr/>
-              <a:t>3/24/15</a:t>
+              <a:t>3/25/15</a:t>
             </a:fld>
             <a:endParaRPr lang="en-US"/>
           </a:p>
@@ -1760,7 +1759,7 @@
             <a:fld id="{63A17B41-4A0C-4639-A132-E5C8F99A4BE8}" type="datetime1">
               <a:rPr lang="en-US" smtClean="0"/>
               <a:pPr/>
-              <a:t>3/24/15</a:t>
+              <a:t>3/25/15</a:t>
             </a:fld>
             <a:endParaRPr lang="en-US"/>
           </a:p>
@@ -1875,7 +1874,7 @@
             <a:fld id="{BE9967FD-6084-4075-993E-77EC8038773F}" type="datetime1">
               <a:rPr lang="en-US" smtClean="0"/>
               <a:pPr/>
-              <a:t>3/24/15</a:t>
+              <a:t>3/25/15</a:t>
             </a:fld>
             <a:endParaRPr lang="en-US"/>
           </a:p>
@@ -1967,7 +1966,7 @@
             <a:fld id="{3B988B47-74BA-4873-ADAE-EB0120124E83}" type="datetime1">
               <a:rPr lang="en-US" smtClean="0"/>
               <a:pPr/>
-              <a:t>3/24/15</a:t>
+              <a:t>3/25/15</a:t>
             </a:fld>
             <a:endParaRPr lang="en-US"/>
           </a:p>
@@ -2248,7 +2247,7 @@
             <a:fld id="{93CF52C1-9A39-494C-9977-BBEFAB872C1F}" type="datetime1">
               <a:rPr lang="en-US" smtClean="0"/>
               <a:pPr/>
-              <a:t>3/24/15</a:t>
+              <a:t>3/25/15</a:t>
             </a:fld>
             <a:endParaRPr lang="en-US"/>
           </a:p>
@@ -2509,7 +2508,7 @@
             <a:fld id="{CD1EACE2-EA00-4376-9A66-47ABB8B02CF5}" type="datetime1">
               <a:rPr lang="en-US" smtClean="0"/>
               <a:pPr/>
-              <a:t>3/24/15</a:t>
+              <a:t>3/25/15</a:t>
             </a:fld>
             <a:endParaRPr lang="en-US"/>
           </a:p>
@@ -2719,7 +2718,7 @@
             <a:fld id="{DA47DADC-55EA-4839-91C8-5BCC0EC06F5C}" type="datetime1">
               <a:rPr lang="en-US" smtClean="0"/>
               <a:pPr/>
-              <a:t>3/24/15</a:t>
+              <a:t>3/25/15</a:t>
             </a:fld>
             <a:endParaRPr lang="en-US" dirty="0"/>
           </a:p>
@@ -3737,6 +3736,14 @@
               <a:rPr lang="zh-CN" altLang="en-US" dirty="0" smtClean="0"/>
               <a:t>一次</a:t>
             </a:r>
+            <a:endParaRPr lang="en-US" altLang="zh-CN" dirty="0" smtClean="0"/>
+          </a:p>
+          <a:p>
+            <a:pPr algn="ctr"/>
+            <a:r>
+              <a:rPr lang="zh-CN" altLang="en-US" dirty="0" smtClean="0"/>
+              <a:t>建议每周一个主版本</a:t>
+            </a:r>
             <a:endParaRPr lang="en-US" dirty="0"/>
           </a:p>
         </p:txBody>
@@ -3810,7 +3817,7 @@
         <p:spPr/>
         <p:txBody>
           <a:bodyPr>
-            <a:normAutofit fontScale="62500" lnSpcReduction="20000"/>
+            <a:normAutofit fontScale="47500" lnSpcReduction="20000"/>
           </a:bodyPr>
           <a:lstStyle/>
           <a:p>
@@ -3901,7 +3908,22 @@
             <a:endParaRPr lang="en-US" dirty="0" smtClean="0"/>
           </a:p>
           <a:p>
-            <a:endParaRPr lang="en-US" dirty="0"/>
+            <a:endParaRPr lang="en-US" dirty="0" smtClean="0"/>
+          </a:p>
+          <a:p>
+            <a:r>
+              <a:rPr lang="en-US" dirty="0">
+                <a:hlinkClick r:id="rId7"/>
+              </a:rPr>
+              <a:t>https://www.kernel.org/pub/software/scm/git/docs/user-</a:t>
+            </a:r>
+            <a:r>
+              <a:rPr lang="en-US" dirty="0" smtClean="0">
+                <a:hlinkClick r:id="rId7"/>
+              </a:rPr>
+              <a:t>manual.html</a:t>
+            </a:r>
+            <a:endParaRPr lang="en-US" dirty="0" smtClean="0"/>
           </a:p>
           <a:p>
             <a:endParaRPr lang="en-US" dirty="0"/>
@@ -3961,114 +3983,10 @@
           <a:bodyPr/>
           <a:lstStyle/>
           <a:p>
-            <a:endParaRPr lang="en-US"/>
-          </a:p>
-        </p:txBody>
-      </p:sp>
-      <p:sp>
-        <p:nvSpPr>
-          <p:cNvPr id="3" name="Content Placeholder 2"/>
-          <p:cNvSpPr>
-            <a:spLocks noGrp="1"/>
-          </p:cNvSpPr>
-          <p:nvPr>
-            <p:ph idx="1"/>
-          </p:nvPr>
-        </p:nvSpPr>
-        <p:spPr/>
-        <p:txBody>
-          <a:bodyPr/>
-          <a:lstStyle/>
-          <a:p>
-            <a:r>
-              <a:rPr lang="en-US" dirty="0"/>
-              <a:t>https://</a:t>
-            </a:r>
-            <a:r>
-              <a:rPr lang="en-US" dirty="0" err="1"/>
-              <a:t>www.kernel.org</a:t>
-            </a:r>
-            <a:r>
-              <a:rPr lang="en-US" dirty="0"/>
-              <a:t>/pub/software/</a:t>
-            </a:r>
-            <a:r>
-              <a:rPr lang="en-US" dirty="0" err="1"/>
-              <a:t>scm</a:t>
-            </a:r>
-            <a:r>
-              <a:rPr lang="en-US" dirty="0"/>
-              <a:t>/</a:t>
-            </a:r>
-            <a:r>
-              <a:rPr lang="en-US" dirty="0" err="1"/>
-              <a:t>git</a:t>
-            </a:r>
-            <a:r>
-              <a:rPr lang="en-US" dirty="0"/>
-              <a:t>/docs/user-</a:t>
-            </a:r>
-            <a:r>
-              <a:rPr lang="en-US" dirty="0" err="1"/>
-              <a:t>manual.html</a:t>
-            </a:r>
-            <a:endParaRPr lang="en-US" dirty="0"/>
-          </a:p>
-        </p:txBody>
-      </p:sp>
-    </p:spTree>
-    <p:extLst>
-      <p:ext uri="{BB962C8B-B14F-4D97-AF65-F5344CB8AC3E}">
-        <p14:creationId xmlns:p14="http://schemas.microsoft.com/office/powerpoint/2010/main" val="2791464434"/>
-      </p:ext>
-    </p:extLst>
-  </p:cSld>
-  <p:clrMapOvr>
-    <a:masterClrMapping/>
-  </p:clrMapOvr>
-  <mc:AlternateContent xmlns:mc="http://schemas.openxmlformats.org/markup-compatibility/2006" xmlns:p14="http://schemas.microsoft.com/office/powerpoint/2010/main">
-    <mc:Choice Requires="p14">
-      <p:transition spd="slow" p14:dur="2000"/>
-    </mc:Choice>
-    <mc:Fallback xmlns="">
-      <p:transition xmlns:p14="http://schemas.microsoft.com/office/powerpoint/2010/main" spd="slow"/>
-    </mc:Fallback>
-  </mc:AlternateContent>
-</p:sld>
-</file>
-
-<file path=ppt/slides/slide15.xml><?xml version="1.0" encoding="utf-8"?>
-<p:sld xmlns:a="http://schemas.openxmlformats.org/drawingml/2006/main" xmlns:r="http://schemas.openxmlformats.org/officeDocument/2006/relationships" xmlns:p="http://schemas.openxmlformats.org/presentationml/2006/main" show="0">
-  <p:cSld>
-    <p:spTree>
-      <p:nvGrpSpPr>
-        <p:cNvPr id="1" name=""/>
-        <p:cNvGrpSpPr/>
-        <p:nvPr/>
-      </p:nvGrpSpPr>
-      <p:grpSpPr>
-        <a:xfrm>
-          <a:off x="0" y="0"/>
-          <a:ext cx="0" cy="0"/>
-          <a:chOff x="0" y="0"/>
-          <a:chExt cx="0" cy="0"/>
-        </a:xfrm>
-      </p:grpSpPr>
-      <p:sp>
-        <p:nvSpPr>
-          <p:cNvPr id="2" name="Title 1"/>
-          <p:cNvSpPr>
-            <a:spLocks noGrp="1"/>
-          </p:cNvSpPr>
-          <p:nvPr>
-            <p:ph type="title"/>
-          </p:nvPr>
-        </p:nvSpPr>
-        <p:spPr/>
-        <p:txBody>
-          <a:bodyPr/>
-          <a:lstStyle/>
-          <a:p>
+            <a:r>
+              <a:rPr lang="en-US" dirty="0" smtClean="0"/>
+              <a:t>SSH Links</a:t>
+            </a:r>
             <a:endParaRPr lang="en-US" dirty="0"/>
           </a:p>
         </p:txBody>
@@ -4206,11 +4124,11 @@
   <p:clrMapOvr>
     <a:masterClrMapping/>
   </p:clrMapOvr>
-  <mc:AlternateContent xmlns:mc="http://schemas.openxmlformats.org/markup-compatibility/2006" xmlns:p14="http://schemas.microsoft.com/office/powerpoint/2010/main">
-    <mc:Choice Requires="p14">
+  <mc:AlternateContent xmlns:mc="http://schemas.openxmlformats.org/markup-compatibility/2006">
+    <mc:Choice xmlns:p14="http://schemas.microsoft.com/office/powerpoint/2010/main" Requires="p14">
       <p:transition spd="slow" p14:dur="2000"/>
     </mc:Choice>
-    <mc:Fallback xmlns="">
+    <mc:Fallback>
       <p:transition xmlns:p14="http://schemas.microsoft.com/office/powerpoint/2010/main" spd="slow"/>
     </mc:Fallback>
   </mc:AlternateContent>
@@ -4224,7 +4142,7 @@
 </p:sld>
 </file>
 
-<file path=ppt/slides/slide16.xml><?xml version="1.0" encoding="utf-8"?>
+<file path=ppt/slides/slide15.xml><?xml version="1.0" encoding="utf-8"?>
 <p:sld xmlns:a="http://schemas.openxmlformats.org/drawingml/2006/main" xmlns:r="http://schemas.openxmlformats.org/officeDocument/2006/relationships" xmlns:p="http://schemas.openxmlformats.org/presentationml/2006/main">
   <p:cSld>
     <p:spTree>
@@ -4384,11 +4302,7 @@
           <a:p>
             <a:r>
               <a:rPr lang="en-US" dirty="0" err="1" smtClean="0"/>
-              <a:t>Github</a:t>
-            </a:r>
-            <a:r>
-              <a:rPr lang="en-US" dirty="0" err="1" smtClean="0"/>
-              <a:t>使用</a:t>
+              <a:t>Github使用</a:t>
             </a:r>
             <a:endParaRPr lang="en-US" dirty="0"/>
           </a:p>
@@ -5034,23 +4948,11 @@
           <a:p>
             <a:r>
               <a:rPr lang="en-US" dirty="0" smtClean="0"/>
-              <a:t>等待</a:t>
-            </a:r>
-            <a:r>
-              <a:rPr lang="en-US" dirty="0" smtClean="0"/>
-              <a:t>被</a:t>
-            </a:r>
-            <a:r>
-              <a:rPr lang="en-US" dirty="0" smtClean="0"/>
-              <a:t>管理员添加</a:t>
+              <a:t>等待被管理员添加</a:t>
             </a:r>
             <a:r>
               <a:rPr lang="zh-CN" altLang="en-US" dirty="0" smtClean="0"/>
-              <a:t>为合</a:t>
-            </a:r>
-            <a:r>
-              <a:rPr lang="zh-CN" altLang="en-US" dirty="0" smtClean="0"/>
-              <a:t>作者</a:t>
+              <a:t>为合作者</a:t>
             </a:r>
             <a:endParaRPr lang="en-US" dirty="0"/>
           </a:p>

--- a/工具介绍和制品管理.pptx
+++ b/工具介绍和制品管理.pptx
@@ -4,6 +4,9 @@
   <p:sldMasterIdLst>
     <p:sldMasterId id="2147483839" r:id="rId1"/>
   </p:sldMasterIdLst>
+  <p:notesMasterIdLst>
+    <p:notesMasterId r:id="rId19"/>
+  </p:notesMasterIdLst>
   <p:sldIdLst>
     <p:sldId id="256" r:id="rId2"/>
     <p:sldId id="259" r:id="rId3"/>
@@ -21,6 +24,7 @@
     <p:sldId id="273" r:id="rId15"/>
     <p:sldId id="261" r:id="rId16"/>
     <p:sldId id="274" r:id="rId17"/>
+    <p:sldId id="275" r:id="rId18"/>
   </p:sldIdLst>
   <p:sldSz cx="9144000" cy="6858000" type="screen4x3"/>
   <p:notesSz cx="6858000" cy="9144000"/>
@@ -119,7 +123,457 @@
       </a:defRPr>
     </a:lvl9pPr>
   </p:defaultTextStyle>
+  <p:extLst>
+    <p:ext uri="{EFAFB233-063F-42B5-8137-9DF3F51BA10A}">
+      <p15:sldGuideLst xmlns:p15="http://schemas.microsoft.com/office/powerpoint/2012/main">
+        <p15:guide id="1" orient="horz" pos="2160">
+          <p15:clr>
+            <a:srgbClr val="A4A3A4"/>
+          </p15:clr>
+        </p15:guide>
+        <p15:guide id="2" pos="2880">
+          <p15:clr>
+            <a:srgbClr val="A4A3A4"/>
+          </p15:clr>
+        </p15:guide>
+      </p15:sldGuideLst>
+    </p:ext>
+  </p:extLst>
 </p:presentation>
+</file>
+
+<file path=ppt/notesMasters/notesMaster1.xml><?xml version="1.0" encoding="utf-8"?>
+<p:notesMaster xmlns:a="http://schemas.openxmlformats.org/drawingml/2006/main" xmlns:r="http://schemas.openxmlformats.org/officeDocument/2006/relationships" xmlns:p="http://schemas.openxmlformats.org/presentationml/2006/main">
+  <p:cSld>
+    <p:bg>
+      <p:bgRef idx="1001">
+        <a:schemeClr val="bg1"/>
+      </p:bgRef>
+    </p:bg>
+    <p:spTree>
+      <p:nvGrpSpPr>
+        <p:cNvPr id="1" name=""/>
+        <p:cNvGrpSpPr/>
+        <p:nvPr/>
+      </p:nvGrpSpPr>
+      <p:grpSpPr>
+        <a:xfrm>
+          <a:off x="0" y="0"/>
+          <a:ext cx="0" cy="0"/>
+          <a:chOff x="0" y="0"/>
+          <a:chExt cx="0" cy="0"/>
+        </a:xfrm>
+      </p:grpSpPr>
+      <p:sp>
+        <p:nvSpPr>
+          <p:cNvPr id="2" name="Header Placeholder 1"/>
+          <p:cNvSpPr>
+            <a:spLocks noGrp="1"/>
+          </p:cNvSpPr>
+          <p:nvPr>
+            <p:ph type="hdr" sz="quarter"/>
+          </p:nvPr>
+        </p:nvSpPr>
+        <p:spPr>
+          <a:xfrm>
+            <a:off x="0" y="0"/>
+            <a:ext cx="2971800" cy="458788"/>
+          </a:xfrm>
+          <a:prstGeom prst="rect">
+            <a:avLst/>
+          </a:prstGeom>
+        </p:spPr>
+        <p:txBody>
+          <a:bodyPr vert="horz" lIns="91440" tIns="45720" rIns="91440" bIns="45720" rtlCol="0"/>
+          <a:lstStyle>
+            <a:lvl1pPr algn="l">
+              <a:defRPr sz="1200"/>
+            </a:lvl1pPr>
+          </a:lstStyle>
+          <a:p>
+            <a:endParaRPr lang="en-US"/>
+          </a:p>
+        </p:txBody>
+      </p:sp>
+      <p:sp>
+        <p:nvSpPr>
+          <p:cNvPr id="3" name="Date Placeholder 2"/>
+          <p:cNvSpPr>
+            <a:spLocks noGrp="1"/>
+          </p:cNvSpPr>
+          <p:nvPr>
+            <p:ph type="dt" idx="1"/>
+          </p:nvPr>
+        </p:nvSpPr>
+        <p:spPr>
+          <a:xfrm>
+            <a:off x="3884613" y="0"/>
+            <a:ext cx="2971800" cy="458788"/>
+          </a:xfrm>
+          <a:prstGeom prst="rect">
+            <a:avLst/>
+          </a:prstGeom>
+        </p:spPr>
+        <p:txBody>
+          <a:bodyPr vert="horz" lIns="91440" tIns="45720" rIns="91440" bIns="45720" rtlCol="0"/>
+          <a:lstStyle>
+            <a:lvl1pPr algn="r">
+              <a:defRPr sz="1200"/>
+            </a:lvl1pPr>
+          </a:lstStyle>
+          <a:p>
+            <a:fld id="{5F017999-FFEB-4286-9971-791B82B27E33}" type="datetimeFigureOut">
+              <a:rPr lang="en-US" smtClean="0"/>
+              <a:t>3/25/2015</a:t>
+            </a:fld>
+            <a:endParaRPr lang="en-US"/>
+          </a:p>
+        </p:txBody>
+      </p:sp>
+      <p:sp>
+        <p:nvSpPr>
+          <p:cNvPr id="4" name="Slide Image Placeholder 3"/>
+          <p:cNvSpPr>
+            <a:spLocks noGrp="1" noRot="1" noChangeAspect="1"/>
+          </p:cNvSpPr>
+          <p:nvPr>
+            <p:ph type="sldImg" idx="2"/>
+          </p:nvPr>
+        </p:nvSpPr>
+        <p:spPr>
+          <a:xfrm>
+            <a:off x="1371600" y="1143000"/>
+            <a:ext cx="4114800" cy="3086100"/>
+          </a:xfrm>
+          <a:prstGeom prst="rect">
+            <a:avLst/>
+          </a:prstGeom>
+          <a:noFill/>
+          <a:ln w="12700">
+            <a:solidFill>
+              <a:prstClr val="black"/>
+            </a:solidFill>
+          </a:ln>
+        </p:spPr>
+        <p:txBody>
+          <a:bodyPr vert="horz" lIns="91440" tIns="45720" rIns="91440" bIns="45720" rtlCol="0" anchor="ctr"/>
+          <a:lstStyle/>
+          <a:p>
+            <a:endParaRPr lang="en-US"/>
+          </a:p>
+        </p:txBody>
+      </p:sp>
+      <p:sp>
+        <p:nvSpPr>
+          <p:cNvPr id="5" name="Notes Placeholder 4"/>
+          <p:cNvSpPr>
+            <a:spLocks noGrp="1"/>
+          </p:cNvSpPr>
+          <p:nvPr>
+            <p:ph type="body" sz="quarter" idx="3"/>
+          </p:nvPr>
+        </p:nvSpPr>
+        <p:spPr>
+          <a:xfrm>
+            <a:off x="685800" y="4400550"/>
+            <a:ext cx="5486400" cy="3600450"/>
+          </a:xfrm>
+          <a:prstGeom prst="rect">
+            <a:avLst/>
+          </a:prstGeom>
+        </p:spPr>
+        <p:txBody>
+          <a:bodyPr vert="horz" lIns="91440" tIns="45720" rIns="91440" bIns="45720" rtlCol="0"/>
+          <a:lstStyle/>
+          <a:p>
+            <a:pPr lvl="0"/>
+            <a:r>
+              <a:rPr lang="en-US" smtClean="0"/>
+              <a:t>Click to edit Master text styles</a:t>
+            </a:r>
+          </a:p>
+          <a:p>
+            <a:pPr lvl="1"/>
+            <a:r>
+              <a:rPr lang="en-US" smtClean="0"/>
+              <a:t>Second level</a:t>
+            </a:r>
+          </a:p>
+          <a:p>
+            <a:pPr lvl="2"/>
+            <a:r>
+              <a:rPr lang="en-US" smtClean="0"/>
+              <a:t>Third level</a:t>
+            </a:r>
+          </a:p>
+          <a:p>
+            <a:pPr lvl="3"/>
+            <a:r>
+              <a:rPr lang="en-US" smtClean="0"/>
+              <a:t>Fourth level</a:t>
+            </a:r>
+          </a:p>
+          <a:p>
+            <a:pPr lvl="4"/>
+            <a:r>
+              <a:rPr lang="en-US" smtClean="0"/>
+              <a:t>Fifth level</a:t>
+            </a:r>
+            <a:endParaRPr lang="en-US"/>
+          </a:p>
+        </p:txBody>
+      </p:sp>
+      <p:sp>
+        <p:nvSpPr>
+          <p:cNvPr id="6" name="Footer Placeholder 5"/>
+          <p:cNvSpPr>
+            <a:spLocks noGrp="1"/>
+          </p:cNvSpPr>
+          <p:nvPr>
+            <p:ph type="ftr" sz="quarter" idx="4"/>
+          </p:nvPr>
+        </p:nvSpPr>
+        <p:spPr>
+          <a:xfrm>
+            <a:off x="0" y="8685213"/>
+            <a:ext cx="2971800" cy="458787"/>
+          </a:xfrm>
+          <a:prstGeom prst="rect">
+            <a:avLst/>
+          </a:prstGeom>
+        </p:spPr>
+        <p:txBody>
+          <a:bodyPr vert="horz" lIns="91440" tIns="45720" rIns="91440" bIns="45720" rtlCol="0" anchor="b"/>
+          <a:lstStyle>
+            <a:lvl1pPr algn="l">
+              <a:defRPr sz="1200"/>
+            </a:lvl1pPr>
+          </a:lstStyle>
+          <a:p>
+            <a:endParaRPr lang="en-US"/>
+          </a:p>
+        </p:txBody>
+      </p:sp>
+      <p:sp>
+        <p:nvSpPr>
+          <p:cNvPr id="7" name="Slide Number Placeholder 6"/>
+          <p:cNvSpPr>
+            <a:spLocks noGrp="1"/>
+          </p:cNvSpPr>
+          <p:nvPr>
+            <p:ph type="sldNum" sz="quarter" idx="5"/>
+          </p:nvPr>
+        </p:nvSpPr>
+        <p:spPr>
+          <a:xfrm>
+            <a:off x="3884613" y="8685213"/>
+            <a:ext cx="2971800" cy="458787"/>
+          </a:xfrm>
+          <a:prstGeom prst="rect">
+            <a:avLst/>
+          </a:prstGeom>
+        </p:spPr>
+        <p:txBody>
+          <a:bodyPr vert="horz" lIns="91440" tIns="45720" rIns="91440" bIns="45720" rtlCol="0" anchor="b"/>
+          <a:lstStyle>
+            <a:lvl1pPr algn="r">
+              <a:defRPr sz="1200"/>
+            </a:lvl1pPr>
+          </a:lstStyle>
+          <a:p>
+            <a:fld id="{A3A7E2DF-73A7-4B17-8FE7-F51D73C520CB}" type="slidenum">
+              <a:rPr lang="en-US" smtClean="0"/>
+              <a:t>‹#›</a:t>
+            </a:fld>
+            <a:endParaRPr lang="en-US"/>
+          </a:p>
+        </p:txBody>
+      </p:sp>
+    </p:spTree>
+    <p:extLst>
+      <p:ext uri="{BB962C8B-B14F-4D97-AF65-F5344CB8AC3E}">
+        <p14:creationId xmlns:p14="http://schemas.microsoft.com/office/powerpoint/2010/main" val="2726060269"/>
+      </p:ext>
+    </p:extLst>
+  </p:cSld>
+  <p:clrMap bg1="lt1" tx1="dk1" bg2="lt2" tx2="dk2" accent1="accent1" accent2="accent2" accent3="accent3" accent4="accent4" accent5="accent5" accent6="accent6" hlink="hlink" folHlink="folHlink"/>
+  <p:notesStyle>
+    <a:lvl1pPr marL="0" algn="l" defTabSz="914400" rtl="0" eaLnBrk="1" latinLnBrk="0" hangingPunct="1">
+      <a:defRPr sz="1200" kern="1200">
+        <a:solidFill>
+          <a:schemeClr val="tx1"/>
+        </a:solidFill>
+        <a:latin typeface="+mn-lt"/>
+        <a:ea typeface="+mn-ea"/>
+        <a:cs typeface="+mn-cs"/>
+      </a:defRPr>
+    </a:lvl1pPr>
+    <a:lvl2pPr marL="457200" algn="l" defTabSz="914400" rtl="0" eaLnBrk="1" latinLnBrk="0" hangingPunct="1">
+      <a:defRPr sz="1200" kern="1200">
+        <a:solidFill>
+          <a:schemeClr val="tx1"/>
+        </a:solidFill>
+        <a:latin typeface="+mn-lt"/>
+        <a:ea typeface="+mn-ea"/>
+        <a:cs typeface="+mn-cs"/>
+      </a:defRPr>
+    </a:lvl2pPr>
+    <a:lvl3pPr marL="914400" algn="l" defTabSz="914400" rtl="0" eaLnBrk="1" latinLnBrk="0" hangingPunct="1">
+      <a:defRPr sz="1200" kern="1200">
+        <a:solidFill>
+          <a:schemeClr val="tx1"/>
+        </a:solidFill>
+        <a:latin typeface="+mn-lt"/>
+        <a:ea typeface="+mn-ea"/>
+        <a:cs typeface="+mn-cs"/>
+      </a:defRPr>
+    </a:lvl3pPr>
+    <a:lvl4pPr marL="1371600" algn="l" defTabSz="914400" rtl="0" eaLnBrk="1" latinLnBrk="0" hangingPunct="1">
+      <a:defRPr sz="1200" kern="1200">
+        <a:solidFill>
+          <a:schemeClr val="tx1"/>
+        </a:solidFill>
+        <a:latin typeface="+mn-lt"/>
+        <a:ea typeface="+mn-ea"/>
+        <a:cs typeface="+mn-cs"/>
+      </a:defRPr>
+    </a:lvl4pPr>
+    <a:lvl5pPr marL="1828800" algn="l" defTabSz="914400" rtl="0" eaLnBrk="1" latinLnBrk="0" hangingPunct="1">
+      <a:defRPr sz="1200" kern="1200">
+        <a:solidFill>
+          <a:schemeClr val="tx1"/>
+        </a:solidFill>
+        <a:latin typeface="+mn-lt"/>
+        <a:ea typeface="+mn-ea"/>
+        <a:cs typeface="+mn-cs"/>
+      </a:defRPr>
+    </a:lvl5pPr>
+    <a:lvl6pPr marL="2286000" algn="l" defTabSz="914400" rtl="0" eaLnBrk="1" latinLnBrk="0" hangingPunct="1">
+      <a:defRPr sz="1200" kern="1200">
+        <a:solidFill>
+          <a:schemeClr val="tx1"/>
+        </a:solidFill>
+        <a:latin typeface="+mn-lt"/>
+        <a:ea typeface="+mn-ea"/>
+        <a:cs typeface="+mn-cs"/>
+      </a:defRPr>
+    </a:lvl6pPr>
+    <a:lvl7pPr marL="2743200" algn="l" defTabSz="914400" rtl="0" eaLnBrk="1" latinLnBrk="0" hangingPunct="1">
+      <a:defRPr sz="1200" kern="1200">
+        <a:solidFill>
+          <a:schemeClr val="tx1"/>
+        </a:solidFill>
+        <a:latin typeface="+mn-lt"/>
+        <a:ea typeface="+mn-ea"/>
+        <a:cs typeface="+mn-cs"/>
+      </a:defRPr>
+    </a:lvl7pPr>
+    <a:lvl8pPr marL="3200400" algn="l" defTabSz="914400" rtl="0" eaLnBrk="1" latinLnBrk="0" hangingPunct="1">
+      <a:defRPr sz="1200" kern="1200">
+        <a:solidFill>
+          <a:schemeClr val="tx1"/>
+        </a:solidFill>
+        <a:latin typeface="+mn-lt"/>
+        <a:ea typeface="+mn-ea"/>
+        <a:cs typeface="+mn-cs"/>
+      </a:defRPr>
+    </a:lvl8pPr>
+    <a:lvl9pPr marL="3657600" algn="l" defTabSz="914400" rtl="0" eaLnBrk="1" latinLnBrk="0" hangingPunct="1">
+      <a:defRPr sz="1200" kern="1200">
+        <a:solidFill>
+          <a:schemeClr val="tx1"/>
+        </a:solidFill>
+        <a:latin typeface="+mn-lt"/>
+        <a:ea typeface="+mn-ea"/>
+        <a:cs typeface="+mn-cs"/>
+      </a:defRPr>
+    </a:lvl9pPr>
+  </p:notesStyle>
+</p:notesMaster>
+</file>
+
+<file path=ppt/notesSlides/notesSlide1.xml><?xml version="1.0" encoding="utf-8"?>
+<p:notes xmlns:a="http://schemas.openxmlformats.org/drawingml/2006/main" xmlns:r="http://schemas.openxmlformats.org/officeDocument/2006/relationships" xmlns:p="http://schemas.openxmlformats.org/presentationml/2006/main">
+  <p:cSld>
+    <p:spTree>
+      <p:nvGrpSpPr>
+        <p:cNvPr id="1" name=""/>
+        <p:cNvGrpSpPr/>
+        <p:nvPr/>
+      </p:nvGrpSpPr>
+      <p:grpSpPr>
+        <a:xfrm>
+          <a:off x="0" y="0"/>
+          <a:ext cx="0" cy="0"/>
+          <a:chOff x="0" y="0"/>
+          <a:chExt cx="0" cy="0"/>
+        </a:xfrm>
+      </p:grpSpPr>
+      <p:sp>
+        <p:nvSpPr>
+          <p:cNvPr id="2" name="Slide Image Placeholder 1"/>
+          <p:cNvSpPr>
+            <a:spLocks noGrp="1" noRot="1" noChangeAspect="1"/>
+          </p:cNvSpPr>
+          <p:nvPr>
+            <p:ph type="sldImg"/>
+          </p:nvPr>
+        </p:nvSpPr>
+        <p:spPr/>
+      </p:sp>
+      <p:sp>
+        <p:nvSpPr>
+          <p:cNvPr id="3" name="Notes Placeholder 2"/>
+          <p:cNvSpPr>
+            <a:spLocks noGrp="1"/>
+          </p:cNvSpPr>
+          <p:nvPr>
+            <p:ph type="body" idx="1"/>
+          </p:nvPr>
+        </p:nvSpPr>
+        <p:spPr/>
+        <p:txBody>
+          <a:bodyPr/>
+          <a:lstStyle/>
+          <a:p>
+            <a:endParaRPr lang="en-US"/>
+          </a:p>
+        </p:txBody>
+      </p:sp>
+      <p:sp>
+        <p:nvSpPr>
+          <p:cNvPr id="4" name="Slide Number Placeholder 3"/>
+          <p:cNvSpPr>
+            <a:spLocks noGrp="1"/>
+          </p:cNvSpPr>
+          <p:nvPr>
+            <p:ph type="sldNum" sz="quarter" idx="10"/>
+          </p:nvPr>
+        </p:nvSpPr>
+        <p:spPr/>
+        <p:txBody>
+          <a:bodyPr/>
+          <a:lstStyle/>
+          <a:p>
+            <a:fld id="{A3A7E2DF-73A7-4B17-8FE7-F51D73C520CB}" type="slidenum">
+              <a:rPr lang="en-US" smtClean="0"/>
+              <a:t>16</a:t>
+            </a:fld>
+            <a:endParaRPr lang="en-US"/>
+          </a:p>
+        </p:txBody>
+      </p:sp>
+    </p:spTree>
+    <p:extLst>
+      <p:ext uri="{BB962C8B-B14F-4D97-AF65-F5344CB8AC3E}">
+        <p14:creationId xmlns:p14="http://schemas.microsoft.com/office/powerpoint/2010/main" val="3784654015"/>
+      </p:ext>
+    </p:extLst>
+  </p:cSld>
+  <p:clrMapOvr>
+    <a:masterClrMapping/>
+  </p:clrMapOvr>
+</p:notes>
 </file>
 
 <file path=ppt/slideLayouts/slideLayout1.xml><?xml version="1.0" encoding="utf-8"?>
@@ -308,7 +762,7 @@
             <a:fld id="{2FE7D661-1836-44F7-8FAF-35E8F866ECD3}" type="datetime1">
               <a:rPr lang="en-US" smtClean="0"/>
               <a:pPr/>
-              <a:t>3/24/15</a:t>
+              <a:t>3/25/2015</a:t>
             </a:fld>
             <a:endParaRPr lang="en-US"/>
           </a:p>
@@ -473,7 +927,7 @@
           <a:p>
             <a:fld id="{B1FF71CE-B899-4B2B-848D-9F12F0C901B6}" type="datetimeFigureOut">
               <a:rPr lang="en-US" smtClean="0"/>
-              <a:t>3/24/15</a:t>
+              <a:t>3/25/2015</a:t>
             </a:fld>
             <a:endParaRPr lang="en-US"/>
           </a:p>
@@ -649,7 +1103,7 @@
             <a:fld id="{102CF1CA-F464-4B29-B867-EAF8A9B936E3}" type="datetime1">
               <a:rPr lang="en-US" smtClean="0"/>
               <a:pPr/>
-              <a:t>3/24/15</a:t>
+              <a:t>3/25/2015</a:t>
             </a:fld>
             <a:endParaRPr lang="en-US" dirty="0"/>
           </a:p>
@@ -816,7 +1270,7 @@
             <a:fld id="{CAE6B357-51B9-47D2-A71D-0D06CB03185D}" type="datetime1">
               <a:rPr lang="en-US" smtClean="0"/>
               <a:pPr/>
-              <a:t>3/24/15</a:t>
+              <a:t>3/25/2015</a:t>
             </a:fld>
             <a:endParaRPr lang="en-US"/>
           </a:p>
@@ -1057,7 +1511,7 @@
             <a:fld id="{058CB827-F132-4DF6-9FB9-4035A4C798EF}" type="datetime1">
               <a:rPr lang="en-US" smtClean="0"/>
               <a:pPr/>
-              <a:t>3/24/15</a:t>
+              <a:t>3/25/2015</a:t>
             </a:fld>
             <a:endParaRPr lang="en-US"/>
           </a:p>
@@ -1341,7 +1795,7 @@
             <a:fld id="{1A92A601-7D32-4ED7-AD1A-974B6DDBDCDC}" type="datetime1">
               <a:rPr lang="en-US" smtClean="0"/>
               <a:pPr/>
-              <a:t>3/24/15</a:t>
+              <a:t>3/25/2015</a:t>
             </a:fld>
             <a:endParaRPr lang="en-US"/>
           </a:p>
@@ -1760,7 +2214,7 @@
             <a:fld id="{63A17B41-4A0C-4639-A132-E5C8F99A4BE8}" type="datetime1">
               <a:rPr lang="en-US" smtClean="0"/>
               <a:pPr/>
-              <a:t>3/24/15</a:t>
+              <a:t>3/25/2015</a:t>
             </a:fld>
             <a:endParaRPr lang="en-US"/>
           </a:p>
@@ -1875,7 +2329,7 @@
             <a:fld id="{BE9967FD-6084-4075-993E-77EC8038773F}" type="datetime1">
               <a:rPr lang="en-US" smtClean="0"/>
               <a:pPr/>
-              <a:t>3/24/15</a:t>
+              <a:t>3/25/2015</a:t>
             </a:fld>
             <a:endParaRPr lang="en-US"/>
           </a:p>
@@ -1967,7 +2421,7 @@
             <a:fld id="{3B988B47-74BA-4873-ADAE-EB0120124E83}" type="datetime1">
               <a:rPr lang="en-US" smtClean="0"/>
               <a:pPr/>
-              <a:t>3/24/15</a:t>
+              <a:t>3/25/2015</a:t>
             </a:fld>
             <a:endParaRPr lang="en-US"/>
           </a:p>
@@ -2248,7 +2702,7 @@
             <a:fld id="{93CF52C1-9A39-494C-9977-BBEFAB872C1F}" type="datetime1">
               <a:rPr lang="en-US" smtClean="0"/>
               <a:pPr/>
-              <a:t>3/24/15</a:t>
+              <a:t>3/25/2015</a:t>
             </a:fld>
             <a:endParaRPr lang="en-US"/>
           </a:p>
@@ -2509,7 +2963,7 @@
             <a:fld id="{CD1EACE2-EA00-4376-9A66-47ABB8B02CF5}" type="datetime1">
               <a:rPr lang="en-US" smtClean="0"/>
               <a:pPr/>
-              <a:t>3/24/15</a:t>
+              <a:t>3/25/2015</a:t>
             </a:fld>
             <a:endParaRPr lang="en-US"/>
           </a:p>
@@ -2719,7 +3173,7 @@
             <a:fld id="{DA47DADC-55EA-4839-91C8-5BCC0EC06F5C}" type="datetime1">
               <a:rPr lang="en-US" smtClean="0"/>
               <a:pPr/>
-              <a:t>3/24/15</a:t>
+              <a:t>3/25/2015</a:t>
             </a:fld>
             <a:endParaRPr lang="en-US" dirty="0"/>
           </a:p>
@@ -3282,7 +3736,7 @@
           <p:nvPr/>
         </p:nvPicPr>
         <p:blipFill>
-          <a:blip r:embed="rId2">
+          <a:blip r:embed="rId2" cstate="email">
             <a:extLst>
               <a:ext uri="{28A0092B-C50C-407E-A947-70E740481C1C}">
                 <a14:useLocalDpi xmlns:a14="http://schemas.microsoft.com/office/drawing/2010/main" val="0"/>
@@ -3312,7 +3766,7 @@
           <p:nvPr/>
         </p:nvPicPr>
         <p:blipFill rotWithShape="1">
-          <a:blip r:embed="rId2">
+          <a:blip r:embed="rId3">
             <a:extLst>
               <a:ext uri="{28A0092B-C50C-407E-A947-70E740481C1C}">
                 <a14:useLocalDpi xmlns:a14="http://schemas.microsoft.com/office/drawing/2010/main" val="0"/>
@@ -3341,7 +3795,7 @@
           <p:nvPr/>
         </p:nvPicPr>
         <p:blipFill rotWithShape="1">
-          <a:blip r:embed="rId2">
+          <a:blip r:embed="rId3">
             <a:extLst>
               <a:ext uri="{28A0092B-C50C-407E-A947-70E740481C1C}">
                 <a14:useLocalDpi xmlns:a14="http://schemas.microsoft.com/office/drawing/2010/main" val="0"/>
@@ -3374,7 +3828,7 @@
   <p:timing>
     <p:tnLst>
       <p:par>
-        <p:cTn xmlns:p14="http://schemas.microsoft.com/office/powerpoint/2010/main" id="1" dur="indefinite" restart="never" nodeType="tmRoot">
+        <p:cTn id="1" dur="indefinite" restart="never" nodeType="tmRoot">
           <p:childTnLst>
             <p:seq concurrent="1" nextAc="seek">
               <p:cTn id="2" dur="indefinite" nodeType="mainSeq">
@@ -3657,7 +4111,7 @@
   <p:timing>
     <p:tnLst>
       <p:par>
-        <p:cTn xmlns:p14="http://schemas.microsoft.com/office/powerpoint/2010/main" id="1" dur="indefinite" restart="never" nodeType="tmRoot"/>
+        <p:cTn id="1" dur="indefinite" restart="never" nodeType="tmRoot"/>
       </p:par>
     </p:tnLst>
   </p:timing>
@@ -3754,7 +4208,7 @@
   <p:timing>
     <p:tnLst>
       <p:par>
-        <p:cTn xmlns:p14="http://schemas.microsoft.com/office/powerpoint/2010/main" id="1" dur="indefinite" restart="never" nodeType="tmRoot"/>
+        <p:cTn id="1" dur="indefinite" restart="never" nodeType="tmRoot"/>
       </p:par>
     </p:tnLst>
   </p:timing>
@@ -4217,7 +4671,7 @@
   <p:timing>
     <p:tnLst>
       <p:par>
-        <p:cTn xmlns:p14="http://schemas.microsoft.com/office/powerpoint/2010/main" id="1" dur="indefinite" restart="never" nodeType="tmRoot"/>
+        <p:cTn id="1" dur="indefinite" restart="never" nodeType="tmRoot"/>
       </p:par>
     </p:tnLst>
   </p:timing>
@@ -4341,6 +4795,74 @@
     <p:extLst>
       <p:ext uri="{BB962C8B-B14F-4D97-AF65-F5344CB8AC3E}">
         <p14:creationId xmlns:p14="http://schemas.microsoft.com/office/powerpoint/2010/main" val="2418512981"/>
+      </p:ext>
+    </p:extLst>
+  </p:cSld>
+  <p:clrMapOvr>
+    <a:masterClrMapping/>
+  </p:clrMapOvr>
+</p:sld>
+</file>
+
+<file path=ppt/slides/slide17.xml><?xml version="1.0" encoding="utf-8"?>
+<p:sld xmlns:a="http://schemas.openxmlformats.org/drawingml/2006/main" xmlns:r="http://schemas.openxmlformats.org/officeDocument/2006/relationships" xmlns:p="http://schemas.openxmlformats.org/presentationml/2006/main">
+  <p:cSld>
+    <p:spTree>
+      <p:nvGrpSpPr>
+        <p:cNvPr id="1" name=""/>
+        <p:cNvGrpSpPr/>
+        <p:nvPr/>
+      </p:nvGrpSpPr>
+      <p:grpSpPr>
+        <a:xfrm>
+          <a:off x="0" y="0"/>
+          <a:ext cx="0" cy="0"/>
+          <a:chOff x="0" y="0"/>
+          <a:chExt cx="0" cy="0"/>
+        </a:xfrm>
+      </p:grpSpPr>
+      <p:sp>
+        <p:nvSpPr>
+          <p:cNvPr id="2" name="Title 1"/>
+          <p:cNvSpPr>
+            <a:spLocks noGrp="1"/>
+          </p:cNvSpPr>
+          <p:nvPr>
+            <p:ph type="title"/>
+          </p:nvPr>
+        </p:nvSpPr>
+        <p:spPr/>
+        <p:txBody>
+          <a:bodyPr/>
+          <a:lstStyle/>
+          <a:p>
+            <a:endParaRPr lang="en-US"/>
+          </a:p>
+        </p:txBody>
+      </p:sp>
+      <p:sp>
+        <p:nvSpPr>
+          <p:cNvPr id="3" name="Content Placeholder 2"/>
+          <p:cNvSpPr>
+            <a:spLocks noGrp="1"/>
+          </p:cNvSpPr>
+          <p:nvPr>
+            <p:ph idx="1"/>
+          </p:nvPr>
+        </p:nvSpPr>
+        <p:spPr/>
+        <p:txBody>
+          <a:bodyPr/>
+          <a:lstStyle/>
+          <a:p>
+            <a:endParaRPr lang="en-US"/>
+          </a:p>
+        </p:txBody>
+      </p:sp>
+    </p:spTree>
+    <p:extLst>
+      <p:ext uri="{BB962C8B-B14F-4D97-AF65-F5344CB8AC3E}">
+        <p14:creationId xmlns:p14="http://schemas.microsoft.com/office/powerpoint/2010/main" val="233733037"/>
       </p:ext>
     </p:extLst>
   </p:cSld>
@@ -4384,11 +4906,7 @@
           <a:p>
             <a:r>
               <a:rPr lang="en-US" dirty="0" err="1" smtClean="0"/>
-              <a:t>Github</a:t>
-            </a:r>
-            <a:r>
-              <a:rPr lang="en-US" dirty="0" err="1" smtClean="0"/>
-              <a:t>使用</a:t>
+              <a:t>Github使用</a:t>
             </a:r>
             <a:endParaRPr lang="en-US" dirty="0"/>
           </a:p>
@@ -4586,7 +5104,7 @@
           <p:nvPr/>
         </p:nvPicPr>
         <p:blipFill>
-          <a:blip r:embed="rId2">
+          <a:blip r:embed="rId2" cstate="email">
             <a:extLst>
               <a:ext uri="{28A0092B-C50C-407E-A947-70E740481C1C}">
                 <a14:useLocalDpi xmlns:a14="http://schemas.microsoft.com/office/drawing/2010/main" val="0"/>
@@ -4683,7 +5201,7 @@
           <p:nvPr/>
         </p:nvPicPr>
         <p:blipFill>
-          <a:blip r:embed="rId2">
+          <a:blip r:embed="rId2" cstate="email">
             <a:extLst>
               <a:ext uri="{28A0092B-C50C-407E-A947-70E740481C1C}">
                 <a14:useLocalDpi xmlns:a14="http://schemas.microsoft.com/office/drawing/2010/main" val="0"/>
@@ -4713,7 +5231,7 @@
           <p:nvPr/>
         </p:nvPicPr>
         <p:blipFill>
-          <a:blip r:embed="rId3">
+          <a:blip r:embed="rId3" cstate="email">
             <a:extLst>
               <a:ext uri="{28A0092B-C50C-407E-A947-70E740481C1C}">
                 <a14:useLocalDpi xmlns:a14="http://schemas.microsoft.com/office/drawing/2010/main" val="0"/>
@@ -4747,7 +5265,7 @@
   <p:timing>
     <p:tnLst>
       <p:par>
-        <p:cTn xmlns:p14="http://schemas.microsoft.com/office/powerpoint/2010/main" id="1" dur="indefinite" restart="never" nodeType="tmRoot"/>
+        <p:cTn id="1" dur="indefinite" restart="never" nodeType="tmRoot"/>
       </p:par>
     </p:tnLst>
   </p:timing>
@@ -5034,23 +5552,11 @@
           <a:p>
             <a:r>
               <a:rPr lang="en-US" dirty="0" smtClean="0"/>
-              <a:t>等待</a:t>
-            </a:r>
-            <a:r>
-              <a:rPr lang="en-US" dirty="0" smtClean="0"/>
-              <a:t>被</a:t>
-            </a:r>
-            <a:r>
-              <a:rPr lang="en-US" dirty="0" smtClean="0"/>
-              <a:t>管理员添加</a:t>
+              <a:t>等待被管理员添加</a:t>
             </a:r>
             <a:r>
               <a:rPr lang="zh-CN" altLang="en-US" dirty="0" smtClean="0"/>
-              <a:t>为合</a:t>
-            </a:r>
-            <a:r>
-              <a:rPr lang="zh-CN" altLang="en-US" dirty="0" smtClean="0"/>
-              <a:t>作者</a:t>
+              <a:t>为合作者</a:t>
             </a:r>
             <a:endParaRPr lang="en-US" dirty="0"/>
           </a:p>
@@ -5152,7 +5658,7 @@
   <p:timing>
     <p:tnLst>
       <p:par>
-        <p:cTn xmlns:p14="http://schemas.microsoft.com/office/powerpoint/2010/main" id="1" dur="indefinite" restart="never" nodeType="tmRoot"/>
+        <p:cTn id="1" dur="indefinite" restart="never" nodeType="tmRoot"/>
       </p:par>
     </p:tnLst>
   </p:timing>
@@ -5396,7 +5902,7 @@
           <p:nvPr/>
         </p:nvPicPr>
         <p:blipFill>
-          <a:blip r:embed="rId2">
+          <a:blip r:embed="rId2" cstate="email">
             <a:extLst>
               <a:ext uri="{28A0092B-C50C-407E-A947-70E740481C1C}">
                 <a14:useLocalDpi xmlns:a14="http://schemas.microsoft.com/office/drawing/2010/main" val="0"/>
@@ -5426,7 +5932,7 @@
           <p:nvPr/>
         </p:nvPicPr>
         <p:blipFill>
-          <a:blip r:embed="rId3">
+          <a:blip r:embed="rId3" cstate="email">
             <a:extLst>
               <a:ext uri="{28A0092B-C50C-407E-A947-70E740481C1C}">
                 <a14:useLocalDpi xmlns:a14="http://schemas.microsoft.com/office/drawing/2010/main" val="0"/>
@@ -5456,7 +5962,7 @@
           <p:nvPr/>
         </p:nvPicPr>
         <p:blipFill>
-          <a:blip r:embed="rId4">
+          <a:blip r:embed="rId4" cstate="email">
             <a:extLst>
               <a:ext uri="{28A0092B-C50C-407E-A947-70E740481C1C}">
                 <a14:useLocalDpi xmlns:a14="http://schemas.microsoft.com/office/drawing/2010/main" val="0"/>
@@ -5490,7 +5996,7 @@
   <p:timing>
     <p:tnLst>
       <p:par>
-        <p:cTn xmlns:p14="http://schemas.microsoft.com/office/powerpoint/2010/main" id="1" dur="indefinite" restart="never" nodeType="tmRoot">
+        <p:cTn id="1" dur="indefinite" restart="never" nodeType="tmRoot">
           <p:childTnLst>
             <p:seq concurrent="1" nextAc="seek">
               <p:cTn id="2" dur="indefinite" nodeType="mainSeq">
@@ -5878,7 +6384,7 @@
   <p:timing>
     <p:tnLst>
       <p:par>
-        <p:cTn xmlns:p14="http://schemas.microsoft.com/office/powerpoint/2010/main" id="1" dur="indefinite" restart="never" nodeType="tmRoot"/>
+        <p:cTn id="1" dur="indefinite" restart="never" nodeType="tmRoot"/>
       </p:par>
     </p:tnLst>
   </p:timing>
@@ -6178,4 +6684,265 @@
   <a:objectDefaults/>
   <a:extraClrSchemeLst/>
 </a:theme>
+</file>
+
+<file path=ppt/theme/theme2.xml><?xml version="1.0" encoding="utf-8"?>
+<a:theme xmlns:a="http://schemas.openxmlformats.org/drawingml/2006/main" name="Office Theme">
+  <a:themeElements>
+    <a:clrScheme name="Office">
+      <a:dk1>
+        <a:sysClr val="windowText" lastClr="000000"/>
+      </a:dk1>
+      <a:lt1>
+        <a:sysClr val="window" lastClr="FFFFFF"/>
+      </a:lt1>
+      <a:dk2>
+        <a:srgbClr val="44546A"/>
+      </a:dk2>
+      <a:lt2>
+        <a:srgbClr val="E7E6E6"/>
+      </a:lt2>
+      <a:accent1>
+        <a:srgbClr val="5B9BD5"/>
+      </a:accent1>
+      <a:accent2>
+        <a:srgbClr val="ED7D31"/>
+      </a:accent2>
+      <a:accent3>
+        <a:srgbClr val="A5A5A5"/>
+      </a:accent3>
+      <a:accent4>
+        <a:srgbClr val="FFC000"/>
+      </a:accent4>
+      <a:accent5>
+        <a:srgbClr val="4472C4"/>
+      </a:accent5>
+      <a:accent6>
+        <a:srgbClr val="70AD47"/>
+      </a:accent6>
+      <a:hlink>
+        <a:srgbClr val="0563C1"/>
+      </a:hlink>
+      <a:folHlink>
+        <a:srgbClr val="954F72"/>
+      </a:folHlink>
+    </a:clrScheme>
+    <a:fontScheme name="Office">
+      <a:majorFont>
+        <a:latin typeface="Calibri Light" panose="020F0302020204030204"/>
+        <a:ea typeface=""/>
+        <a:cs typeface=""/>
+        <a:font script="Jpan" typeface="ＭＳ Ｐゴシック"/>
+        <a:font script="Hang" typeface="맑은 고딕"/>
+        <a:font script="Hans" typeface="宋体"/>
+        <a:font script="Hant" typeface="新細明體"/>
+        <a:font script="Arab" typeface="Times New Roman"/>
+        <a:font script="Hebr" typeface="Times New Roman"/>
+        <a:font script="Thai" typeface="Angsana New"/>
+        <a:font script="Ethi" typeface="Nyala"/>
+        <a:font script="Beng" typeface="Vrinda"/>
+        <a:font script="Gujr" typeface="Shruti"/>
+        <a:font script="Khmr" typeface="MoolBoran"/>
+        <a:font script="Knda" typeface="Tunga"/>
+        <a:font script="Guru" typeface="Raavi"/>
+        <a:font script="Cans" typeface="Euphemia"/>
+        <a:font script="Cher" typeface="Plantagenet Cherokee"/>
+        <a:font script="Yiii" typeface="Microsoft Yi Baiti"/>
+        <a:font script="Tibt" typeface="Microsoft Himalaya"/>
+        <a:font script="Thaa" typeface="MV Boli"/>
+        <a:font script="Deva" typeface="Mangal"/>
+        <a:font script="Telu" typeface="Gautami"/>
+        <a:font script="Taml" typeface="Latha"/>
+        <a:font script="Syrc" typeface="Estrangelo Edessa"/>
+        <a:font script="Orya" typeface="Kalinga"/>
+        <a:font script="Mlym" typeface="Kartika"/>
+        <a:font script="Laoo" typeface="DokChampa"/>
+        <a:font script="Sinh" typeface="Iskoola Pota"/>
+        <a:font script="Mong" typeface="Mongolian Baiti"/>
+        <a:font script="Viet" typeface="Times New Roman"/>
+        <a:font script="Uigh" typeface="Microsoft Uighur"/>
+        <a:font script="Geor" typeface="Sylfaen"/>
+      </a:majorFont>
+      <a:minorFont>
+        <a:latin typeface="Calibri" panose="020F0502020204030204"/>
+        <a:ea typeface=""/>
+        <a:cs typeface=""/>
+        <a:font script="Jpan" typeface="ＭＳ Ｐゴシック"/>
+        <a:font script="Hang" typeface="맑은 고딕"/>
+        <a:font script="Hans" typeface="宋体"/>
+        <a:font script="Hant" typeface="新細明體"/>
+        <a:font script="Arab" typeface="Arial"/>
+        <a:font script="Hebr" typeface="Arial"/>
+        <a:font script="Thai" typeface="Cordia New"/>
+        <a:font script="Ethi" typeface="Nyala"/>
+        <a:font script="Beng" typeface="Vrinda"/>
+        <a:font script="Gujr" typeface="Shruti"/>
+        <a:font script="Khmr" typeface="DaunPenh"/>
+        <a:font script="Knda" typeface="Tunga"/>
+        <a:font script="Guru" typeface="Raavi"/>
+        <a:font script="Cans" typeface="Euphemia"/>
+        <a:font script="Cher" typeface="Plantagenet Cherokee"/>
+        <a:font script="Yiii" typeface="Microsoft Yi Baiti"/>
+        <a:font script="Tibt" typeface="Microsoft Himalaya"/>
+        <a:font script="Thaa" typeface="MV Boli"/>
+        <a:font script="Deva" typeface="Mangal"/>
+        <a:font script="Telu" typeface="Gautami"/>
+        <a:font script="Taml" typeface="Latha"/>
+        <a:font script="Syrc" typeface="Estrangelo Edessa"/>
+        <a:font script="Orya" typeface="Kalinga"/>
+        <a:font script="Mlym" typeface="Kartika"/>
+        <a:font script="Laoo" typeface="DokChampa"/>
+        <a:font script="Sinh" typeface="Iskoola Pota"/>
+        <a:font script="Mong" typeface="Mongolian Baiti"/>
+        <a:font script="Viet" typeface="Arial"/>
+        <a:font script="Uigh" typeface="Microsoft Uighur"/>
+        <a:font script="Geor" typeface="Sylfaen"/>
+      </a:minorFont>
+    </a:fontScheme>
+    <a:fmtScheme name="Office">
+      <a:fillStyleLst>
+        <a:solidFill>
+          <a:schemeClr val="phClr"/>
+        </a:solidFill>
+        <a:gradFill rotWithShape="1">
+          <a:gsLst>
+            <a:gs pos="0">
+              <a:schemeClr val="phClr">
+                <a:lumMod val="110000"/>
+                <a:satMod val="105000"/>
+                <a:tint val="67000"/>
+              </a:schemeClr>
+            </a:gs>
+            <a:gs pos="50000">
+              <a:schemeClr val="phClr">
+                <a:lumMod val="105000"/>
+                <a:satMod val="103000"/>
+                <a:tint val="73000"/>
+              </a:schemeClr>
+            </a:gs>
+            <a:gs pos="100000">
+              <a:schemeClr val="phClr">
+                <a:lumMod val="105000"/>
+                <a:satMod val="109000"/>
+                <a:tint val="81000"/>
+              </a:schemeClr>
+            </a:gs>
+          </a:gsLst>
+          <a:lin ang="5400000" scaled="0"/>
+        </a:gradFill>
+        <a:gradFill rotWithShape="1">
+          <a:gsLst>
+            <a:gs pos="0">
+              <a:schemeClr val="phClr">
+                <a:satMod val="103000"/>
+                <a:lumMod val="102000"/>
+                <a:tint val="94000"/>
+              </a:schemeClr>
+            </a:gs>
+            <a:gs pos="50000">
+              <a:schemeClr val="phClr">
+                <a:satMod val="110000"/>
+                <a:lumMod val="100000"/>
+                <a:shade val="100000"/>
+              </a:schemeClr>
+            </a:gs>
+            <a:gs pos="100000">
+              <a:schemeClr val="phClr">
+                <a:lumMod val="99000"/>
+                <a:satMod val="120000"/>
+                <a:shade val="78000"/>
+              </a:schemeClr>
+            </a:gs>
+          </a:gsLst>
+          <a:lin ang="5400000" scaled="0"/>
+        </a:gradFill>
+      </a:fillStyleLst>
+      <a:lnStyleLst>
+        <a:ln w="6350" cap="flat" cmpd="sng" algn="ctr">
+          <a:solidFill>
+            <a:schemeClr val="phClr"/>
+          </a:solidFill>
+          <a:prstDash val="solid"/>
+          <a:miter lim="800000"/>
+        </a:ln>
+        <a:ln w="12700" cap="flat" cmpd="sng" algn="ctr">
+          <a:solidFill>
+            <a:schemeClr val="phClr"/>
+          </a:solidFill>
+          <a:prstDash val="solid"/>
+          <a:miter lim="800000"/>
+        </a:ln>
+        <a:ln w="19050" cap="flat" cmpd="sng" algn="ctr">
+          <a:solidFill>
+            <a:schemeClr val="phClr"/>
+          </a:solidFill>
+          <a:prstDash val="solid"/>
+          <a:miter lim="800000"/>
+        </a:ln>
+      </a:lnStyleLst>
+      <a:effectStyleLst>
+        <a:effectStyle>
+          <a:effectLst/>
+        </a:effectStyle>
+        <a:effectStyle>
+          <a:effectLst/>
+        </a:effectStyle>
+        <a:effectStyle>
+          <a:effectLst>
+            <a:outerShdw blurRad="57150" dist="19050" dir="5400000" algn="ctr" rotWithShape="0">
+              <a:srgbClr val="000000">
+                <a:alpha val="63000"/>
+              </a:srgbClr>
+            </a:outerShdw>
+          </a:effectLst>
+        </a:effectStyle>
+      </a:effectStyleLst>
+      <a:bgFillStyleLst>
+        <a:solidFill>
+          <a:schemeClr val="phClr"/>
+        </a:solidFill>
+        <a:solidFill>
+          <a:schemeClr val="phClr">
+            <a:tint val="95000"/>
+            <a:satMod val="170000"/>
+          </a:schemeClr>
+        </a:solidFill>
+        <a:gradFill rotWithShape="1">
+          <a:gsLst>
+            <a:gs pos="0">
+              <a:schemeClr val="phClr">
+                <a:tint val="93000"/>
+                <a:satMod val="150000"/>
+                <a:shade val="98000"/>
+                <a:lumMod val="102000"/>
+              </a:schemeClr>
+            </a:gs>
+            <a:gs pos="50000">
+              <a:schemeClr val="phClr">
+                <a:tint val="98000"/>
+                <a:satMod val="130000"/>
+                <a:shade val="90000"/>
+                <a:lumMod val="103000"/>
+              </a:schemeClr>
+            </a:gs>
+            <a:gs pos="100000">
+              <a:schemeClr val="phClr">
+                <a:shade val="63000"/>
+                <a:satMod val="120000"/>
+              </a:schemeClr>
+            </a:gs>
+          </a:gsLst>
+          <a:lin ang="5400000" scaled="0"/>
+        </a:gradFill>
+      </a:bgFillStyleLst>
+    </a:fmtScheme>
+  </a:themeElements>
+  <a:objectDefaults/>
+  <a:extraClrSchemeLst/>
+  <a:extLst>
+    <a:ext uri="{05A4C25C-085E-4340-85A3-A5531E510DB2}">
+      <thm15:themeFamily xmlns:thm15="http://schemas.microsoft.com/office/thememl/2012/main" name="Office Theme" id="{62F939B6-93AF-4DB8-9C6B-D6C7DFDC589F}" vid="{4A3C46E8-61CC-4603-A589-7422A47A8E4A}"/>
+    </a:ext>
+  </a:extLst>
+</a:theme>
 </file>
--- a/工具介绍和制品管理.pptx
+++ b/工具介绍和制品管理.pptx
@@ -3800,7 +3800,11 @@
           <a:bodyPr/>
           <a:lstStyle/>
           <a:p>
-            <a:endParaRPr lang="en-US"/>
+            <a:r>
+              <a:rPr lang="zh-CN" altLang="en-US" dirty="0" smtClean="0"/>
+              <a:t>资源</a:t>
+            </a:r>
+            <a:endParaRPr lang="en-US" dirty="0"/>
           </a:p>
         </p:txBody>
       </p:sp>
@@ -3814,119 +3818,295 @@
             <p:ph idx="1"/>
           </p:nvPr>
         </p:nvSpPr>
-        <p:spPr/>
+        <p:spPr>
+          <a:xfrm>
+            <a:off x="457200" y="1600200"/>
+            <a:ext cx="8229600" cy="4852864"/>
+          </a:xfrm>
+        </p:spPr>
         <p:txBody>
           <a:bodyPr>
-            <a:normAutofit fontScale="47500" lnSpcReduction="20000"/>
+            <a:normAutofit fontScale="70000" lnSpcReduction="20000"/>
           </a:bodyPr>
           <a:lstStyle/>
           <a:p>
             <a:r>
+              <a:rPr lang="en-US" dirty="0" smtClean="0">
+                <a:solidFill>
+                  <a:srgbClr val="FFFF00"/>
+                </a:solidFill>
+              </a:rPr>
+              <a:t>https</a:t>
+            </a:r>
+            <a:r>
               <a:rPr lang="en-US" dirty="0">
-                <a:hlinkClick r:id="rId2"/>
+                <a:solidFill>
+                  <a:srgbClr val="FFFF00"/>
+                </a:solidFill>
               </a:rPr>
-              <a:t>http://www.pcmag.com/article2/0,2817,2380448,00.</a:t>
+              <a:t>://education.github.com/</a:t>
             </a:r>
             <a:r>
               <a:rPr lang="en-US" dirty="0" smtClean="0">
-                <a:hlinkClick r:id="rId2"/>
-              </a:rPr>
-              <a:t>asp</a:t>
-            </a:r>
-            <a:endParaRPr lang="en-US" dirty="0" smtClean="0"/>
-          </a:p>
-          <a:p>
-            <a:endParaRPr lang="en-US" dirty="0"/>
-          </a:p>
-          <a:p>
-            <a:r>
-              <a:rPr lang="en-US" dirty="0">
-                <a:hlinkClick r:id="rId3"/>
-              </a:rPr>
-              <a:t>https://education.github.com/</a:t>
-            </a:r>
-            <a:r>
-              <a:rPr lang="en-US" dirty="0" smtClean="0">
-                <a:hlinkClick r:id="rId3"/>
+                <a:solidFill>
+                  <a:srgbClr val="FFFF00"/>
+                </a:solidFill>
               </a:rPr>
               <a:t>pack</a:t>
             </a:r>
-            <a:endParaRPr lang="en-US" dirty="0" smtClean="0"/>
-          </a:p>
-          <a:p>
-            <a:endParaRPr lang="en-US" dirty="0"/>
+            <a:r>
+              <a:rPr lang="zh-CN" altLang="en-US" dirty="0" smtClean="0">
+                <a:solidFill>
+                  <a:srgbClr val="FFFF00"/>
+                </a:solidFill>
+              </a:rPr>
+              <a:t> </a:t>
+            </a:r>
+            <a:r>
+              <a:rPr lang="en-US" altLang="zh-CN" dirty="0" err="1" smtClean="0">
+                <a:solidFill>
+                  <a:srgbClr val="FFFFFF"/>
+                </a:solidFill>
+              </a:rPr>
+              <a:t>Github</a:t>
+            </a:r>
+            <a:r>
+              <a:rPr lang="zh-CN" altLang="en-US" dirty="0" smtClean="0">
+                <a:solidFill>
+                  <a:srgbClr val="FFFFFF"/>
+                </a:solidFill>
+              </a:rPr>
+              <a:t>教育包</a:t>
+            </a:r>
+            <a:endParaRPr lang="en-US" dirty="0">
+              <a:solidFill>
+                <a:srgbClr val="FFFFFF"/>
+              </a:solidFill>
+            </a:endParaRPr>
           </a:p>
           <a:p>
             <a:r>
               <a:rPr lang="en-US" dirty="0">
-                <a:hlinkClick r:id="rId4"/>
+                <a:solidFill>
+                  <a:srgbClr val="FFFF00"/>
+                </a:solidFill>
               </a:rPr>
               <a:t>https://opensource.com/life/15/2/beginners-guide-</a:t>
             </a:r>
             <a:r>
-              <a:rPr lang="en-US" dirty="0" smtClean="0">
-                <a:hlinkClick r:id="rId4"/>
+              <a:rPr lang="en-US" dirty="0" err="1" smtClean="0">
+                <a:solidFill>
+                  <a:srgbClr val="FFFF00"/>
+                </a:solidFill>
               </a:rPr>
               <a:t>github</a:t>
             </a:r>
-            <a:endParaRPr lang="en-US" dirty="0" smtClean="0"/>
-          </a:p>
-          <a:p>
-            <a:endParaRPr lang="en-US" dirty="0" smtClean="0"/>
-          </a:p>
-          <a:p>
+            <a:r>
+              <a:rPr lang="zh-CN" altLang="en-US" dirty="0" smtClean="0">
+                <a:solidFill>
+                  <a:srgbClr val="FFFF00"/>
+                </a:solidFill>
+              </a:rPr>
+              <a:t> </a:t>
+            </a:r>
+            <a:r>
+              <a:rPr lang="en-US" altLang="zh-CN" dirty="0" err="1" smtClean="0">
+                <a:solidFill>
+                  <a:srgbClr val="FFFFFF"/>
+                </a:solidFill>
+              </a:rPr>
+              <a:t>Github</a:t>
+            </a:r>
+            <a:r>
+              <a:rPr lang="zh-CN" altLang="en-US" dirty="0" smtClean="0">
+                <a:solidFill>
+                  <a:srgbClr val="FFFFFF"/>
+                </a:solidFill>
+              </a:rPr>
+              <a:t>初级</a:t>
+            </a:r>
+            <a:endParaRPr lang="en-US" dirty="0" smtClean="0">
+              <a:solidFill>
+                <a:srgbClr val="FFFFFF"/>
+              </a:solidFill>
+            </a:endParaRPr>
+          </a:p>
+          <a:p>
+            <a:r>
+              <a:rPr lang="en-US" dirty="0" smtClean="0">
+                <a:solidFill>
+                  <a:srgbClr val="FFFF00"/>
+                </a:solidFill>
+              </a:rPr>
+              <a:t>http</a:t>
+            </a:r>
             <a:r>
               <a:rPr lang="en-US" dirty="0">
-                <a:hlinkClick r:id="rId5"/>
+                <a:solidFill>
+                  <a:srgbClr val="FFFF00"/>
+                </a:solidFill>
               </a:rPr>
-              <a:t>http://git-scm.com/book/en/v2/GitHub-Contributing-to-a-</a:t>
+              <a:t>://rogerdudler.github.io/git-guide/</a:t>
             </a:r>
             <a:r>
               <a:rPr lang="en-US" dirty="0" smtClean="0">
-                <a:hlinkClick r:id="rId5"/>
+                <a:solidFill>
+                  <a:srgbClr val="FFFF00"/>
+                </a:solidFill>
+              </a:rPr>
+              <a:t>index.zh.html</a:t>
+            </a:r>
+            <a:r>
+              <a:rPr lang="zh-CN" altLang="en-US" dirty="0" smtClean="0">
+                <a:solidFill>
+                  <a:srgbClr val="FFFF00"/>
+                </a:solidFill>
+              </a:rPr>
+              <a:t> </a:t>
+            </a:r>
+            <a:r>
+              <a:rPr lang="en-GB" altLang="zh-CN" dirty="0" smtClean="0">
+                <a:solidFill>
+                  <a:srgbClr val="FFFFFF"/>
+                </a:solidFill>
+              </a:rPr>
+              <a:t>Git</a:t>
+            </a:r>
+            <a:r>
+              <a:rPr lang="zh-CN" altLang="en-US" dirty="0" smtClean="0">
+                <a:solidFill>
+                  <a:srgbClr val="FFFFFF"/>
+                </a:solidFill>
+              </a:rPr>
+              <a:t>简介</a:t>
+            </a:r>
+            <a:endParaRPr lang="en-US" dirty="0" smtClean="0">
+              <a:solidFill>
+                <a:srgbClr val="FFFFFF"/>
+              </a:solidFill>
+            </a:endParaRPr>
+          </a:p>
+          <a:p>
+            <a:r>
+              <a:rPr lang="en-US" dirty="0">
+                <a:solidFill>
+                  <a:srgbClr val="FFFF00"/>
+                </a:solidFill>
+              </a:rPr>
+              <a:t>https://www.kernel.org/pub/software/scm/git/docs/user-</a:t>
+            </a:r>
+            <a:r>
+              <a:rPr lang="en-US" dirty="0" smtClean="0">
+                <a:solidFill>
+                  <a:srgbClr val="FFFF00"/>
+                </a:solidFill>
+              </a:rPr>
+              <a:t>manual.html </a:t>
+            </a:r>
+            <a:r>
+              <a:rPr lang="en-US" dirty="0" err="1" smtClean="0">
+                <a:solidFill>
+                  <a:schemeClr val="tx2"/>
+                </a:solidFill>
+              </a:rPr>
+              <a:t>Github官方Help</a:t>
+            </a:r>
+            <a:endParaRPr lang="en-US" dirty="0" smtClean="0">
+              <a:solidFill>
+                <a:schemeClr val="tx2"/>
+              </a:solidFill>
+            </a:endParaRPr>
+          </a:p>
+          <a:p>
+            <a:r>
+              <a:rPr lang="en-US" dirty="0">
+                <a:solidFill>
+                  <a:srgbClr val="FFFF00"/>
+                </a:solidFill>
+              </a:rPr>
+              <a:t>http://www.git-scm.com/book/zh/</a:t>
+            </a:r>
+            <a:r>
+              <a:rPr lang="en-US" dirty="0" smtClean="0">
+                <a:solidFill>
+                  <a:srgbClr val="FFFF00"/>
+                </a:solidFill>
+              </a:rPr>
+              <a:t>v2 </a:t>
+            </a:r>
+            <a:r>
+              <a:rPr lang="en-US" dirty="0" err="1" smtClean="0"/>
+              <a:t>Git</a:t>
+            </a:r>
+            <a:r>
+              <a:rPr lang="zh-CN" altLang="en-US" dirty="0" smtClean="0"/>
+              <a:t>社区，</a:t>
+            </a:r>
+            <a:r>
+              <a:rPr lang="en-US" altLang="zh-CN" dirty="0" smtClean="0"/>
+              <a:t>2014</a:t>
+            </a:r>
+            <a:r>
+              <a:rPr lang="zh-CN" altLang="en-US" dirty="0" smtClean="0"/>
+              <a:t>，</a:t>
+            </a:r>
+            <a:r>
+              <a:rPr lang="en-US" altLang="zh-CN" dirty="0" smtClean="0"/>
+              <a:t>2nd</a:t>
+            </a:r>
+            <a:r>
+              <a:rPr lang="zh-CN" altLang="en-US" dirty="0" smtClean="0"/>
+              <a:t> </a:t>
+            </a:r>
+            <a:r>
+              <a:rPr lang="en-US" altLang="zh-CN" dirty="0" smtClean="0"/>
+              <a:t>Ed</a:t>
+            </a:r>
+            <a:r>
+              <a:rPr lang="zh-CN" altLang="en-US" dirty="0" smtClean="0"/>
+              <a:t>.</a:t>
+            </a:r>
+            <a:endParaRPr lang="en-GB" altLang="zh-CN" dirty="0" smtClean="0"/>
+          </a:p>
+          <a:p>
+            <a:r>
+              <a:rPr lang="en-US" dirty="0">
+                <a:solidFill>
+                  <a:srgbClr val="FFFF00"/>
+                </a:solidFill>
+              </a:rPr>
+              <a:t>http://git-scm.com/book/en/v2/</a:t>
+            </a:r>
+            <a:r>
+              <a:rPr lang="en-US" dirty="0">
+                <a:solidFill>
+                  <a:schemeClr val="accent5">
+                    <a:lumMod val="60000"/>
+                    <a:lumOff val="40000"/>
+                  </a:schemeClr>
+                </a:solidFill>
+              </a:rPr>
+              <a:t>GitHub-Contributing-to-a-</a:t>
+            </a:r>
+            <a:r>
+              <a:rPr lang="en-US" dirty="0" smtClean="0">
+                <a:solidFill>
+                  <a:schemeClr val="accent5">
+                    <a:lumMod val="60000"/>
+                    <a:lumOff val="40000"/>
+                  </a:schemeClr>
+                </a:solidFill>
               </a:rPr>
               <a:t>Project</a:t>
             </a:r>
-            <a:endParaRPr lang="en-US" dirty="0" smtClean="0"/>
-          </a:p>
-          <a:p>
-            <a:endParaRPr lang="en-US" dirty="0" smtClean="0"/>
-          </a:p>
-          <a:p>
-            <a:r>
-              <a:rPr lang="en-US" dirty="0">
-                <a:hlinkClick r:id="rId6"/>
-              </a:rPr>
-              <a:t>http://rogerdudler.github.io/git-guide/</a:t>
-            </a:r>
-            <a:r>
-              <a:rPr lang="en-US" dirty="0" smtClean="0">
-                <a:hlinkClick r:id="rId6"/>
-              </a:rPr>
-              <a:t>index.zh.html</a:t>
-            </a:r>
-            <a:endParaRPr lang="en-US" dirty="0" smtClean="0"/>
-          </a:p>
-          <a:p>
-            <a:endParaRPr lang="en-US" dirty="0" smtClean="0"/>
-          </a:p>
-          <a:p>
-            <a:r>
-              <a:rPr lang="en-US" dirty="0">
-                <a:hlinkClick r:id="rId7"/>
-              </a:rPr>
-              <a:t>https://www.kernel.org/pub/software/scm/git/docs/user-</a:t>
-            </a:r>
-            <a:r>
-              <a:rPr lang="en-US" dirty="0" smtClean="0">
-                <a:hlinkClick r:id="rId7"/>
-              </a:rPr>
-              <a:t>manual.html</a:t>
-            </a:r>
-            <a:endParaRPr lang="en-US" dirty="0" smtClean="0"/>
-          </a:p>
-          <a:p>
-            <a:endParaRPr lang="en-US" dirty="0"/>
+            <a:endParaRPr lang="en-US" dirty="0">
+              <a:solidFill>
+                <a:schemeClr val="accent5">
+                  <a:lumMod val="60000"/>
+                  <a:lumOff val="40000"/>
+                </a:schemeClr>
+              </a:solidFill>
+            </a:endParaRPr>
           </a:p>
         </p:txBody>
       </p:sp>

--- a/工具介绍和制品管理.pptx
+++ b/工具介绍和制品管理.pptx
@@ -6014,8 +6014,8 @@
         <a:ea typeface=""/>
         <a:cs typeface=""/>
         <a:font script="Jpan" typeface="ＭＳ Ｐゴシック"/>
-        <a:font script="Hang" typeface="돋움"/>
-        <a:font script="Hans" typeface="华文新魏"/>
+        <a:font script="Hang" typeface="굴림"/>
+        <a:font script="Hans" typeface="黑体"/>
         <a:font script="Hant" typeface="微軟正黑體"/>
         <a:font script="Arab" typeface="Arial"/>
         <a:font script="Hebr" typeface="Arial"/>
@@ -6042,15 +6042,14 @@
         <a:font script="Mong" typeface="Mongolian Baiti"/>
         <a:font script="Viet" typeface="Arial"/>
         <a:font script="Uigh" typeface="Microsoft Uighur"/>
-        <a:font script="Geor" typeface="Sylfaen"/>
       </a:majorFont>
       <a:minorFont>
         <a:latin typeface="Arial"/>
         <a:ea typeface=""/>
         <a:cs typeface=""/>
         <a:font script="Jpan" typeface="ＭＳ Ｐゴシック"/>
-        <a:font script="Hang" typeface="돋움"/>
-        <a:font script="Hans" typeface="华文新魏"/>
+        <a:font script="Hang" typeface="굴림"/>
+        <a:font script="Hans" typeface="黑体"/>
         <a:font script="Hant" typeface="微軟正黑體"/>
         <a:font script="Arab" typeface="Arial"/>
         <a:font script="Hebr" typeface="Arial"/>
@@ -6077,7 +6076,6 @@
         <a:font script="Mong" typeface="Mongolian Baiti"/>
         <a:font script="Viet" typeface="Arial"/>
         <a:font script="Uigh" typeface="Microsoft Uighur"/>
-        <a:font script="Geor" typeface="Sylfaen"/>
       </a:minorFont>
     </a:fontScheme>
     <a:fmtScheme name="Twilight">

--- a/工具介绍和制品管理.pptx
+++ b/工具介绍和制品管理.pptx
@@ -6,20 +6,24 @@
   </p:sldMasterIdLst>
   <p:sldIdLst>
     <p:sldId id="256" r:id="rId2"/>
-    <p:sldId id="259" r:id="rId3"/>
-    <p:sldId id="260" r:id="rId4"/>
-    <p:sldId id="262" r:id="rId5"/>
-    <p:sldId id="264" r:id="rId6"/>
-    <p:sldId id="265" r:id="rId7"/>
-    <p:sldId id="266" r:id="rId8"/>
-    <p:sldId id="267" r:id="rId9"/>
-    <p:sldId id="268" r:id="rId10"/>
-    <p:sldId id="270" r:id="rId11"/>
-    <p:sldId id="271" r:id="rId12"/>
-    <p:sldId id="269" r:id="rId13"/>
-    <p:sldId id="272" r:id="rId14"/>
-    <p:sldId id="261" r:id="rId15"/>
-    <p:sldId id="274" r:id="rId16"/>
+    <p:sldId id="275" r:id="rId3"/>
+    <p:sldId id="276" r:id="rId4"/>
+    <p:sldId id="277" r:id="rId5"/>
+    <p:sldId id="278" r:id="rId6"/>
+    <p:sldId id="259" r:id="rId7"/>
+    <p:sldId id="260" r:id="rId8"/>
+    <p:sldId id="262" r:id="rId9"/>
+    <p:sldId id="264" r:id="rId10"/>
+    <p:sldId id="265" r:id="rId11"/>
+    <p:sldId id="266" r:id="rId12"/>
+    <p:sldId id="267" r:id="rId13"/>
+    <p:sldId id="268" r:id="rId14"/>
+    <p:sldId id="270" r:id="rId15"/>
+    <p:sldId id="271" r:id="rId16"/>
+    <p:sldId id="269" r:id="rId17"/>
+    <p:sldId id="272" r:id="rId18"/>
+    <p:sldId id="261" r:id="rId19"/>
+    <p:sldId id="274" r:id="rId20"/>
   </p:sldIdLst>
   <p:sldSz cx="9144000" cy="6858000" type="screen4x3"/>
   <p:notesSz cx="6858000" cy="9144000"/>
@@ -3177,12 +3181,8 @@
           <a:lstStyle/>
           <a:p>
             <a:r>
-              <a:rPr lang="en-US" dirty="0" smtClean="0"/>
-              <a:t>工具介绍</a:t>
-            </a:r>
-            <a:r>
               <a:rPr lang="zh-CN" altLang="en-US" dirty="0" smtClean="0"/>
-              <a:t>和制品管理</a:t>
+              <a:t>项目管理和配置管理</a:t>
             </a:r>
             <a:endParaRPr lang="en-US" dirty="0"/>
           </a:p>
@@ -3259,1861 +3259,6 @@
             <p:ph type="title"/>
           </p:nvPr>
         </p:nvSpPr>
-        <p:spPr/>
-        <p:txBody>
-          <a:bodyPr/>
-          <a:lstStyle/>
-          <a:p>
-            <a:r>
-              <a:rPr lang="en-US" dirty="0" smtClean="0"/>
-              <a:t>文档版本控制</a:t>
-            </a:r>
-            <a:endParaRPr lang="en-US" dirty="0"/>
-          </a:p>
-        </p:txBody>
-      </p:sp>
-      <p:pic>
-        <p:nvPicPr>
-          <p:cNvPr id="7" name="Picture 6" descr="WeChat_1427189916.jpeg"/>
-          <p:cNvPicPr>
-            <a:picLocks noChangeAspect="1"/>
-          </p:cNvPicPr>
-          <p:nvPr/>
-        </p:nvPicPr>
-        <p:blipFill>
-          <a:blip r:embed="rId2">
-            <a:extLst>
-              <a:ext uri="{28A0092B-C50C-407E-A947-70E740481C1C}">
-                <a14:useLocalDpi xmlns:a14="http://schemas.microsoft.com/office/drawing/2010/main" val="0"/>
-              </a:ext>
-            </a:extLst>
-          </a:blip>
-          <a:stretch>
-            <a:fillRect/>
-          </a:stretch>
-        </p:blipFill>
-        <p:spPr>
-          <a:xfrm>
-            <a:off x="106178" y="1425375"/>
-            <a:ext cx="6886673" cy="4719937"/>
-          </a:xfrm>
-          <a:prstGeom prst="rect">
-            <a:avLst/>
-          </a:prstGeom>
-        </p:spPr>
-      </p:pic>
-      <p:pic>
-        <p:nvPicPr>
-          <p:cNvPr id="8" name="Picture 7" descr="WeChat_1427189916.jpeg"/>
-          <p:cNvPicPr>
-            <a:picLocks noChangeAspect="1"/>
-          </p:cNvPicPr>
-          <p:nvPr/>
-        </p:nvPicPr>
-        <p:blipFill rotWithShape="1">
-          <a:blip r:embed="rId2">
-            <a:extLst>
-              <a:ext uri="{28A0092B-C50C-407E-A947-70E740481C1C}">
-                <a14:useLocalDpi xmlns:a14="http://schemas.microsoft.com/office/drawing/2010/main" val="0"/>
-              </a:ext>
-            </a:extLst>
-          </a:blip>
-          <a:srcRect l="16322" t="9574" r="60864" b="68928"/>
-          <a:stretch/>
-        </p:blipFill>
-        <p:spPr>
-          <a:xfrm>
-            <a:off x="4892837" y="1305059"/>
-            <a:ext cx="3408948" cy="2201550"/>
-          </a:xfrm>
-          <a:prstGeom prst="rect">
-            <a:avLst/>
-          </a:prstGeom>
-        </p:spPr>
-      </p:pic>
-      <p:pic>
-        <p:nvPicPr>
-          <p:cNvPr id="9" name="Picture 8" descr="WeChat_1427189916.jpeg"/>
-          <p:cNvPicPr>
-            <a:picLocks noChangeAspect="1"/>
-          </p:cNvPicPr>
-          <p:nvPr/>
-        </p:nvPicPr>
-        <p:blipFill rotWithShape="1">
-          <a:blip r:embed="rId2">
-            <a:extLst>
-              <a:ext uri="{28A0092B-C50C-407E-A947-70E740481C1C}">
-                <a14:useLocalDpi xmlns:a14="http://schemas.microsoft.com/office/drawing/2010/main" val="0"/>
-              </a:ext>
-            </a:extLst>
-          </a:blip>
-          <a:srcRect l="15595" t="58187" r="57273" b="5116"/>
-          <a:stretch/>
-        </p:blipFill>
-        <p:spPr>
-          <a:xfrm>
-            <a:off x="4745788" y="3462421"/>
-            <a:ext cx="3662949" cy="3395579"/>
-          </a:xfrm>
-          <a:prstGeom prst="rect">
-            <a:avLst/>
-          </a:prstGeom>
-        </p:spPr>
-      </p:pic>
-    </p:spTree>
-    <p:extLst>
-      <p:ext uri="{BB962C8B-B14F-4D97-AF65-F5344CB8AC3E}">
-        <p14:creationId xmlns:p14="http://schemas.microsoft.com/office/powerpoint/2010/main" val="2307023351"/>
-      </p:ext>
-    </p:extLst>
-  </p:cSld>
-  <p:clrMapOvr>
-    <a:masterClrMapping/>
-  </p:clrMapOvr>
-  <p:timing>
-    <p:tnLst>
-      <p:par>
-        <p:cTn xmlns:p14="http://schemas.microsoft.com/office/powerpoint/2010/main" id="1" dur="indefinite" restart="never" nodeType="tmRoot">
-          <p:childTnLst>
-            <p:seq concurrent="1" nextAc="seek">
-              <p:cTn id="2" dur="indefinite" nodeType="mainSeq">
-                <p:childTnLst>
-                  <p:par>
-                    <p:cTn id="3" fill="hold">
-                      <p:stCondLst>
-                        <p:cond delay="indefinite"/>
-                      </p:stCondLst>
-                      <p:childTnLst>
-                        <p:par>
-                          <p:cTn id="4" fill="hold">
-                            <p:stCondLst>
-                              <p:cond delay="0"/>
-                            </p:stCondLst>
-                            <p:childTnLst>
-                              <p:par>
-                                <p:cTn id="5" presetID="1" presetClass="entr" presetSubtype="0" fill="hold" nodeType="clickEffect">
-                                  <p:stCondLst>
-                                    <p:cond delay="0"/>
-                                  </p:stCondLst>
-                                  <p:childTnLst>
-                                    <p:set>
-                                      <p:cBhvr>
-                                        <p:cTn id="6" dur="1" fill="hold">
-                                          <p:stCondLst>
-                                            <p:cond delay="0"/>
-                                          </p:stCondLst>
-                                        </p:cTn>
-                                        <p:tgtEl>
-                                          <p:spTgt spid="8"/>
-                                        </p:tgtEl>
-                                        <p:attrNameLst>
-                                          <p:attrName>style.visibility</p:attrName>
-                                        </p:attrNameLst>
-                                      </p:cBhvr>
-                                      <p:to>
-                                        <p:strVal val="visible"/>
-                                      </p:to>
-                                    </p:set>
-                                  </p:childTnLst>
-                                </p:cTn>
-                              </p:par>
-                            </p:childTnLst>
-                          </p:cTn>
-                        </p:par>
-                      </p:childTnLst>
-                    </p:cTn>
-                  </p:par>
-                  <p:par>
-                    <p:cTn id="7" fill="hold">
-                      <p:stCondLst>
-                        <p:cond delay="indefinite"/>
-                      </p:stCondLst>
-                      <p:childTnLst>
-                        <p:par>
-                          <p:cTn id="8" fill="hold">
-                            <p:stCondLst>
-                              <p:cond delay="0"/>
-                            </p:stCondLst>
-                            <p:childTnLst>
-                              <p:par>
-                                <p:cTn id="9" presetID="1" presetClass="entr" presetSubtype="0" fill="hold" nodeType="clickEffect">
-                                  <p:stCondLst>
-                                    <p:cond delay="0"/>
-                                  </p:stCondLst>
-                                  <p:childTnLst>
-                                    <p:set>
-                                      <p:cBhvr>
-                                        <p:cTn id="10" dur="1" fill="hold">
-                                          <p:stCondLst>
-                                            <p:cond delay="0"/>
-                                          </p:stCondLst>
-                                        </p:cTn>
-                                        <p:tgtEl>
-                                          <p:spTgt spid="9"/>
-                                        </p:tgtEl>
-                                        <p:attrNameLst>
-                                          <p:attrName>style.visibility</p:attrName>
-                                        </p:attrNameLst>
-                                      </p:cBhvr>
-                                      <p:to>
-                                        <p:strVal val="visible"/>
-                                      </p:to>
-                                    </p:set>
-                                  </p:childTnLst>
-                                </p:cTn>
-                              </p:par>
-                            </p:childTnLst>
-                          </p:cTn>
-                        </p:par>
-                      </p:childTnLst>
-                    </p:cTn>
-                  </p:par>
-                </p:childTnLst>
-              </p:cTn>
-              <p:prevCondLst>
-                <p:cond evt="onPrev" delay="0">
-                  <p:tgtEl>
-                    <p:sldTgt/>
-                  </p:tgtEl>
-                </p:cond>
-              </p:prevCondLst>
-              <p:nextCondLst>
-                <p:cond evt="onNext" delay="0">
-                  <p:tgtEl>
-                    <p:sldTgt/>
-                  </p:tgtEl>
-                </p:cond>
-              </p:nextCondLst>
-            </p:seq>
-          </p:childTnLst>
-        </p:cTn>
-      </p:par>
-    </p:tnLst>
-  </p:timing>
-</p:sld>
-</file>
-
-<file path=ppt/slides/slide11.xml><?xml version="1.0" encoding="utf-8"?>
-<p:sld xmlns:a="http://schemas.openxmlformats.org/drawingml/2006/main" xmlns:r="http://schemas.openxmlformats.org/officeDocument/2006/relationships" xmlns:p="http://schemas.openxmlformats.org/presentationml/2006/main">
-  <p:cSld>
-    <p:spTree>
-      <p:nvGrpSpPr>
-        <p:cNvPr id="1" name=""/>
-        <p:cNvGrpSpPr/>
-        <p:nvPr/>
-      </p:nvGrpSpPr>
-      <p:grpSpPr>
-        <a:xfrm>
-          <a:off x="0" y="0"/>
-          <a:ext cx="0" cy="0"/>
-          <a:chOff x="0" y="0"/>
-          <a:chExt cx="0" cy="0"/>
-        </a:xfrm>
-      </p:grpSpPr>
-      <p:sp>
-        <p:nvSpPr>
-          <p:cNvPr id="2" name="Title 1"/>
-          <p:cNvSpPr>
-            <a:spLocks noGrp="1"/>
-          </p:cNvSpPr>
-          <p:nvPr>
-            <p:ph type="title"/>
-          </p:nvPr>
-        </p:nvSpPr>
-        <p:spPr/>
-        <p:txBody>
-          <a:bodyPr/>
-          <a:lstStyle/>
-          <a:p>
-            <a:r>
-              <a:rPr lang="en-US" dirty="0" smtClean="0"/>
-              <a:t>文档版本控制</a:t>
-            </a:r>
-            <a:endParaRPr lang="en-US" dirty="0"/>
-          </a:p>
-        </p:txBody>
-      </p:sp>
-      <p:sp>
-        <p:nvSpPr>
-          <p:cNvPr id="3" name="Content Placeholder 2"/>
-          <p:cNvSpPr>
-            <a:spLocks noGrp="1"/>
-          </p:cNvSpPr>
-          <p:nvPr>
-            <p:ph idx="1"/>
-          </p:nvPr>
-        </p:nvSpPr>
-        <p:spPr/>
-        <p:txBody>
-          <a:bodyPr>
-            <a:normAutofit/>
-          </a:bodyPr>
-          <a:lstStyle/>
-          <a:p>
-            <a:r>
-              <a:rPr lang="zh-CN" altLang="en-US" dirty="0" smtClean="0"/>
-              <a:t>每次工作前先</a:t>
-            </a:r>
-            <a:r>
-              <a:rPr lang="en-US" altLang="zh-CN" dirty="0" smtClean="0"/>
-              <a:t>pull</a:t>
-            </a:r>
-            <a:r>
-              <a:rPr lang="zh-CN" altLang="en-US" dirty="0" smtClean="0"/>
-              <a:t>，把别人</a:t>
-            </a:r>
-            <a:r>
-              <a:rPr lang="en-US" altLang="zh-CN" dirty="0" smtClean="0"/>
-              <a:t>push</a:t>
-            </a:r>
-            <a:r>
-              <a:rPr lang="zh-CN" altLang="en-US" dirty="0" smtClean="0"/>
-              <a:t>到服务器的文档拿到本地</a:t>
-            </a:r>
-            <a:endParaRPr lang="en-US" dirty="0" smtClean="0"/>
-          </a:p>
-          <a:p>
-            <a:r>
-              <a:rPr lang="zh-CN" altLang="en-US" dirty="0" smtClean="0"/>
-              <a:t>修改文档或代码后</a:t>
-            </a:r>
-            <a:r>
-              <a:rPr lang="en-US" dirty="0" smtClean="0"/>
-              <a:t>Commit</a:t>
-            </a:r>
-            <a:r>
-              <a:rPr lang="zh-CN" altLang="en-US" dirty="0" smtClean="0"/>
-              <a:t>时要填写总结和描述，格式：</a:t>
-            </a:r>
-            <a:r>
-              <a:rPr lang="zh-CN" altLang="zh-CN" dirty="0" smtClean="0"/>
-              <a:t>&lt;</a:t>
-            </a:r>
-            <a:r>
-              <a:rPr lang="zh-CN" altLang="en-US" dirty="0" smtClean="0"/>
-              <a:t>周</a:t>
-            </a:r>
-            <a:r>
-              <a:rPr lang="en-US" altLang="zh-CN" dirty="0" smtClean="0"/>
-              <a:t>&gt;-&lt;</a:t>
-            </a:r>
-            <a:r>
-              <a:rPr lang="zh-CN" altLang="en-US" dirty="0" smtClean="0"/>
-              <a:t>改动总结</a:t>
-            </a:r>
-            <a:r>
-              <a:rPr lang="en-US" altLang="zh-CN" dirty="0" smtClean="0"/>
-              <a:t>&gt;;</a:t>
-            </a:r>
-            <a:r>
-              <a:rPr lang="zh-CN" altLang="en-US" dirty="0" smtClean="0"/>
-              <a:t> </a:t>
-            </a:r>
-            <a:r>
-              <a:rPr lang="zh-CN" altLang="zh-CN" dirty="0" smtClean="0"/>
-              <a:t>&lt;</a:t>
-            </a:r>
-            <a:r>
-              <a:rPr lang="zh-CN" altLang="en-US" dirty="0" smtClean="0"/>
-              <a:t>改动描述</a:t>
-            </a:r>
-            <a:r>
-              <a:rPr lang="en-US" altLang="zh-CN" dirty="0" smtClean="0"/>
-              <a:t>&gt;</a:t>
-            </a:r>
-            <a:endParaRPr lang="en-GB" altLang="zh-CN" dirty="0" smtClean="0"/>
-          </a:p>
-          <a:p>
-            <a:r>
-              <a:rPr lang="zh-CN" altLang="en-US" dirty="0" smtClean="0"/>
-              <a:t>完成工作后</a:t>
-            </a:r>
-            <a:r>
-              <a:rPr lang="en-US" altLang="zh-CN" dirty="0" smtClean="0"/>
-              <a:t>push</a:t>
-            </a:r>
-            <a:r>
-              <a:rPr lang="zh-CN" altLang="en-US" dirty="0" smtClean="0"/>
-              <a:t>到服务器上</a:t>
-            </a:r>
-            <a:endParaRPr lang="en-US" dirty="0" smtClean="0"/>
-          </a:p>
-          <a:p>
-            <a:endParaRPr lang="en-US" dirty="0"/>
-          </a:p>
-        </p:txBody>
-      </p:sp>
-    </p:spTree>
-    <p:extLst>
-      <p:ext uri="{BB962C8B-B14F-4D97-AF65-F5344CB8AC3E}">
-        <p14:creationId xmlns:p14="http://schemas.microsoft.com/office/powerpoint/2010/main" val="770287321"/>
-      </p:ext>
-    </p:extLst>
-  </p:cSld>
-  <p:clrMapOvr>
-    <a:masterClrMapping/>
-  </p:clrMapOvr>
-  <p:timing>
-    <p:tnLst>
-      <p:par>
-        <p:cTn xmlns:p14="http://schemas.microsoft.com/office/powerpoint/2010/main" id="1" dur="indefinite" restart="never" nodeType="tmRoot"/>
-      </p:par>
-    </p:tnLst>
-  </p:timing>
-</p:sld>
-</file>
-
-<file path=ppt/slides/slide12.xml><?xml version="1.0" encoding="utf-8"?>
-<p:sld xmlns:a="http://schemas.openxmlformats.org/drawingml/2006/main" xmlns:r="http://schemas.openxmlformats.org/officeDocument/2006/relationships" xmlns:p="http://schemas.openxmlformats.org/presentationml/2006/main">
-  <p:cSld>
-    <p:spTree>
-      <p:nvGrpSpPr>
-        <p:cNvPr id="1" name=""/>
-        <p:cNvGrpSpPr/>
-        <p:nvPr/>
-      </p:nvGrpSpPr>
-      <p:grpSpPr>
-        <a:xfrm>
-          <a:off x="0" y="0"/>
-          <a:ext cx="0" cy="0"/>
-          <a:chOff x="0" y="0"/>
-          <a:chExt cx="0" cy="0"/>
-        </a:xfrm>
-      </p:grpSpPr>
-      <p:sp>
-        <p:nvSpPr>
-          <p:cNvPr id="2" name="Title 1"/>
-          <p:cNvSpPr>
-            <a:spLocks noGrp="1"/>
-          </p:cNvSpPr>
-          <p:nvPr>
-            <p:ph type="title"/>
-          </p:nvPr>
-        </p:nvSpPr>
-        <p:spPr/>
-        <p:txBody>
-          <a:bodyPr/>
-          <a:lstStyle/>
-          <a:p>
-            <a:r>
-              <a:rPr lang="zh-CN" altLang="en-US" dirty="0" smtClean="0"/>
-              <a:t>要求</a:t>
-            </a:r>
-            <a:endParaRPr lang="en-US" dirty="0"/>
-          </a:p>
-        </p:txBody>
-      </p:sp>
-      <p:sp>
-        <p:nvSpPr>
-          <p:cNvPr id="3" name="Content Placeholder 2"/>
-          <p:cNvSpPr>
-            <a:spLocks noGrp="1"/>
-          </p:cNvSpPr>
-          <p:nvPr>
-            <p:ph idx="1"/>
-          </p:nvPr>
-        </p:nvSpPr>
-        <p:spPr>
-          <a:xfrm>
-            <a:off x="457200" y="1600200"/>
-            <a:ext cx="8229600" cy="4525963"/>
-          </a:xfrm>
-        </p:spPr>
-        <p:txBody>
-          <a:bodyPr/>
-          <a:lstStyle/>
-          <a:p>
-            <a:pPr algn="ctr"/>
-            <a:r>
-              <a:rPr lang="zh-CN" altLang="en-US" dirty="0" smtClean="0"/>
-              <a:t>每周所有制品至少</a:t>
-            </a:r>
-            <a:r>
-              <a:rPr lang="en-US" altLang="zh-CN" dirty="0" smtClean="0"/>
-              <a:t>push</a:t>
-            </a:r>
-            <a:r>
-              <a:rPr lang="zh-CN" altLang="en-US" dirty="0" smtClean="0"/>
-              <a:t>一次</a:t>
-            </a:r>
-            <a:endParaRPr lang="en-US" altLang="zh-CN" dirty="0" smtClean="0"/>
-          </a:p>
-          <a:p>
-            <a:pPr algn="ctr"/>
-            <a:r>
-              <a:rPr lang="zh-CN" altLang="en-US" dirty="0" smtClean="0"/>
-              <a:t>建议每周一个主版本</a:t>
-            </a:r>
-            <a:endParaRPr lang="en-US" dirty="0"/>
-          </a:p>
-        </p:txBody>
-      </p:sp>
-    </p:spTree>
-    <p:extLst>
-      <p:ext uri="{BB962C8B-B14F-4D97-AF65-F5344CB8AC3E}">
-        <p14:creationId xmlns:p14="http://schemas.microsoft.com/office/powerpoint/2010/main" val="614275430"/>
-      </p:ext>
-    </p:extLst>
-  </p:cSld>
-  <p:clrMapOvr>
-    <a:masterClrMapping/>
-  </p:clrMapOvr>
-  <p:timing>
-    <p:tnLst>
-      <p:par>
-        <p:cTn xmlns:p14="http://schemas.microsoft.com/office/powerpoint/2010/main" id="1" dur="indefinite" restart="never" nodeType="tmRoot"/>
-      </p:par>
-    </p:tnLst>
-  </p:timing>
-</p:sld>
-</file>
-
-<file path=ppt/slides/slide13.xml><?xml version="1.0" encoding="utf-8"?>
-<p:sld xmlns:a="http://schemas.openxmlformats.org/drawingml/2006/main" xmlns:r="http://schemas.openxmlformats.org/officeDocument/2006/relationships" xmlns:p="http://schemas.openxmlformats.org/presentationml/2006/main">
-  <p:cSld>
-    <p:spTree>
-      <p:nvGrpSpPr>
-        <p:cNvPr id="1" name=""/>
-        <p:cNvGrpSpPr/>
-        <p:nvPr/>
-      </p:nvGrpSpPr>
-      <p:grpSpPr>
-        <a:xfrm>
-          <a:off x="0" y="0"/>
-          <a:ext cx="0" cy="0"/>
-          <a:chOff x="0" y="0"/>
-          <a:chExt cx="0" cy="0"/>
-        </a:xfrm>
-      </p:grpSpPr>
-      <p:sp>
-        <p:nvSpPr>
-          <p:cNvPr id="2" name="Title 1"/>
-          <p:cNvSpPr>
-            <a:spLocks noGrp="1"/>
-          </p:cNvSpPr>
-          <p:nvPr>
-            <p:ph type="title"/>
-          </p:nvPr>
-        </p:nvSpPr>
-        <p:spPr/>
-        <p:txBody>
-          <a:bodyPr/>
-          <a:lstStyle/>
-          <a:p>
-            <a:r>
-              <a:rPr lang="zh-CN" altLang="en-US" dirty="0" smtClean="0"/>
-              <a:t>资源</a:t>
-            </a:r>
-            <a:endParaRPr lang="en-US" dirty="0"/>
-          </a:p>
-        </p:txBody>
-      </p:sp>
-      <p:sp>
-        <p:nvSpPr>
-          <p:cNvPr id="3" name="Content Placeholder 2"/>
-          <p:cNvSpPr>
-            <a:spLocks noGrp="1"/>
-          </p:cNvSpPr>
-          <p:nvPr>
-            <p:ph idx="1"/>
-          </p:nvPr>
-        </p:nvSpPr>
-        <p:spPr>
-          <a:xfrm>
-            <a:off x="457200" y="1600200"/>
-            <a:ext cx="8229600" cy="4852864"/>
-          </a:xfrm>
-        </p:spPr>
-        <p:txBody>
-          <a:bodyPr>
-            <a:normAutofit fontScale="70000" lnSpcReduction="20000"/>
-          </a:bodyPr>
-          <a:lstStyle/>
-          <a:p>
-            <a:r>
-              <a:rPr lang="en-US" dirty="0" smtClean="0">
-                <a:solidFill>
-                  <a:srgbClr val="FFFF00"/>
-                </a:solidFill>
-              </a:rPr>
-              <a:t>https</a:t>
-            </a:r>
-            <a:r>
-              <a:rPr lang="en-US" dirty="0">
-                <a:solidFill>
-                  <a:srgbClr val="FFFF00"/>
-                </a:solidFill>
-              </a:rPr>
-              <a:t>://education.github.com/</a:t>
-            </a:r>
-            <a:r>
-              <a:rPr lang="en-US" dirty="0" smtClean="0">
-                <a:solidFill>
-                  <a:srgbClr val="FFFF00"/>
-                </a:solidFill>
-              </a:rPr>
-              <a:t>pack</a:t>
-            </a:r>
-            <a:r>
-              <a:rPr lang="zh-CN" altLang="en-US" dirty="0" smtClean="0">
-                <a:solidFill>
-                  <a:srgbClr val="FFFF00"/>
-                </a:solidFill>
-              </a:rPr>
-              <a:t> </a:t>
-            </a:r>
-            <a:r>
-              <a:rPr lang="en-US" altLang="zh-CN" dirty="0" err="1" smtClean="0">
-                <a:solidFill>
-                  <a:srgbClr val="FFFFFF"/>
-                </a:solidFill>
-              </a:rPr>
-              <a:t>Github</a:t>
-            </a:r>
-            <a:r>
-              <a:rPr lang="zh-CN" altLang="en-US" dirty="0" smtClean="0">
-                <a:solidFill>
-                  <a:srgbClr val="FFFFFF"/>
-                </a:solidFill>
-              </a:rPr>
-              <a:t>教育包</a:t>
-            </a:r>
-            <a:endParaRPr lang="en-US" dirty="0">
-              <a:solidFill>
-                <a:srgbClr val="FFFFFF"/>
-              </a:solidFill>
-            </a:endParaRPr>
-          </a:p>
-          <a:p>
-            <a:r>
-              <a:rPr lang="en-US" dirty="0">
-                <a:solidFill>
-                  <a:srgbClr val="FFFF00"/>
-                </a:solidFill>
-              </a:rPr>
-              <a:t>https://opensource.com/life/15/2/beginners-guide-</a:t>
-            </a:r>
-            <a:r>
-              <a:rPr lang="en-US" dirty="0" err="1" smtClean="0">
-                <a:solidFill>
-                  <a:srgbClr val="FFFF00"/>
-                </a:solidFill>
-              </a:rPr>
-              <a:t>github</a:t>
-            </a:r>
-            <a:r>
-              <a:rPr lang="zh-CN" altLang="en-US" dirty="0" smtClean="0">
-                <a:solidFill>
-                  <a:srgbClr val="FFFF00"/>
-                </a:solidFill>
-              </a:rPr>
-              <a:t> </a:t>
-            </a:r>
-            <a:r>
-              <a:rPr lang="en-US" altLang="zh-CN" dirty="0" err="1" smtClean="0">
-                <a:solidFill>
-                  <a:srgbClr val="FFFFFF"/>
-                </a:solidFill>
-              </a:rPr>
-              <a:t>Github</a:t>
-            </a:r>
-            <a:r>
-              <a:rPr lang="zh-CN" altLang="en-US" dirty="0" smtClean="0">
-                <a:solidFill>
-                  <a:srgbClr val="FFFFFF"/>
-                </a:solidFill>
-              </a:rPr>
-              <a:t>初级</a:t>
-            </a:r>
-            <a:endParaRPr lang="en-US" dirty="0" smtClean="0">
-              <a:solidFill>
-                <a:srgbClr val="FFFFFF"/>
-              </a:solidFill>
-            </a:endParaRPr>
-          </a:p>
-          <a:p>
-            <a:r>
-              <a:rPr lang="en-US" dirty="0" smtClean="0">
-                <a:solidFill>
-                  <a:srgbClr val="FFFF00"/>
-                </a:solidFill>
-              </a:rPr>
-              <a:t>http</a:t>
-            </a:r>
-            <a:r>
-              <a:rPr lang="en-US" dirty="0">
-                <a:solidFill>
-                  <a:srgbClr val="FFFF00"/>
-                </a:solidFill>
-              </a:rPr>
-              <a:t>://rogerdudler.github.io/git-guide/</a:t>
-            </a:r>
-            <a:r>
-              <a:rPr lang="en-US" dirty="0" smtClean="0">
-                <a:solidFill>
-                  <a:srgbClr val="FFFF00"/>
-                </a:solidFill>
-              </a:rPr>
-              <a:t>index.zh.html</a:t>
-            </a:r>
-            <a:r>
-              <a:rPr lang="zh-CN" altLang="en-US" dirty="0" smtClean="0">
-                <a:solidFill>
-                  <a:srgbClr val="FFFF00"/>
-                </a:solidFill>
-              </a:rPr>
-              <a:t> </a:t>
-            </a:r>
-            <a:r>
-              <a:rPr lang="en-GB" altLang="zh-CN" dirty="0" smtClean="0">
-                <a:solidFill>
-                  <a:srgbClr val="FFFFFF"/>
-                </a:solidFill>
-              </a:rPr>
-              <a:t>Git</a:t>
-            </a:r>
-            <a:r>
-              <a:rPr lang="zh-CN" altLang="en-US" dirty="0" smtClean="0">
-                <a:solidFill>
-                  <a:srgbClr val="FFFFFF"/>
-                </a:solidFill>
-              </a:rPr>
-              <a:t>简介</a:t>
-            </a:r>
-            <a:endParaRPr lang="en-US" dirty="0" smtClean="0">
-              <a:solidFill>
-                <a:srgbClr val="FFFFFF"/>
-              </a:solidFill>
-            </a:endParaRPr>
-          </a:p>
-          <a:p>
-            <a:r>
-              <a:rPr lang="en-US" dirty="0">
-                <a:solidFill>
-                  <a:srgbClr val="FFFF00"/>
-                </a:solidFill>
-              </a:rPr>
-              <a:t>https://www.kernel.org/pub/software/scm/git/docs/user-</a:t>
-            </a:r>
-            <a:r>
-              <a:rPr lang="en-US" dirty="0" smtClean="0">
-                <a:solidFill>
-                  <a:srgbClr val="FFFF00"/>
-                </a:solidFill>
-              </a:rPr>
-              <a:t>manual.html </a:t>
-            </a:r>
-            <a:r>
-              <a:rPr lang="en-US" dirty="0" err="1" smtClean="0">
-                <a:solidFill>
-                  <a:schemeClr val="tx2"/>
-                </a:solidFill>
-              </a:rPr>
-              <a:t>Github官方Help</a:t>
-            </a:r>
-            <a:endParaRPr lang="en-US" dirty="0" smtClean="0">
-              <a:solidFill>
-                <a:schemeClr val="tx2"/>
-              </a:solidFill>
-            </a:endParaRPr>
-          </a:p>
-          <a:p>
-            <a:r>
-              <a:rPr lang="en-US" dirty="0">
-                <a:solidFill>
-                  <a:srgbClr val="FFFF00"/>
-                </a:solidFill>
-              </a:rPr>
-              <a:t>http://www.git-scm.com/book/zh/</a:t>
-            </a:r>
-            <a:r>
-              <a:rPr lang="en-US" dirty="0" smtClean="0">
-                <a:solidFill>
-                  <a:srgbClr val="FFFF00"/>
-                </a:solidFill>
-              </a:rPr>
-              <a:t>v2 </a:t>
-            </a:r>
-            <a:r>
-              <a:rPr lang="en-US" dirty="0" err="1" smtClean="0"/>
-              <a:t>Git</a:t>
-            </a:r>
-            <a:r>
-              <a:rPr lang="zh-CN" altLang="en-US" dirty="0" smtClean="0"/>
-              <a:t>社区，</a:t>
-            </a:r>
-            <a:r>
-              <a:rPr lang="en-US" altLang="zh-CN" dirty="0" smtClean="0"/>
-              <a:t>2014</a:t>
-            </a:r>
-            <a:r>
-              <a:rPr lang="zh-CN" altLang="en-US" dirty="0" smtClean="0"/>
-              <a:t>，</a:t>
-            </a:r>
-            <a:r>
-              <a:rPr lang="en-US" altLang="zh-CN" dirty="0" smtClean="0"/>
-              <a:t>2nd</a:t>
-            </a:r>
-            <a:r>
-              <a:rPr lang="zh-CN" altLang="en-US" dirty="0" smtClean="0"/>
-              <a:t> </a:t>
-            </a:r>
-            <a:r>
-              <a:rPr lang="en-US" altLang="zh-CN" dirty="0" smtClean="0"/>
-              <a:t>Ed</a:t>
-            </a:r>
-            <a:r>
-              <a:rPr lang="zh-CN" altLang="en-US" dirty="0" smtClean="0"/>
-              <a:t>.</a:t>
-            </a:r>
-            <a:endParaRPr lang="en-GB" altLang="zh-CN" dirty="0" smtClean="0"/>
-          </a:p>
-          <a:p>
-            <a:r>
-              <a:rPr lang="en-US" dirty="0">
-                <a:solidFill>
-                  <a:srgbClr val="FFFF00"/>
-                </a:solidFill>
-              </a:rPr>
-              <a:t>http://git-scm.com/book/en/v2/</a:t>
-            </a:r>
-            <a:r>
-              <a:rPr lang="en-US" dirty="0">
-                <a:solidFill>
-                  <a:schemeClr val="accent5">
-                    <a:lumMod val="60000"/>
-                    <a:lumOff val="40000"/>
-                  </a:schemeClr>
-                </a:solidFill>
-              </a:rPr>
-              <a:t>GitHub-Contributing-to-a-</a:t>
-            </a:r>
-            <a:r>
-              <a:rPr lang="en-US" dirty="0" smtClean="0">
-                <a:solidFill>
-                  <a:schemeClr val="accent5">
-                    <a:lumMod val="60000"/>
-                    <a:lumOff val="40000"/>
-                  </a:schemeClr>
-                </a:solidFill>
-              </a:rPr>
-              <a:t>Project</a:t>
-            </a:r>
-            <a:endParaRPr lang="en-US" dirty="0">
-              <a:solidFill>
-                <a:schemeClr val="accent5">
-                  <a:lumMod val="60000"/>
-                  <a:lumOff val="40000"/>
-                </a:schemeClr>
-              </a:solidFill>
-            </a:endParaRPr>
-          </a:p>
-        </p:txBody>
-      </p:sp>
-    </p:spTree>
-    <p:extLst>
-      <p:ext uri="{BB962C8B-B14F-4D97-AF65-F5344CB8AC3E}">
-        <p14:creationId xmlns:p14="http://schemas.microsoft.com/office/powerpoint/2010/main" val="1540401741"/>
-      </p:ext>
-    </p:extLst>
-  </p:cSld>
-  <p:clrMapOvr>
-    <a:masterClrMapping/>
-  </p:clrMapOvr>
-  <mc:AlternateContent xmlns:mc="http://schemas.openxmlformats.org/markup-compatibility/2006" xmlns:p14="http://schemas.microsoft.com/office/powerpoint/2010/main">
-    <mc:Choice Requires="p14">
-      <p:transition spd="slow" p14:dur="2000"/>
-    </mc:Choice>
-    <mc:Fallback xmlns="">
-      <p:transition xmlns:p14="http://schemas.microsoft.com/office/powerpoint/2010/main" spd="slow"/>
-    </mc:Fallback>
-  </mc:AlternateContent>
-</p:sld>
-</file>
-
-<file path=ppt/slides/slide14.xml><?xml version="1.0" encoding="utf-8"?>
-<p:sld xmlns:a="http://schemas.openxmlformats.org/drawingml/2006/main" xmlns:r="http://schemas.openxmlformats.org/officeDocument/2006/relationships" xmlns:p="http://schemas.openxmlformats.org/presentationml/2006/main">
-  <p:cSld>
-    <p:spTree>
-      <p:nvGrpSpPr>
-        <p:cNvPr id="1" name=""/>
-        <p:cNvGrpSpPr/>
-        <p:nvPr/>
-      </p:nvGrpSpPr>
-      <p:grpSpPr>
-        <a:xfrm>
-          <a:off x="0" y="0"/>
-          <a:ext cx="0" cy="0"/>
-          <a:chOff x="0" y="0"/>
-          <a:chExt cx="0" cy="0"/>
-        </a:xfrm>
-      </p:grpSpPr>
-      <p:sp>
-        <p:nvSpPr>
-          <p:cNvPr id="2" name="Title 1"/>
-          <p:cNvSpPr>
-            <a:spLocks noGrp="1"/>
-          </p:cNvSpPr>
-          <p:nvPr>
-            <p:ph type="title"/>
-          </p:nvPr>
-        </p:nvSpPr>
-        <p:spPr/>
-        <p:txBody>
-          <a:bodyPr/>
-          <a:lstStyle/>
-          <a:p>
-            <a:r>
-              <a:rPr lang="en-US" dirty="0" smtClean="0"/>
-              <a:t>SSH Links</a:t>
-            </a:r>
-            <a:endParaRPr lang="en-US" dirty="0"/>
-          </a:p>
-        </p:txBody>
-      </p:sp>
-      <p:sp>
-        <p:nvSpPr>
-          <p:cNvPr id="3" name="Content Placeholder 2"/>
-          <p:cNvSpPr>
-            <a:spLocks noGrp="1"/>
-          </p:cNvSpPr>
-          <p:nvPr>
-            <p:ph idx="1"/>
-          </p:nvPr>
-        </p:nvSpPr>
-        <p:spPr/>
-        <p:txBody>
-          <a:bodyPr/>
-          <a:lstStyle/>
-          <a:p>
-            <a:r>
-              <a:rPr lang="en-US" dirty="0" err="1"/>
-              <a:t>TeamA</a:t>
-            </a:r>
-            <a:r>
-              <a:rPr lang="en-US" dirty="0"/>
-              <a:t>: ﻿</a:t>
-            </a:r>
-            <a:r>
-              <a:rPr lang="en-US" dirty="0" err="1" smtClean="0"/>
-              <a:t>git</a:t>
-            </a:r>
-            <a:r>
-              <a:rPr lang="en-US" dirty="0" err="1"/>
-              <a:t>@github.com:bhsei</a:t>
-            </a:r>
-            <a:r>
-              <a:rPr lang="en-US" dirty="0"/>
-              <a:t>/</a:t>
-            </a:r>
-            <a:r>
-              <a:rPr lang="en-US" dirty="0" err="1"/>
-              <a:t>TeamA.git</a:t>
-            </a:r>
-            <a:endParaRPr lang="en-US" dirty="0"/>
-          </a:p>
-          <a:p>
-            <a:r>
-              <a:rPr lang="en-US" dirty="0" err="1"/>
-              <a:t>TeamB</a:t>
-            </a:r>
-            <a:r>
-              <a:rPr lang="en-US" dirty="0"/>
-              <a:t>: ﻿</a:t>
-            </a:r>
-            <a:r>
-              <a:rPr lang="en-US" dirty="0" err="1"/>
-              <a:t>git@github.com:bhsei</a:t>
-            </a:r>
-            <a:r>
-              <a:rPr lang="en-US" dirty="0"/>
-              <a:t>/</a:t>
-            </a:r>
-            <a:r>
-              <a:rPr lang="en-US" dirty="0" err="1" smtClean="0"/>
-              <a:t>TeamB.git</a:t>
-            </a:r>
-            <a:endParaRPr lang="en-US" dirty="0" smtClean="0"/>
-          </a:p>
-          <a:p>
-            <a:r>
-              <a:rPr lang="en-US" dirty="0" err="1" smtClean="0"/>
-              <a:t>TeamC</a:t>
-            </a:r>
-            <a:r>
-              <a:rPr lang="en-US" dirty="0" smtClean="0"/>
-              <a:t>: </a:t>
-            </a:r>
-            <a:r>
-              <a:rPr lang="en-US" dirty="0"/>
-              <a:t>﻿</a:t>
-            </a:r>
-            <a:r>
-              <a:rPr lang="en-US" dirty="0" err="1"/>
-              <a:t>git@github.com:bhsei</a:t>
-            </a:r>
-            <a:r>
-              <a:rPr lang="en-US" dirty="0"/>
-              <a:t>/</a:t>
-            </a:r>
-            <a:r>
-              <a:rPr lang="en-US" dirty="0" err="1" smtClean="0"/>
-              <a:t>TeamC.git</a:t>
-            </a:r>
-            <a:endParaRPr lang="en-US" dirty="0"/>
-          </a:p>
-          <a:p>
-            <a:r>
-              <a:rPr lang="en-US" dirty="0" err="1" smtClean="0"/>
-              <a:t>TeamD</a:t>
-            </a:r>
-            <a:r>
-              <a:rPr lang="en-US" dirty="0" smtClean="0"/>
-              <a:t>: </a:t>
-            </a:r>
-            <a:r>
-              <a:rPr lang="en-US" dirty="0"/>
-              <a:t>﻿</a:t>
-            </a:r>
-            <a:r>
-              <a:rPr lang="en-US" dirty="0" err="1"/>
-              <a:t>git@github.com:bhsei</a:t>
-            </a:r>
-            <a:r>
-              <a:rPr lang="en-US" dirty="0"/>
-              <a:t>/</a:t>
-            </a:r>
-            <a:r>
-              <a:rPr lang="en-US" dirty="0" err="1" smtClean="0"/>
-              <a:t>TeamD.git</a:t>
-            </a:r>
-            <a:endParaRPr lang="en-US" dirty="0"/>
-          </a:p>
-          <a:p>
-            <a:endParaRPr lang="en-US" dirty="0"/>
-          </a:p>
-        </p:txBody>
-      </p:sp>
-    </p:spTree>
-    <p:extLst>
-      <p:ext uri="{BB962C8B-B14F-4D97-AF65-F5344CB8AC3E}">
-        <p14:creationId xmlns:p14="http://schemas.microsoft.com/office/powerpoint/2010/main" val="4178326822"/>
-      </p:ext>
-    </p:extLst>
-  </p:cSld>
-  <p:clrMapOvr>
-    <a:masterClrMapping/>
-  </p:clrMapOvr>
-  <mc:AlternateContent xmlns:mc="http://schemas.openxmlformats.org/markup-compatibility/2006">
-    <mc:Choice xmlns:p14="http://schemas.microsoft.com/office/powerpoint/2010/main" Requires="p14">
-      <p:transition spd="slow" p14:dur="2000"/>
-    </mc:Choice>
-    <mc:Fallback>
-      <p:transition xmlns:p14="http://schemas.microsoft.com/office/powerpoint/2010/main" spd="slow"/>
-    </mc:Fallback>
-  </mc:AlternateContent>
-  <p:timing>
-    <p:tnLst>
-      <p:par>
-        <p:cTn xmlns:p14="http://schemas.microsoft.com/office/powerpoint/2010/main" id="1" dur="indefinite" restart="never" nodeType="tmRoot"/>
-      </p:par>
-    </p:tnLst>
-  </p:timing>
-</p:sld>
-</file>
-
-<file path=ppt/slides/slide15.xml><?xml version="1.0" encoding="utf-8"?>
-<p:sld xmlns:a="http://schemas.openxmlformats.org/drawingml/2006/main" xmlns:r="http://schemas.openxmlformats.org/officeDocument/2006/relationships" xmlns:p="http://schemas.openxmlformats.org/presentationml/2006/main">
-  <p:cSld>
-    <p:spTree>
-      <p:nvGrpSpPr>
-        <p:cNvPr id="1" name=""/>
-        <p:cNvGrpSpPr/>
-        <p:nvPr/>
-      </p:nvGrpSpPr>
-      <p:grpSpPr>
-        <a:xfrm>
-          <a:off x="0" y="0"/>
-          <a:ext cx="0" cy="0"/>
-          <a:chOff x="0" y="0"/>
-          <a:chExt cx="0" cy="0"/>
-        </a:xfrm>
-      </p:grpSpPr>
-      <p:sp>
-        <p:nvSpPr>
-          <p:cNvPr id="2" name="Title 1"/>
-          <p:cNvSpPr>
-            <a:spLocks noGrp="1"/>
-          </p:cNvSpPr>
-          <p:nvPr>
-            <p:ph type="title"/>
-          </p:nvPr>
-        </p:nvSpPr>
-        <p:spPr/>
-        <p:txBody>
-          <a:bodyPr/>
-          <a:lstStyle/>
-          <a:p>
-            <a:r>
-              <a:rPr lang="zh-CN" altLang="en-US" dirty="0" smtClean="0"/>
-              <a:t>被管理的制品包括</a:t>
-            </a:r>
-            <a:endParaRPr lang="en-US" dirty="0"/>
-          </a:p>
-        </p:txBody>
-      </p:sp>
-      <p:sp>
-        <p:nvSpPr>
-          <p:cNvPr id="3" name="Content Placeholder 2"/>
-          <p:cNvSpPr>
-            <a:spLocks noGrp="1"/>
-          </p:cNvSpPr>
-          <p:nvPr>
-            <p:ph idx="1"/>
-          </p:nvPr>
-        </p:nvSpPr>
-        <p:spPr/>
-        <p:txBody>
-          <a:bodyPr>
-            <a:normAutofit lnSpcReduction="10000"/>
-          </a:bodyPr>
-          <a:lstStyle/>
-          <a:p>
-            <a:r>
-              <a:rPr lang="zh-CN" altLang="en-US" dirty="0" smtClean="0"/>
-              <a:t>每个实验的输出</a:t>
-            </a:r>
-            <a:r>
-              <a:rPr lang="zh-CN" altLang="en-US" dirty="0"/>
-              <a:t>，</a:t>
-            </a:r>
-            <a:r>
-              <a:rPr lang="zh-CN" altLang="en-US" dirty="0" smtClean="0"/>
-              <a:t>如实验一输出为</a:t>
-            </a:r>
-            <a:r>
-              <a:rPr lang="en-US" altLang="zh-CN" dirty="0" smtClean="0"/>
-              <a:t>《</a:t>
-            </a:r>
-            <a:r>
-              <a:rPr lang="zh-CN" altLang="en-US" dirty="0" smtClean="0"/>
-              <a:t>软件需求规格说明书</a:t>
-            </a:r>
-            <a:r>
-              <a:rPr lang="en-US" altLang="zh-CN" dirty="0" smtClean="0"/>
-              <a:t>》</a:t>
-            </a:r>
-          </a:p>
-          <a:p>
-            <a:r>
-              <a:rPr lang="zh-CN" altLang="en-US" dirty="0" smtClean="0"/>
-              <a:t>相关代码脚本</a:t>
-            </a:r>
-            <a:endParaRPr lang="en-GB" altLang="zh-CN" dirty="0" smtClean="0"/>
-          </a:p>
-          <a:p>
-            <a:r>
-              <a:rPr lang="zh-CN" altLang="en-US" dirty="0" smtClean="0"/>
-              <a:t>项目管理文档：项目分工</a:t>
-            </a:r>
-            <a:r>
-              <a:rPr lang="zh-CN" altLang="en-US" dirty="0"/>
-              <a:t>、</a:t>
-            </a:r>
-            <a:r>
-              <a:rPr lang="zh-CN" altLang="en-US" dirty="0" smtClean="0"/>
-              <a:t>会议记录、个人工作日志、工作量的事前估计与事后统计</a:t>
-            </a:r>
-            <a:endParaRPr lang="en-US" altLang="zh-CN" dirty="0" smtClean="0"/>
-          </a:p>
-          <a:p>
-            <a:r>
-              <a:rPr lang="zh-CN" altLang="en-US" dirty="0" smtClean="0"/>
-              <a:t>主要参考资料源文件</a:t>
-            </a:r>
-            <a:endParaRPr lang="en-US" dirty="0"/>
-          </a:p>
-        </p:txBody>
-      </p:sp>
-    </p:spTree>
-    <p:extLst>
-      <p:ext uri="{BB962C8B-B14F-4D97-AF65-F5344CB8AC3E}">
-        <p14:creationId xmlns:p14="http://schemas.microsoft.com/office/powerpoint/2010/main" val="2418512981"/>
-      </p:ext>
-    </p:extLst>
-  </p:cSld>
-  <p:clrMapOvr>
-    <a:masterClrMapping/>
-  </p:clrMapOvr>
-</p:sld>
-</file>
-
-<file path=ppt/slides/slide2.xml><?xml version="1.0" encoding="utf-8"?>
-<p:sld xmlns:a="http://schemas.openxmlformats.org/drawingml/2006/main" xmlns:r="http://schemas.openxmlformats.org/officeDocument/2006/relationships" xmlns:p="http://schemas.openxmlformats.org/presentationml/2006/main">
-  <p:cSld>
-    <p:spTree>
-      <p:nvGrpSpPr>
-        <p:cNvPr id="1" name=""/>
-        <p:cNvGrpSpPr/>
-        <p:nvPr/>
-      </p:nvGrpSpPr>
-      <p:grpSpPr>
-        <a:xfrm>
-          <a:off x="0" y="0"/>
-          <a:ext cx="0" cy="0"/>
-          <a:chOff x="0" y="0"/>
-          <a:chExt cx="0" cy="0"/>
-        </a:xfrm>
-      </p:grpSpPr>
-      <p:sp>
-        <p:nvSpPr>
-          <p:cNvPr id="2" name="Title 1"/>
-          <p:cNvSpPr>
-            <a:spLocks noGrp="1"/>
-          </p:cNvSpPr>
-          <p:nvPr>
-            <p:ph type="title"/>
-          </p:nvPr>
-        </p:nvSpPr>
-        <p:spPr/>
-        <p:txBody>
-          <a:bodyPr/>
-          <a:lstStyle/>
-          <a:p>
-            <a:r>
-              <a:rPr lang="en-US" dirty="0" err="1" smtClean="0"/>
-              <a:t>Github使用</a:t>
-            </a:r>
-            <a:endParaRPr lang="en-US" dirty="0"/>
-          </a:p>
-        </p:txBody>
-      </p:sp>
-      <p:sp>
-        <p:nvSpPr>
-          <p:cNvPr id="3" name="Content Placeholder 2"/>
-          <p:cNvSpPr>
-            <a:spLocks noGrp="1"/>
-          </p:cNvSpPr>
-          <p:nvPr>
-            <p:ph idx="1"/>
-          </p:nvPr>
-        </p:nvSpPr>
-        <p:spPr>
-          <a:xfrm>
-            <a:off x="457200" y="1600200"/>
-            <a:ext cx="8229600" cy="4904696"/>
-          </a:xfrm>
-        </p:spPr>
-        <p:txBody>
-          <a:bodyPr/>
-          <a:lstStyle/>
-          <a:p>
-            <a:pPr marL="0" indent="0">
-              <a:buNone/>
-            </a:pPr>
-            <a:r>
-              <a:rPr lang="en-US" altLang="zh-CN" dirty="0" err="1" smtClean="0"/>
-              <a:t>www.github.com</a:t>
-            </a:r>
-            <a:r>
-              <a:rPr lang="zh-CN" altLang="en-US" dirty="0" smtClean="0"/>
-              <a:t> 注册用户</a:t>
-            </a:r>
-            <a:endParaRPr lang="en-GB" altLang="zh-CN" dirty="0" smtClean="0"/>
-          </a:p>
-          <a:p>
-            <a:pPr marL="0" indent="0">
-              <a:buNone/>
-            </a:pPr>
-            <a:r>
-              <a:rPr lang="zh-CN" altLang="en-GB" dirty="0" smtClean="0"/>
-              <a:t>安装</a:t>
-            </a:r>
-            <a:r>
-              <a:rPr lang="en-GB" altLang="zh-CN" dirty="0" err="1" smtClean="0"/>
-              <a:t>GitHub</a:t>
-            </a:r>
-            <a:r>
-              <a:rPr lang="zh-CN" altLang="en-GB" dirty="0" smtClean="0"/>
-              <a:t>客户端</a:t>
-            </a:r>
-            <a:r>
-              <a:rPr lang="en-GB" altLang="zh-CN" dirty="0" smtClean="0"/>
-              <a:t> </a:t>
-            </a:r>
-          </a:p>
-          <a:p>
-            <a:pPr lvl="1"/>
-            <a:r>
-              <a:rPr lang="en-GB" altLang="zh-CN" dirty="0" err="1" smtClean="0"/>
-              <a:t>windows.github.com</a:t>
-            </a:r>
-            <a:endParaRPr lang="en-GB" altLang="zh-CN" dirty="0" smtClean="0"/>
-          </a:p>
-          <a:p>
-            <a:pPr lvl="1"/>
-            <a:r>
-              <a:rPr lang="en-US" altLang="zh-CN" dirty="0" err="1" smtClean="0"/>
-              <a:t>mac.github.com</a:t>
-            </a:r>
-            <a:endParaRPr lang="en-GB" altLang="zh-CN" dirty="0" smtClean="0"/>
-          </a:p>
-          <a:p>
-            <a:pPr marL="0" indent="0">
-              <a:buNone/>
-            </a:pPr>
-            <a:r>
-              <a:rPr lang="zh-CN" altLang="en-US" dirty="0" smtClean="0"/>
-              <a:t>把用户名分组按相关格式</a:t>
-            </a:r>
-            <a:r>
-              <a:rPr lang="zh-CN" altLang="en-GB" dirty="0" smtClean="0"/>
-              <a:t>发给</a:t>
-            </a:r>
-            <a:r>
-              <a:rPr lang="en-GB" altLang="zh-CN" dirty="0" smtClean="0"/>
-              <a:t>bhsei@qq.com</a:t>
-            </a:r>
-          </a:p>
-          <a:p>
-            <a:pPr marL="0" indent="0">
-              <a:buNone/>
-            </a:pPr>
-            <a:r>
-              <a:rPr lang="zh-CN" altLang="en-US" dirty="0" smtClean="0"/>
-              <a:t>管理员添加后即可</a:t>
-            </a:r>
-            <a:r>
-              <a:rPr lang="en-US" altLang="zh-CN" dirty="0" smtClean="0"/>
-              <a:t>clone</a:t>
-            </a:r>
-            <a:r>
-              <a:rPr lang="zh-CN" altLang="en-US" dirty="0" smtClean="0"/>
-              <a:t>本组相关项目</a:t>
-            </a:r>
-            <a:endParaRPr lang="en-GB" altLang="zh-CN" dirty="0" smtClean="0"/>
-          </a:p>
-          <a:p>
-            <a:endParaRPr lang="en-US" dirty="0"/>
-          </a:p>
-        </p:txBody>
-      </p:sp>
-    </p:spTree>
-    <p:extLst>
-      <p:ext uri="{BB962C8B-B14F-4D97-AF65-F5344CB8AC3E}">
-        <p14:creationId xmlns:p14="http://schemas.microsoft.com/office/powerpoint/2010/main" val="3060589453"/>
-      </p:ext>
-    </p:extLst>
-  </p:cSld>
-  <p:clrMapOvr>
-    <a:masterClrMapping/>
-  </p:clrMapOvr>
-  <mc:AlternateContent xmlns:mc="http://schemas.openxmlformats.org/markup-compatibility/2006" xmlns:p14="http://schemas.microsoft.com/office/powerpoint/2010/main">
-    <mc:Choice Requires="p14">
-      <p:transition spd="slow" p14:dur="2000"/>
-    </mc:Choice>
-    <mc:Fallback xmlns="">
-      <p:transition xmlns:p14="http://schemas.microsoft.com/office/powerpoint/2010/main" spd="slow"/>
-    </mc:Fallback>
-  </mc:AlternateContent>
-</p:sld>
-</file>
-
-<file path=ppt/slides/slide3.xml><?xml version="1.0" encoding="utf-8"?>
-<p:sld xmlns:a="http://schemas.openxmlformats.org/drawingml/2006/main" xmlns:r="http://schemas.openxmlformats.org/officeDocument/2006/relationships" xmlns:p="http://schemas.openxmlformats.org/presentationml/2006/main">
-  <p:cSld>
-    <p:spTree>
-      <p:nvGrpSpPr>
-        <p:cNvPr id="1" name=""/>
-        <p:cNvGrpSpPr/>
-        <p:nvPr/>
-      </p:nvGrpSpPr>
-      <p:grpSpPr>
-        <a:xfrm>
-          <a:off x="0" y="0"/>
-          <a:ext cx="0" cy="0"/>
-          <a:chOff x="0" y="0"/>
-          <a:chExt cx="0" cy="0"/>
-        </a:xfrm>
-      </p:grpSpPr>
-      <p:sp>
-        <p:nvSpPr>
-          <p:cNvPr id="2" name="Title 1"/>
-          <p:cNvSpPr>
-            <a:spLocks noGrp="1"/>
-          </p:cNvSpPr>
-          <p:nvPr>
-            <p:ph type="title"/>
-          </p:nvPr>
-        </p:nvSpPr>
-        <p:spPr/>
-        <p:txBody>
-          <a:bodyPr/>
-          <a:lstStyle/>
-          <a:p>
-            <a:r>
-              <a:rPr lang="zh-CN" altLang="en-US" dirty="0" smtClean="0"/>
-              <a:t>注册</a:t>
-            </a:r>
-            <a:r>
-              <a:rPr lang="zh-CN" altLang="en-GB" dirty="0" smtClean="0"/>
-              <a:t>用户</a:t>
-            </a:r>
-            <a:r>
-              <a:rPr lang="zh-CN" altLang="zh-CN" dirty="0" smtClean="0"/>
-              <a:t>，</a:t>
-            </a:r>
-            <a:r>
-              <a:rPr lang="zh-CN" altLang="en-US" dirty="0" smtClean="0"/>
-              <a:t>记住用户名</a:t>
-            </a:r>
-            <a:endParaRPr lang="en-US" dirty="0"/>
-          </a:p>
-        </p:txBody>
-      </p:sp>
-      <p:pic>
-        <p:nvPicPr>
-          <p:cNvPr id="6" name="Picture 5" descr="WeChat_1427181555.jpeg"/>
-          <p:cNvPicPr>
-            <a:picLocks noChangeAspect="1"/>
-          </p:cNvPicPr>
-          <p:nvPr/>
-        </p:nvPicPr>
-        <p:blipFill>
-          <a:blip r:embed="rId2">
-            <a:extLst>
-              <a:ext uri="{28A0092B-C50C-407E-A947-70E740481C1C}">
-                <a14:useLocalDpi xmlns:a14="http://schemas.microsoft.com/office/drawing/2010/main" val="0"/>
-              </a:ext>
-            </a:extLst>
-          </a:blip>
-          <a:stretch>
-            <a:fillRect/>
-          </a:stretch>
-        </p:blipFill>
-        <p:spPr>
-          <a:xfrm>
-            <a:off x="1092182" y="1471434"/>
-            <a:ext cx="6916314" cy="5127406"/>
-          </a:xfrm>
-          <a:prstGeom prst="rect">
-            <a:avLst/>
-          </a:prstGeom>
-        </p:spPr>
-      </p:pic>
-    </p:spTree>
-    <p:extLst>
-      <p:ext uri="{BB962C8B-B14F-4D97-AF65-F5344CB8AC3E}">
-        <p14:creationId xmlns:p14="http://schemas.microsoft.com/office/powerpoint/2010/main" val="1888539046"/>
-      </p:ext>
-    </p:extLst>
-  </p:cSld>
-  <p:clrMapOvr>
-    <a:masterClrMapping/>
-  </p:clrMapOvr>
-</p:sld>
-</file>
-
-<file path=ppt/slides/slide4.xml><?xml version="1.0" encoding="utf-8"?>
-<p:sld xmlns:a="http://schemas.openxmlformats.org/drawingml/2006/main" xmlns:r="http://schemas.openxmlformats.org/officeDocument/2006/relationships" xmlns:p="http://schemas.openxmlformats.org/presentationml/2006/main">
-  <p:cSld>
-    <p:spTree>
-      <p:nvGrpSpPr>
-        <p:cNvPr id="1" name=""/>
-        <p:cNvGrpSpPr/>
-        <p:nvPr/>
-      </p:nvGrpSpPr>
-      <p:grpSpPr>
-        <a:xfrm>
-          <a:off x="0" y="0"/>
-          <a:ext cx="0" cy="0"/>
-          <a:chOff x="0" y="0"/>
-          <a:chExt cx="0" cy="0"/>
-        </a:xfrm>
-      </p:grpSpPr>
-      <p:sp>
-        <p:nvSpPr>
-          <p:cNvPr id="2" name="Title 1"/>
-          <p:cNvSpPr>
-            <a:spLocks noGrp="1"/>
-          </p:cNvSpPr>
-          <p:nvPr>
-            <p:ph type="title"/>
-          </p:nvPr>
-        </p:nvSpPr>
-        <p:spPr/>
-        <p:txBody>
-          <a:bodyPr>
-            <a:normAutofit fontScale="90000"/>
-          </a:bodyPr>
-          <a:lstStyle/>
-          <a:p>
-            <a:r>
-              <a:rPr lang="en-US" dirty="0" err="1" smtClean="0"/>
-              <a:t>安装Github客户端</a:t>
-            </a:r>
-            <a:r>
-              <a:rPr lang="zh-CN" altLang="zh-CN" dirty="0" smtClean="0"/>
-              <a:t>，</a:t>
-            </a:r>
-            <a:r>
-              <a:rPr lang="zh-CN" altLang="en-US" dirty="0" smtClean="0"/>
-              <a:t>登录</a:t>
-            </a:r>
-            <a:r>
-              <a:rPr lang="zh-CN" altLang="en-GB" dirty="0" smtClean="0"/>
-              <a:t>确认</a:t>
-            </a:r>
-            <a:endParaRPr lang="en-US" dirty="0"/>
-          </a:p>
-        </p:txBody>
-      </p:sp>
-      <p:pic>
-        <p:nvPicPr>
-          <p:cNvPr id="5" name="Picture 4" descr="WeChat_1427185385.jpeg"/>
-          <p:cNvPicPr>
-            <a:picLocks noChangeAspect="1"/>
-          </p:cNvPicPr>
-          <p:nvPr/>
-        </p:nvPicPr>
-        <p:blipFill>
-          <a:blip r:embed="rId2">
-            <a:extLst>
-              <a:ext uri="{28A0092B-C50C-407E-A947-70E740481C1C}">
-                <a14:useLocalDpi xmlns:a14="http://schemas.microsoft.com/office/drawing/2010/main" val="0"/>
-              </a:ext>
-            </a:extLst>
-          </a:blip>
-          <a:stretch>
-            <a:fillRect/>
-          </a:stretch>
-        </p:blipFill>
-        <p:spPr>
-          <a:xfrm>
-            <a:off x="155506" y="1600200"/>
-            <a:ext cx="4859520" cy="3529329"/>
-          </a:xfrm>
-          <a:prstGeom prst="rect">
-            <a:avLst/>
-          </a:prstGeom>
-        </p:spPr>
-      </p:pic>
-      <p:pic>
-        <p:nvPicPr>
-          <p:cNvPr id="4" name="Picture 3" descr="WeChat_1427185201.jpeg"/>
-          <p:cNvPicPr>
-            <a:picLocks noChangeAspect="1"/>
-          </p:cNvPicPr>
-          <p:nvPr/>
-        </p:nvPicPr>
-        <p:blipFill>
-          <a:blip r:embed="rId3">
-            <a:extLst>
-              <a:ext uri="{28A0092B-C50C-407E-A947-70E740481C1C}">
-                <a14:useLocalDpi xmlns:a14="http://schemas.microsoft.com/office/drawing/2010/main" val="0"/>
-              </a:ext>
-            </a:extLst>
-          </a:blip>
-          <a:stretch>
-            <a:fillRect/>
-          </a:stretch>
-        </p:blipFill>
-        <p:spPr>
-          <a:xfrm>
-            <a:off x="4107917" y="2607170"/>
-            <a:ext cx="4833604" cy="3510507"/>
-          </a:xfrm>
-          <a:prstGeom prst="rect">
-            <a:avLst/>
-          </a:prstGeom>
-        </p:spPr>
-      </p:pic>
-    </p:spTree>
-    <p:extLst>
-      <p:ext uri="{BB962C8B-B14F-4D97-AF65-F5344CB8AC3E}">
-        <p14:creationId xmlns:p14="http://schemas.microsoft.com/office/powerpoint/2010/main" val="3630650460"/>
-      </p:ext>
-    </p:extLst>
-  </p:cSld>
-  <p:clrMapOvr>
-    <a:masterClrMapping/>
-  </p:clrMapOvr>
-  <p:timing>
-    <p:tnLst>
-      <p:par>
-        <p:cTn xmlns:p14="http://schemas.microsoft.com/office/powerpoint/2010/main" id="1" dur="indefinite" restart="never" nodeType="tmRoot"/>
-      </p:par>
-    </p:tnLst>
-  </p:timing>
-</p:sld>
-</file>
-
-<file path=ppt/slides/slide5.xml><?xml version="1.0" encoding="utf-8"?>
-<p:sld xmlns:a="http://schemas.openxmlformats.org/drawingml/2006/main" xmlns:r="http://schemas.openxmlformats.org/officeDocument/2006/relationships" xmlns:p="http://schemas.openxmlformats.org/presentationml/2006/main">
-  <p:cSld>
-    <p:spTree>
-      <p:nvGrpSpPr>
-        <p:cNvPr id="1" name=""/>
-        <p:cNvGrpSpPr/>
-        <p:nvPr/>
-      </p:nvGrpSpPr>
-      <p:grpSpPr>
-        <a:xfrm>
-          <a:off x="0" y="0"/>
-          <a:ext cx="0" cy="0"/>
-          <a:chOff x="0" y="0"/>
-          <a:chExt cx="0" cy="0"/>
-        </a:xfrm>
-      </p:grpSpPr>
-      <p:sp>
-        <p:nvSpPr>
-          <p:cNvPr id="2" name="Title 1"/>
-          <p:cNvSpPr>
-            <a:spLocks noGrp="1"/>
-          </p:cNvSpPr>
-          <p:nvPr>
-            <p:ph type="title"/>
-          </p:nvPr>
-        </p:nvSpPr>
-        <p:spPr/>
-        <p:txBody>
-          <a:bodyPr>
-            <a:normAutofit fontScale="90000"/>
-          </a:bodyPr>
-          <a:lstStyle/>
-          <a:p>
-            <a:r>
-              <a:rPr lang="en-US" dirty="0" smtClean="0"/>
-              <a:t>用户名</a:t>
-            </a:r>
-            <a:r>
-              <a:rPr lang="zh-CN" altLang="en-US" dirty="0" smtClean="0"/>
-              <a:t>分组发送给管理员邮箱</a:t>
-            </a:r>
-            <a:endParaRPr lang="en-US" dirty="0"/>
-          </a:p>
-        </p:txBody>
-      </p:sp>
-      <p:sp>
-        <p:nvSpPr>
-          <p:cNvPr id="3" name="Content Placeholder 2"/>
-          <p:cNvSpPr>
-            <a:spLocks noGrp="1"/>
-          </p:cNvSpPr>
-          <p:nvPr>
-            <p:ph idx="1"/>
-          </p:nvPr>
-        </p:nvSpPr>
-        <p:spPr>
-          <a:xfrm>
-            <a:off x="457200" y="1250334"/>
-            <a:ext cx="8229600" cy="5257800"/>
-          </a:xfrm>
-        </p:spPr>
-        <p:txBody>
-          <a:bodyPr>
-            <a:normAutofit/>
-          </a:bodyPr>
-          <a:lstStyle/>
-          <a:p>
-            <a:r>
-              <a:rPr lang="zh-CN" altLang="en-US" dirty="0" smtClean="0"/>
-              <a:t>收件人：</a:t>
-            </a:r>
-            <a:r>
-              <a:rPr lang="en-US" altLang="zh-CN" dirty="0" err="1" smtClean="0"/>
-              <a:t>bhsei@qq.com</a:t>
-            </a:r>
-            <a:endParaRPr lang="en-GB" altLang="zh-CN" dirty="0" smtClean="0"/>
-          </a:p>
-          <a:p>
-            <a:r>
-              <a:rPr lang="zh-CN" altLang="en-US" dirty="0" smtClean="0"/>
-              <a:t>每组只发一封邮件：</a:t>
-            </a:r>
-            <a:endParaRPr lang="en-GB" altLang="zh-CN" dirty="0" smtClean="0"/>
-          </a:p>
-          <a:p>
-            <a:r>
-              <a:rPr lang="zh-CN" altLang="en-US" dirty="0" smtClean="0"/>
-              <a:t>题目格式：</a:t>
-            </a:r>
-            <a:r>
-              <a:rPr lang="zh-CN" altLang="zh-CN" dirty="0" smtClean="0"/>
-              <a:t>&lt;</a:t>
-            </a:r>
-            <a:r>
-              <a:rPr lang="zh-CN" altLang="en-US" dirty="0" smtClean="0"/>
-              <a:t>组号</a:t>
-            </a:r>
-            <a:r>
-              <a:rPr lang="en-US" altLang="zh-CN" dirty="0" smtClean="0"/>
-              <a:t>&gt;-&lt;</a:t>
-            </a:r>
-            <a:r>
-              <a:rPr lang="zh-CN" altLang="en-US" dirty="0" smtClean="0"/>
-              <a:t>所选项目</a:t>
-            </a:r>
-            <a:r>
-              <a:rPr lang="en-US" altLang="zh-CN" dirty="0" smtClean="0"/>
-              <a:t>&gt;-</a:t>
-            </a:r>
-            <a:r>
-              <a:rPr lang="en-GB" altLang="zh-CN" dirty="0" err="1" smtClean="0"/>
-              <a:t>GitHub</a:t>
-            </a:r>
-            <a:r>
-              <a:rPr lang="en-US" altLang="zh-CN" dirty="0" smtClean="0"/>
-              <a:t>Rep</a:t>
-            </a:r>
-            <a:endParaRPr lang="en-GB" altLang="zh-CN" dirty="0" smtClean="0"/>
-          </a:p>
-          <a:p>
-            <a:r>
-              <a:rPr lang="zh-CN" altLang="en-US" dirty="0" smtClean="0"/>
-              <a:t>正文格式：</a:t>
-            </a:r>
-            <a:endParaRPr lang="en-GB" altLang="zh-CN" dirty="0" smtClean="0"/>
-          </a:p>
-          <a:p>
-            <a:pPr lvl="1"/>
-            <a:r>
-              <a:rPr lang="zh-CN" altLang="zh-CN" dirty="0" smtClean="0"/>
-              <a:t>&lt;</a:t>
-            </a:r>
-            <a:r>
-              <a:rPr lang="en-US" altLang="zh-CN" dirty="0" err="1"/>
-              <a:t>github</a:t>
-            </a:r>
-            <a:r>
-              <a:rPr lang="zh-CN" altLang="en-US" dirty="0"/>
-              <a:t>用户名</a:t>
-            </a:r>
-            <a:r>
-              <a:rPr lang="en-US" altLang="zh-CN" dirty="0"/>
-              <a:t>1</a:t>
-            </a:r>
-            <a:r>
-              <a:rPr lang="en-US" altLang="zh-CN" dirty="0" smtClean="0"/>
-              <a:t>&gt;-&lt;</a:t>
-            </a:r>
-            <a:r>
-              <a:rPr lang="zh-CN" altLang="en-US" dirty="0"/>
-              <a:t>真实姓名</a:t>
-            </a:r>
-            <a:r>
-              <a:rPr lang="en-US" altLang="zh-CN" dirty="0"/>
-              <a:t>1&gt;</a:t>
-            </a:r>
-            <a:endParaRPr lang="en-US" dirty="0"/>
-          </a:p>
-          <a:p>
-            <a:pPr lvl="1"/>
-            <a:r>
-              <a:rPr lang="zh-CN" altLang="zh-CN" dirty="0"/>
-              <a:t>&lt;</a:t>
-            </a:r>
-            <a:r>
-              <a:rPr lang="en-US" altLang="zh-CN" dirty="0" err="1"/>
-              <a:t>github</a:t>
-            </a:r>
-            <a:r>
-              <a:rPr lang="zh-CN" altLang="en-US" dirty="0" smtClean="0"/>
-              <a:t>用户名</a:t>
-            </a:r>
-            <a:r>
-              <a:rPr lang="zh-CN" altLang="zh-CN" dirty="0" smtClean="0"/>
-              <a:t>2</a:t>
-            </a:r>
-            <a:r>
-              <a:rPr lang="en-US" altLang="zh-CN" dirty="0" smtClean="0"/>
-              <a:t>&gt;-&lt;</a:t>
-            </a:r>
-            <a:r>
-              <a:rPr lang="zh-CN" altLang="en-US" dirty="0"/>
-              <a:t>真实</a:t>
-            </a:r>
-            <a:r>
-              <a:rPr lang="zh-CN" altLang="en-US" dirty="0" smtClean="0"/>
-              <a:t>姓名</a:t>
-            </a:r>
-            <a:r>
-              <a:rPr lang="zh-CN" altLang="zh-CN" dirty="0" smtClean="0"/>
-              <a:t>2&gt;</a:t>
-            </a:r>
-            <a:endParaRPr lang="en-US" altLang="zh-CN" dirty="0" smtClean="0"/>
-          </a:p>
-        </p:txBody>
-      </p:sp>
-      <p:pic>
-        <p:nvPicPr>
-          <p:cNvPr id="4" name="Picture 3" descr="WeChat_1427186256.jpeg"/>
-          <p:cNvPicPr>
-            <a:picLocks noChangeAspect="1"/>
-          </p:cNvPicPr>
-          <p:nvPr/>
-        </p:nvPicPr>
-        <p:blipFill rotWithShape="1">
-          <a:blip r:embed="rId2">
-            <a:extLst>
-              <a:ext uri="{28A0092B-C50C-407E-A947-70E740481C1C}">
-                <a14:useLocalDpi xmlns:a14="http://schemas.microsoft.com/office/drawing/2010/main" val="0"/>
-              </a:ext>
-            </a:extLst>
-          </a:blip>
-          <a:srcRect b="16341"/>
-          <a:stretch/>
-        </p:blipFill>
-        <p:spPr>
-          <a:xfrm>
-            <a:off x="5622219" y="1353998"/>
-            <a:ext cx="3327400" cy="1976198"/>
-          </a:xfrm>
-          <a:prstGeom prst="rect">
-            <a:avLst/>
-          </a:prstGeom>
-        </p:spPr>
-      </p:pic>
-    </p:spTree>
-    <p:extLst>
-      <p:ext uri="{BB962C8B-B14F-4D97-AF65-F5344CB8AC3E}">
-        <p14:creationId xmlns:p14="http://schemas.microsoft.com/office/powerpoint/2010/main" val="2663618376"/>
-      </p:ext>
-    </p:extLst>
-  </p:cSld>
-  <p:clrMapOvr>
-    <a:masterClrMapping/>
-  </p:clrMapOvr>
-</p:sld>
-</file>
-
-<file path=ppt/slides/slide6.xml><?xml version="1.0" encoding="utf-8"?>
-<p:sld xmlns:a="http://schemas.openxmlformats.org/drawingml/2006/main" xmlns:r="http://schemas.openxmlformats.org/officeDocument/2006/relationships" xmlns:p="http://schemas.openxmlformats.org/presentationml/2006/main">
-  <p:cSld>
-    <p:spTree>
-      <p:nvGrpSpPr>
-        <p:cNvPr id="1" name=""/>
-        <p:cNvGrpSpPr/>
-        <p:nvPr/>
-      </p:nvGrpSpPr>
-      <p:grpSpPr>
-        <a:xfrm>
-          <a:off x="0" y="0"/>
-          <a:ext cx="0" cy="0"/>
-          <a:chOff x="0" y="0"/>
-          <a:chExt cx="0" cy="0"/>
-        </a:xfrm>
-      </p:grpSpPr>
-      <p:sp>
-        <p:nvSpPr>
-          <p:cNvPr id="2" name="Title 1"/>
-          <p:cNvSpPr>
-            <a:spLocks noGrp="1"/>
-          </p:cNvSpPr>
-          <p:nvPr>
-            <p:ph type="title"/>
-          </p:nvPr>
-        </p:nvSpPr>
         <p:spPr>
           <a:xfrm>
             <a:off x="457200" y="2906254"/>
@@ -5151,7 +3296,7 @@
 </p:sld>
 </file>
 
-<file path=ppt/slides/slide7.xml><?xml version="1.0" encoding="utf-8"?>
+<file path=ppt/slides/slide11.xml><?xml version="1.0" encoding="utf-8"?>
 <p:sld xmlns:a="http://schemas.openxmlformats.org/drawingml/2006/main" xmlns:r="http://schemas.openxmlformats.org/officeDocument/2006/relationships" xmlns:p="http://schemas.openxmlformats.org/presentationml/2006/main">
   <p:cSld>
     <p:spTree>
@@ -5241,7 +3386,7 @@
 </p:sld>
 </file>
 
-<file path=ppt/slides/slide8.xml><?xml version="1.0" encoding="utf-8"?>
+<file path=ppt/slides/slide12.xml><?xml version="1.0" encoding="utf-8"?>
 <p:sld xmlns:a="http://schemas.openxmlformats.org/drawingml/2006/main" xmlns:r="http://schemas.openxmlformats.org/officeDocument/2006/relationships" xmlns:p="http://schemas.openxmlformats.org/presentationml/2006/main">
   <p:cSld>
     <p:spTree>
@@ -5737,6 +3882,2130 @@
 </p:sld>
 </file>
 
+<file path=ppt/slides/slide13.xml><?xml version="1.0" encoding="utf-8"?>
+<p:sld xmlns:a="http://schemas.openxmlformats.org/drawingml/2006/main" xmlns:r="http://schemas.openxmlformats.org/officeDocument/2006/relationships" xmlns:p="http://schemas.openxmlformats.org/presentationml/2006/main">
+  <p:cSld>
+    <p:spTree>
+      <p:nvGrpSpPr>
+        <p:cNvPr id="1" name=""/>
+        <p:cNvGrpSpPr/>
+        <p:nvPr/>
+      </p:nvGrpSpPr>
+      <p:grpSpPr>
+        <a:xfrm>
+          <a:off x="0" y="0"/>
+          <a:ext cx="0" cy="0"/>
+          <a:chOff x="0" y="0"/>
+          <a:chExt cx="0" cy="0"/>
+        </a:xfrm>
+      </p:grpSpPr>
+      <p:sp>
+        <p:nvSpPr>
+          <p:cNvPr id="2" name="Title 1"/>
+          <p:cNvSpPr>
+            <a:spLocks noGrp="1"/>
+          </p:cNvSpPr>
+          <p:nvPr>
+            <p:ph type="title"/>
+          </p:nvPr>
+        </p:nvSpPr>
+        <p:spPr/>
+        <p:txBody>
+          <a:bodyPr/>
+          <a:lstStyle/>
+          <a:p>
+            <a:r>
+              <a:rPr lang="en-US" dirty="0" smtClean="0"/>
+              <a:t>文档版本控制</a:t>
+            </a:r>
+            <a:endParaRPr lang="en-US" dirty="0"/>
+          </a:p>
+        </p:txBody>
+      </p:sp>
+      <p:sp>
+        <p:nvSpPr>
+          <p:cNvPr id="3" name="Content Placeholder 2"/>
+          <p:cNvSpPr>
+            <a:spLocks noGrp="1"/>
+          </p:cNvSpPr>
+          <p:nvPr>
+            <p:ph idx="1"/>
+          </p:nvPr>
+        </p:nvSpPr>
+        <p:spPr/>
+        <p:txBody>
+          <a:bodyPr>
+            <a:normAutofit lnSpcReduction="10000"/>
+          </a:bodyPr>
+          <a:lstStyle/>
+          <a:p>
+            <a:r>
+              <a:rPr lang="zh-CN" altLang="en-US" dirty="0" smtClean="0"/>
+              <a:t>每次工作前先</a:t>
+            </a:r>
+            <a:r>
+              <a:rPr lang="en-US" altLang="zh-CN" dirty="0" smtClean="0"/>
+              <a:t>pull</a:t>
+            </a:r>
+            <a:r>
+              <a:rPr lang="zh-CN" altLang="en-US" dirty="0" smtClean="0"/>
+              <a:t>，把别人</a:t>
+            </a:r>
+            <a:r>
+              <a:rPr lang="en-US" altLang="zh-CN" dirty="0" smtClean="0"/>
+              <a:t>push</a:t>
+            </a:r>
+            <a:r>
+              <a:rPr lang="zh-CN" altLang="en-US" dirty="0" smtClean="0"/>
+              <a:t>到服务器的文档拿到本地</a:t>
+            </a:r>
+            <a:endParaRPr lang="en-US" dirty="0" smtClean="0"/>
+          </a:p>
+          <a:p>
+            <a:r>
+              <a:rPr lang="zh-CN" altLang="en-US" dirty="0" smtClean="0"/>
+              <a:t>修改文档或代码后</a:t>
+            </a:r>
+            <a:r>
+              <a:rPr lang="en-US" dirty="0" smtClean="0"/>
+              <a:t>Commit</a:t>
+            </a:r>
+            <a:r>
+              <a:rPr lang="zh-CN" altLang="en-US" dirty="0" smtClean="0"/>
+              <a:t>时要填写总结和描述，</a:t>
+            </a:r>
+            <a:r>
+              <a:rPr lang="zh-CN" altLang="en-US" dirty="0" smtClean="0">
+                <a:solidFill>
+                  <a:srgbClr val="CCFFCC"/>
+                </a:solidFill>
+              </a:rPr>
+              <a:t>请对每个修改后的文档单独逐个</a:t>
+            </a:r>
+            <a:r>
+              <a:rPr lang="en-US" altLang="zh-CN" dirty="0" smtClean="0">
+                <a:solidFill>
+                  <a:srgbClr val="CCFFCC"/>
+                </a:solidFill>
+              </a:rPr>
+              <a:t>commit</a:t>
+            </a:r>
+            <a:r>
+              <a:rPr lang="zh-CN" altLang="en-US" dirty="0" smtClean="0"/>
+              <a:t>，格式：</a:t>
+            </a:r>
+            <a:r>
+              <a:rPr lang="zh-CN" altLang="zh-CN" b="1" dirty="0" smtClean="0">
+                <a:solidFill>
+                  <a:srgbClr val="FFFF00"/>
+                </a:solidFill>
+              </a:rPr>
+              <a:t>&lt;</a:t>
+            </a:r>
+            <a:r>
+              <a:rPr lang="zh-CN" altLang="en-US" b="1" dirty="0" smtClean="0">
+                <a:solidFill>
+                  <a:srgbClr val="FFFF00"/>
+                </a:solidFill>
+              </a:rPr>
+              <a:t>周</a:t>
+            </a:r>
+            <a:r>
+              <a:rPr lang="en-US" altLang="zh-CN" b="1" dirty="0" smtClean="0">
+                <a:solidFill>
+                  <a:srgbClr val="FFFF00"/>
+                </a:solidFill>
+              </a:rPr>
+              <a:t>&gt;-&lt;</a:t>
+            </a:r>
+            <a:r>
+              <a:rPr lang="zh-CN" altLang="en-US" b="1" dirty="0" smtClean="0">
+                <a:solidFill>
+                  <a:srgbClr val="FFFF00"/>
+                </a:solidFill>
+              </a:rPr>
+              <a:t>改动总结</a:t>
+            </a:r>
+            <a:r>
+              <a:rPr lang="en-US" altLang="zh-CN" b="1" dirty="0" smtClean="0">
+                <a:solidFill>
+                  <a:srgbClr val="FFFF00"/>
+                </a:solidFill>
+              </a:rPr>
+              <a:t>&gt;;</a:t>
+            </a:r>
+            <a:r>
+              <a:rPr lang="zh-CN" altLang="en-US" b="1" dirty="0" smtClean="0">
+                <a:solidFill>
+                  <a:srgbClr val="FFFF00"/>
+                </a:solidFill>
+              </a:rPr>
+              <a:t> </a:t>
+            </a:r>
+            <a:r>
+              <a:rPr lang="zh-CN" altLang="zh-CN" b="1" dirty="0" smtClean="0">
+                <a:solidFill>
+                  <a:srgbClr val="FFFF00"/>
+                </a:solidFill>
+              </a:rPr>
+              <a:t>&lt;</a:t>
+            </a:r>
+            <a:r>
+              <a:rPr lang="zh-CN" altLang="en-US" b="1" dirty="0" smtClean="0">
+                <a:solidFill>
+                  <a:srgbClr val="FFFF00"/>
+                </a:solidFill>
+              </a:rPr>
+              <a:t>改动描述</a:t>
+            </a:r>
+            <a:r>
+              <a:rPr lang="en-US" altLang="zh-CN" b="1" dirty="0" smtClean="0">
+                <a:solidFill>
+                  <a:srgbClr val="FFFF00"/>
+                </a:solidFill>
+              </a:rPr>
+              <a:t>&gt;</a:t>
+            </a:r>
+            <a:endParaRPr lang="en-GB" altLang="zh-CN" b="1" dirty="0" smtClean="0">
+              <a:solidFill>
+                <a:srgbClr val="FFFF00"/>
+              </a:solidFill>
+            </a:endParaRPr>
+          </a:p>
+          <a:p>
+            <a:r>
+              <a:rPr lang="zh-CN" altLang="en-US" dirty="0" smtClean="0"/>
+              <a:t>完成工作后</a:t>
+            </a:r>
+            <a:r>
+              <a:rPr lang="en-US" altLang="zh-CN" dirty="0" smtClean="0"/>
+              <a:t>push</a:t>
+            </a:r>
+            <a:r>
+              <a:rPr lang="zh-CN" altLang="en-US" dirty="0" smtClean="0"/>
+              <a:t>到服务器上</a:t>
+            </a:r>
+            <a:endParaRPr lang="en-US" dirty="0" smtClean="0"/>
+          </a:p>
+          <a:p>
+            <a:endParaRPr lang="en-US" dirty="0"/>
+          </a:p>
+        </p:txBody>
+      </p:sp>
+    </p:spTree>
+    <p:extLst>
+      <p:ext uri="{BB962C8B-B14F-4D97-AF65-F5344CB8AC3E}">
+        <p14:creationId xmlns:p14="http://schemas.microsoft.com/office/powerpoint/2010/main" val="1039438193"/>
+      </p:ext>
+    </p:extLst>
+  </p:cSld>
+  <p:clrMapOvr>
+    <a:masterClrMapping/>
+  </p:clrMapOvr>
+  <p:timing>
+    <p:tnLst>
+      <p:par>
+        <p:cTn xmlns:p14="http://schemas.microsoft.com/office/powerpoint/2010/main" id="1" dur="indefinite" restart="never" nodeType="tmRoot"/>
+      </p:par>
+    </p:tnLst>
+  </p:timing>
+</p:sld>
+</file>
+
+<file path=ppt/slides/slide14.xml><?xml version="1.0" encoding="utf-8"?>
+<p:sld xmlns:a="http://schemas.openxmlformats.org/drawingml/2006/main" xmlns:r="http://schemas.openxmlformats.org/officeDocument/2006/relationships" xmlns:p="http://schemas.openxmlformats.org/presentationml/2006/main">
+  <p:cSld>
+    <p:spTree>
+      <p:nvGrpSpPr>
+        <p:cNvPr id="1" name=""/>
+        <p:cNvGrpSpPr/>
+        <p:nvPr/>
+      </p:nvGrpSpPr>
+      <p:grpSpPr>
+        <a:xfrm>
+          <a:off x="0" y="0"/>
+          <a:ext cx="0" cy="0"/>
+          <a:chOff x="0" y="0"/>
+          <a:chExt cx="0" cy="0"/>
+        </a:xfrm>
+      </p:grpSpPr>
+      <p:sp>
+        <p:nvSpPr>
+          <p:cNvPr id="2" name="Title 1"/>
+          <p:cNvSpPr>
+            <a:spLocks noGrp="1"/>
+          </p:cNvSpPr>
+          <p:nvPr>
+            <p:ph type="title"/>
+          </p:nvPr>
+        </p:nvSpPr>
+        <p:spPr/>
+        <p:txBody>
+          <a:bodyPr/>
+          <a:lstStyle/>
+          <a:p>
+            <a:r>
+              <a:rPr lang="en-US" dirty="0" smtClean="0"/>
+              <a:t>文档版本控制</a:t>
+            </a:r>
+            <a:endParaRPr lang="en-US" dirty="0"/>
+          </a:p>
+        </p:txBody>
+      </p:sp>
+      <p:pic>
+        <p:nvPicPr>
+          <p:cNvPr id="7" name="Picture 6" descr="WeChat_1427189916.jpeg"/>
+          <p:cNvPicPr>
+            <a:picLocks noChangeAspect="1"/>
+          </p:cNvPicPr>
+          <p:nvPr/>
+        </p:nvPicPr>
+        <p:blipFill>
+          <a:blip r:embed="rId2">
+            <a:extLst>
+              <a:ext uri="{28A0092B-C50C-407E-A947-70E740481C1C}">
+                <a14:useLocalDpi xmlns:a14="http://schemas.microsoft.com/office/drawing/2010/main" val="0"/>
+              </a:ext>
+            </a:extLst>
+          </a:blip>
+          <a:stretch>
+            <a:fillRect/>
+          </a:stretch>
+        </p:blipFill>
+        <p:spPr>
+          <a:xfrm>
+            <a:off x="106178" y="1425375"/>
+            <a:ext cx="6886673" cy="4719937"/>
+          </a:xfrm>
+          <a:prstGeom prst="rect">
+            <a:avLst/>
+          </a:prstGeom>
+        </p:spPr>
+      </p:pic>
+      <p:pic>
+        <p:nvPicPr>
+          <p:cNvPr id="8" name="Picture 7" descr="WeChat_1427189916.jpeg"/>
+          <p:cNvPicPr>
+            <a:picLocks noChangeAspect="1"/>
+          </p:cNvPicPr>
+          <p:nvPr/>
+        </p:nvPicPr>
+        <p:blipFill rotWithShape="1">
+          <a:blip r:embed="rId2">
+            <a:extLst>
+              <a:ext uri="{28A0092B-C50C-407E-A947-70E740481C1C}">
+                <a14:useLocalDpi xmlns:a14="http://schemas.microsoft.com/office/drawing/2010/main" val="0"/>
+              </a:ext>
+            </a:extLst>
+          </a:blip>
+          <a:srcRect l="16322" t="9574" r="60864" b="68928"/>
+          <a:stretch/>
+        </p:blipFill>
+        <p:spPr>
+          <a:xfrm>
+            <a:off x="4892837" y="1305059"/>
+            <a:ext cx="3408948" cy="2201550"/>
+          </a:xfrm>
+          <a:prstGeom prst="rect">
+            <a:avLst/>
+          </a:prstGeom>
+        </p:spPr>
+      </p:pic>
+      <p:pic>
+        <p:nvPicPr>
+          <p:cNvPr id="9" name="Picture 8" descr="WeChat_1427189916.jpeg"/>
+          <p:cNvPicPr>
+            <a:picLocks noChangeAspect="1"/>
+          </p:cNvPicPr>
+          <p:nvPr/>
+        </p:nvPicPr>
+        <p:blipFill rotWithShape="1">
+          <a:blip r:embed="rId2">
+            <a:extLst>
+              <a:ext uri="{28A0092B-C50C-407E-A947-70E740481C1C}">
+                <a14:useLocalDpi xmlns:a14="http://schemas.microsoft.com/office/drawing/2010/main" val="0"/>
+              </a:ext>
+            </a:extLst>
+          </a:blip>
+          <a:srcRect l="15595" t="58187" r="57273" b="5116"/>
+          <a:stretch/>
+        </p:blipFill>
+        <p:spPr>
+          <a:xfrm>
+            <a:off x="4745788" y="3462421"/>
+            <a:ext cx="3662949" cy="3395579"/>
+          </a:xfrm>
+          <a:prstGeom prst="rect">
+            <a:avLst/>
+          </a:prstGeom>
+        </p:spPr>
+      </p:pic>
+    </p:spTree>
+    <p:extLst>
+      <p:ext uri="{BB962C8B-B14F-4D97-AF65-F5344CB8AC3E}">
+        <p14:creationId xmlns:p14="http://schemas.microsoft.com/office/powerpoint/2010/main" val="2307023351"/>
+      </p:ext>
+    </p:extLst>
+  </p:cSld>
+  <p:clrMapOvr>
+    <a:masterClrMapping/>
+  </p:clrMapOvr>
+  <p:timing>
+    <p:tnLst>
+      <p:par>
+        <p:cTn xmlns:p14="http://schemas.microsoft.com/office/powerpoint/2010/main" id="1" dur="indefinite" restart="never" nodeType="tmRoot">
+          <p:childTnLst>
+            <p:seq concurrent="1" nextAc="seek">
+              <p:cTn id="2" dur="indefinite" nodeType="mainSeq">
+                <p:childTnLst>
+                  <p:par>
+                    <p:cTn id="3" fill="hold">
+                      <p:stCondLst>
+                        <p:cond delay="indefinite"/>
+                      </p:stCondLst>
+                      <p:childTnLst>
+                        <p:par>
+                          <p:cTn id="4" fill="hold">
+                            <p:stCondLst>
+                              <p:cond delay="0"/>
+                            </p:stCondLst>
+                            <p:childTnLst>
+                              <p:par>
+                                <p:cTn id="5" presetID="1" presetClass="entr" presetSubtype="0" fill="hold" nodeType="clickEffect">
+                                  <p:stCondLst>
+                                    <p:cond delay="0"/>
+                                  </p:stCondLst>
+                                  <p:childTnLst>
+                                    <p:set>
+                                      <p:cBhvr>
+                                        <p:cTn id="6" dur="1" fill="hold">
+                                          <p:stCondLst>
+                                            <p:cond delay="0"/>
+                                          </p:stCondLst>
+                                        </p:cTn>
+                                        <p:tgtEl>
+                                          <p:spTgt spid="8"/>
+                                        </p:tgtEl>
+                                        <p:attrNameLst>
+                                          <p:attrName>style.visibility</p:attrName>
+                                        </p:attrNameLst>
+                                      </p:cBhvr>
+                                      <p:to>
+                                        <p:strVal val="visible"/>
+                                      </p:to>
+                                    </p:set>
+                                  </p:childTnLst>
+                                </p:cTn>
+                              </p:par>
+                            </p:childTnLst>
+                          </p:cTn>
+                        </p:par>
+                      </p:childTnLst>
+                    </p:cTn>
+                  </p:par>
+                  <p:par>
+                    <p:cTn id="7" fill="hold">
+                      <p:stCondLst>
+                        <p:cond delay="indefinite"/>
+                      </p:stCondLst>
+                      <p:childTnLst>
+                        <p:par>
+                          <p:cTn id="8" fill="hold">
+                            <p:stCondLst>
+                              <p:cond delay="0"/>
+                            </p:stCondLst>
+                            <p:childTnLst>
+                              <p:par>
+                                <p:cTn id="9" presetID="1" presetClass="entr" presetSubtype="0" fill="hold" nodeType="clickEffect">
+                                  <p:stCondLst>
+                                    <p:cond delay="0"/>
+                                  </p:stCondLst>
+                                  <p:childTnLst>
+                                    <p:set>
+                                      <p:cBhvr>
+                                        <p:cTn id="10" dur="1" fill="hold">
+                                          <p:stCondLst>
+                                            <p:cond delay="0"/>
+                                          </p:stCondLst>
+                                        </p:cTn>
+                                        <p:tgtEl>
+                                          <p:spTgt spid="9"/>
+                                        </p:tgtEl>
+                                        <p:attrNameLst>
+                                          <p:attrName>style.visibility</p:attrName>
+                                        </p:attrNameLst>
+                                      </p:cBhvr>
+                                      <p:to>
+                                        <p:strVal val="visible"/>
+                                      </p:to>
+                                    </p:set>
+                                  </p:childTnLst>
+                                </p:cTn>
+                              </p:par>
+                            </p:childTnLst>
+                          </p:cTn>
+                        </p:par>
+                      </p:childTnLst>
+                    </p:cTn>
+                  </p:par>
+                </p:childTnLst>
+              </p:cTn>
+              <p:prevCondLst>
+                <p:cond evt="onPrev" delay="0">
+                  <p:tgtEl>
+                    <p:sldTgt/>
+                  </p:tgtEl>
+                </p:cond>
+              </p:prevCondLst>
+              <p:nextCondLst>
+                <p:cond evt="onNext" delay="0">
+                  <p:tgtEl>
+                    <p:sldTgt/>
+                  </p:tgtEl>
+                </p:cond>
+              </p:nextCondLst>
+            </p:seq>
+          </p:childTnLst>
+        </p:cTn>
+      </p:par>
+    </p:tnLst>
+  </p:timing>
+</p:sld>
+</file>
+
+<file path=ppt/slides/slide15.xml><?xml version="1.0" encoding="utf-8"?>
+<p:sld xmlns:a="http://schemas.openxmlformats.org/drawingml/2006/main" xmlns:r="http://schemas.openxmlformats.org/officeDocument/2006/relationships" xmlns:p="http://schemas.openxmlformats.org/presentationml/2006/main">
+  <p:cSld>
+    <p:spTree>
+      <p:nvGrpSpPr>
+        <p:cNvPr id="1" name=""/>
+        <p:cNvGrpSpPr/>
+        <p:nvPr/>
+      </p:nvGrpSpPr>
+      <p:grpSpPr>
+        <a:xfrm>
+          <a:off x="0" y="0"/>
+          <a:ext cx="0" cy="0"/>
+          <a:chOff x="0" y="0"/>
+          <a:chExt cx="0" cy="0"/>
+        </a:xfrm>
+      </p:grpSpPr>
+      <p:sp>
+        <p:nvSpPr>
+          <p:cNvPr id="2" name="Title 1"/>
+          <p:cNvSpPr>
+            <a:spLocks noGrp="1"/>
+          </p:cNvSpPr>
+          <p:nvPr>
+            <p:ph type="title"/>
+          </p:nvPr>
+        </p:nvSpPr>
+        <p:spPr/>
+        <p:txBody>
+          <a:bodyPr/>
+          <a:lstStyle/>
+          <a:p>
+            <a:r>
+              <a:rPr lang="en-US" dirty="0" smtClean="0"/>
+              <a:t>文档版本控制</a:t>
+            </a:r>
+            <a:endParaRPr lang="en-US" dirty="0"/>
+          </a:p>
+        </p:txBody>
+      </p:sp>
+      <p:sp>
+        <p:nvSpPr>
+          <p:cNvPr id="3" name="Content Placeholder 2"/>
+          <p:cNvSpPr>
+            <a:spLocks noGrp="1"/>
+          </p:cNvSpPr>
+          <p:nvPr>
+            <p:ph idx="1"/>
+          </p:nvPr>
+        </p:nvSpPr>
+        <p:spPr/>
+        <p:txBody>
+          <a:bodyPr>
+            <a:normAutofit/>
+          </a:bodyPr>
+          <a:lstStyle/>
+          <a:p>
+            <a:r>
+              <a:rPr lang="zh-CN" altLang="en-US" dirty="0" smtClean="0"/>
+              <a:t>每次工作前先</a:t>
+            </a:r>
+            <a:r>
+              <a:rPr lang="en-US" altLang="zh-CN" dirty="0" smtClean="0"/>
+              <a:t>pull</a:t>
+            </a:r>
+            <a:r>
+              <a:rPr lang="zh-CN" altLang="en-US" dirty="0" smtClean="0"/>
+              <a:t>，把别人</a:t>
+            </a:r>
+            <a:r>
+              <a:rPr lang="en-US" altLang="zh-CN" dirty="0" smtClean="0"/>
+              <a:t>push</a:t>
+            </a:r>
+            <a:r>
+              <a:rPr lang="zh-CN" altLang="en-US" dirty="0" smtClean="0"/>
+              <a:t>到服务器的文档拿到本地</a:t>
+            </a:r>
+            <a:endParaRPr lang="en-US" dirty="0" smtClean="0"/>
+          </a:p>
+          <a:p>
+            <a:r>
+              <a:rPr lang="zh-CN" altLang="en-US" dirty="0" smtClean="0"/>
+              <a:t>修改文档或代码后</a:t>
+            </a:r>
+            <a:r>
+              <a:rPr lang="en-US" dirty="0" smtClean="0"/>
+              <a:t>Commit</a:t>
+            </a:r>
+            <a:r>
+              <a:rPr lang="zh-CN" altLang="en-US" dirty="0" smtClean="0"/>
+              <a:t>时要填写总结和描述，格式：</a:t>
+            </a:r>
+            <a:r>
+              <a:rPr lang="zh-CN" altLang="zh-CN" dirty="0" smtClean="0"/>
+              <a:t>&lt;</a:t>
+            </a:r>
+            <a:r>
+              <a:rPr lang="zh-CN" altLang="en-US" dirty="0" smtClean="0"/>
+              <a:t>周</a:t>
+            </a:r>
+            <a:r>
+              <a:rPr lang="en-US" altLang="zh-CN" dirty="0" smtClean="0"/>
+              <a:t>&gt;-&lt;</a:t>
+            </a:r>
+            <a:r>
+              <a:rPr lang="zh-CN" altLang="en-US" dirty="0" smtClean="0"/>
+              <a:t>改动总结</a:t>
+            </a:r>
+            <a:r>
+              <a:rPr lang="en-US" altLang="zh-CN" dirty="0" smtClean="0"/>
+              <a:t>&gt;;</a:t>
+            </a:r>
+            <a:r>
+              <a:rPr lang="zh-CN" altLang="en-US" dirty="0" smtClean="0"/>
+              <a:t> </a:t>
+            </a:r>
+            <a:r>
+              <a:rPr lang="zh-CN" altLang="zh-CN" dirty="0" smtClean="0"/>
+              <a:t>&lt;</a:t>
+            </a:r>
+            <a:r>
+              <a:rPr lang="zh-CN" altLang="en-US" dirty="0" smtClean="0"/>
+              <a:t>改动描述</a:t>
+            </a:r>
+            <a:r>
+              <a:rPr lang="en-US" altLang="zh-CN" dirty="0" smtClean="0"/>
+              <a:t>&gt;</a:t>
+            </a:r>
+            <a:endParaRPr lang="en-GB" altLang="zh-CN" dirty="0" smtClean="0"/>
+          </a:p>
+          <a:p>
+            <a:r>
+              <a:rPr lang="zh-CN" altLang="en-US" dirty="0" smtClean="0"/>
+              <a:t>完成工作后</a:t>
+            </a:r>
+            <a:r>
+              <a:rPr lang="en-US" altLang="zh-CN" dirty="0" smtClean="0"/>
+              <a:t>push</a:t>
+            </a:r>
+            <a:r>
+              <a:rPr lang="zh-CN" altLang="en-US" dirty="0" smtClean="0"/>
+              <a:t>到服务器上</a:t>
+            </a:r>
+            <a:endParaRPr lang="en-US" dirty="0" smtClean="0"/>
+          </a:p>
+          <a:p>
+            <a:endParaRPr lang="en-US" dirty="0"/>
+          </a:p>
+        </p:txBody>
+      </p:sp>
+    </p:spTree>
+    <p:extLst>
+      <p:ext uri="{BB962C8B-B14F-4D97-AF65-F5344CB8AC3E}">
+        <p14:creationId xmlns:p14="http://schemas.microsoft.com/office/powerpoint/2010/main" val="770287321"/>
+      </p:ext>
+    </p:extLst>
+  </p:cSld>
+  <p:clrMapOvr>
+    <a:masterClrMapping/>
+  </p:clrMapOvr>
+  <p:timing>
+    <p:tnLst>
+      <p:par>
+        <p:cTn xmlns:p14="http://schemas.microsoft.com/office/powerpoint/2010/main" id="1" dur="indefinite" restart="never" nodeType="tmRoot"/>
+      </p:par>
+    </p:tnLst>
+  </p:timing>
+</p:sld>
+</file>
+
+<file path=ppt/slides/slide16.xml><?xml version="1.0" encoding="utf-8"?>
+<p:sld xmlns:a="http://schemas.openxmlformats.org/drawingml/2006/main" xmlns:r="http://schemas.openxmlformats.org/officeDocument/2006/relationships" xmlns:p="http://schemas.openxmlformats.org/presentationml/2006/main">
+  <p:cSld>
+    <p:spTree>
+      <p:nvGrpSpPr>
+        <p:cNvPr id="1" name=""/>
+        <p:cNvGrpSpPr/>
+        <p:nvPr/>
+      </p:nvGrpSpPr>
+      <p:grpSpPr>
+        <a:xfrm>
+          <a:off x="0" y="0"/>
+          <a:ext cx="0" cy="0"/>
+          <a:chOff x="0" y="0"/>
+          <a:chExt cx="0" cy="0"/>
+        </a:xfrm>
+      </p:grpSpPr>
+      <p:sp>
+        <p:nvSpPr>
+          <p:cNvPr id="2" name="Title 1"/>
+          <p:cNvSpPr>
+            <a:spLocks noGrp="1"/>
+          </p:cNvSpPr>
+          <p:nvPr>
+            <p:ph type="title"/>
+          </p:nvPr>
+        </p:nvSpPr>
+        <p:spPr/>
+        <p:txBody>
+          <a:bodyPr/>
+          <a:lstStyle/>
+          <a:p>
+            <a:r>
+              <a:rPr lang="zh-CN" altLang="en-US" dirty="0" smtClean="0"/>
+              <a:t>配置管理</a:t>
+            </a:r>
+            <a:r>
+              <a:rPr lang="zh-CN" altLang="en-US" dirty="0" smtClean="0"/>
+              <a:t>要求</a:t>
+            </a:r>
+            <a:endParaRPr lang="en-US" dirty="0"/>
+          </a:p>
+        </p:txBody>
+      </p:sp>
+      <p:sp>
+        <p:nvSpPr>
+          <p:cNvPr id="3" name="Content Placeholder 2"/>
+          <p:cNvSpPr>
+            <a:spLocks noGrp="1"/>
+          </p:cNvSpPr>
+          <p:nvPr>
+            <p:ph idx="1"/>
+          </p:nvPr>
+        </p:nvSpPr>
+        <p:spPr>
+          <a:xfrm>
+            <a:off x="457200" y="1600200"/>
+            <a:ext cx="8229600" cy="4525963"/>
+          </a:xfrm>
+        </p:spPr>
+        <p:txBody>
+          <a:bodyPr/>
+          <a:lstStyle/>
+          <a:p>
+            <a:pPr algn="ctr"/>
+            <a:r>
+              <a:rPr lang="zh-CN" altLang="en-US" dirty="0" smtClean="0"/>
+              <a:t>每周所有制品至少</a:t>
+            </a:r>
+            <a:r>
+              <a:rPr lang="en-US" altLang="zh-CN" dirty="0" smtClean="0"/>
+              <a:t>push</a:t>
+            </a:r>
+            <a:r>
+              <a:rPr lang="zh-CN" altLang="en-US" dirty="0" smtClean="0"/>
+              <a:t>一次</a:t>
+            </a:r>
+            <a:endParaRPr lang="en-US" altLang="zh-CN" dirty="0" smtClean="0"/>
+          </a:p>
+          <a:p>
+            <a:pPr algn="ctr"/>
+            <a:r>
+              <a:rPr lang="zh-CN" altLang="en-US" dirty="0" smtClean="0"/>
+              <a:t>建议每次评审前后分别生成两个主版本</a:t>
+            </a:r>
+            <a:endParaRPr lang="en-US" dirty="0"/>
+          </a:p>
+        </p:txBody>
+      </p:sp>
+    </p:spTree>
+    <p:extLst>
+      <p:ext uri="{BB962C8B-B14F-4D97-AF65-F5344CB8AC3E}">
+        <p14:creationId xmlns:p14="http://schemas.microsoft.com/office/powerpoint/2010/main" val="614275430"/>
+      </p:ext>
+    </p:extLst>
+  </p:cSld>
+  <p:clrMapOvr>
+    <a:masterClrMapping/>
+  </p:clrMapOvr>
+  <p:timing>
+    <p:tnLst>
+      <p:par>
+        <p:cTn xmlns:p14="http://schemas.microsoft.com/office/powerpoint/2010/main" id="1" dur="indefinite" restart="never" nodeType="tmRoot"/>
+      </p:par>
+    </p:tnLst>
+  </p:timing>
+</p:sld>
+</file>
+
+<file path=ppt/slides/slide17.xml><?xml version="1.0" encoding="utf-8"?>
+<p:sld xmlns:a="http://schemas.openxmlformats.org/drawingml/2006/main" xmlns:r="http://schemas.openxmlformats.org/officeDocument/2006/relationships" xmlns:p="http://schemas.openxmlformats.org/presentationml/2006/main">
+  <p:cSld>
+    <p:spTree>
+      <p:nvGrpSpPr>
+        <p:cNvPr id="1" name=""/>
+        <p:cNvGrpSpPr/>
+        <p:nvPr/>
+      </p:nvGrpSpPr>
+      <p:grpSpPr>
+        <a:xfrm>
+          <a:off x="0" y="0"/>
+          <a:ext cx="0" cy="0"/>
+          <a:chOff x="0" y="0"/>
+          <a:chExt cx="0" cy="0"/>
+        </a:xfrm>
+      </p:grpSpPr>
+      <p:sp>
+        <p:nvSpPr>
+          <p:cNvPr id="2" name="Title 1"/>
+          <p:cNvSpPr>
+            <a:spLocks noGrp="1"/>
+          </p:cNvSpPr>
+          <p:nvPr>
+            <p:ph type="title"/>
+          </p:nvPr>
+        </p:nvSpPr>
+        <p:spPr/>
+        <p:txBody>
+          <a:bodyPr/>
+          <a:lstStyle/>
+          <a:p>
+            <a:r>
+              <a:rPr lang="zh-CN" altLang="en-US" dirty="0" smtClean="0"/>
+              <a:t>资源</a:t>
+            </a:r>
+            <a:endParaRPr lang="en-US" dirty="0"/>
+          </a:p>
+        </p:txBody>
+      </p:sp>
+      <p:sp>
+        <p:nvSpPr>
+          <p:cNvPr id="3" name="Content Placeholder 2"/>
+          <p:cNvSpPr>
+            <a:spLocks noGrp="1"/>
+          </p:cNvSpPr>
+          <p:nvPr>
+            <p:ph idx="1"/>
+          </p:nvPr>
+        </p:nvSpPr>
+        <p:spPr>
+          <a:xfrm>
+            <a:off x="457200" y="1600200"/>
+            <a:ext cx="8229600" cy="4852864"/>
+          </a:xfrm>
+        </p:spPr>
+        <p:txBody>
+          <a:bodyPr>
+            <a:normAutofit fontScale="70000" lnSpcReduction="20000"/>
+          </a:bodyPr>
+          <a:lstStyle/>
+          <a:p>
+            <a:r>
+              <a:rPr lang="en-US" dirty="0" smtClean="0">
+                <a:solidFill>
+                  <a:srgbClr val="FFFF00"/>
+                </a:solidFill>
+              </a:rPr>
+              <a:t>https</a:t>
+            </a:r>
+            <a:r>
+              <a:rPr lang="en-US" dirty="0">
+                <a:solidFill>
+                  <a:srgbClr val="FFFF00"/>
+                </a:solidFill>
+              </a:rPr>
+              <a:t>://education.github.com/</a:t>
+            </a:r>
+            <a:r>
+              <a:rPr lang="en-US" dirty="0" smtClean="0">
+                <a:solidFill>
+                  <a:srgbClr val="FFFF00"/>
+                </a:solidFill>
+              </a:rPr>
+              <a:t>pack</a:t>
+            </a:r>
+            <a:r>
+              <a:rPr lang="zh-CN" altLang="en-US" dirty="0" smtClean="0">
+                <a:solidFill>
+                  <a:srgbClr val="FFFF00"/>
+                </a:solidFill>
+              </a:rPr>
+              <a:t> </a:t>
+            </a:r>
+            <a:r>
+              <a:rPr lang="en-US" altLang="zh-CN" dirty="0" err="1" smtClean="0">
+                <a:solidFill>
+                  <a:srgbClr val="FFFFFF"/>
+                </a:solidFill>
+              </a:rPr>
+              <a:t>Github</a:t>
+            </a:r>
+            <a:r>
+              <a:rPr lang="zh-CN" altLang="en-US" dirty="0" smtClean="0">
+                <a:solidFill>
+                  <a:srgbClr val="FFFFFF"/>
+                </a:solidFill>
+              </a:rPr>
+              <a:t>教育包</a:t>
+            </a:r>
+            <a:endParaRPr lang="en-US" dirty="0">
+              <a:solidFill>
+                <a:srgbClr val="FFFFFF"/>
+              </a:solidFill>
+            </a:endParaRPr>
+          </a:p>
+          <a:p>
+            <a:r>
+              <a:rPr lang="en-US" dirty="0">
+                <a:solidFill>
+                  <a:srgbClr val="FFFF00"/>
+                </a:solidFill>
+              </a:rPr>
+              <a:t>https://opensource.com/life/15/2/beginners-guide-</a:t>
+            </a:r>
+            <a:r>
+              <a:rPr lang="en-US" dirty="0" err="1" smtClean="0">
+                <a:solidFill>
+                  <a:srgbClr val="FFFF00"/>
+                </a:solidFill>
+              </a:rPr>
+              <a:t>github</a:t>
+            </a:r>
+            <a:r>
+              <a:rPr lang="zh-CN" altLang="en-US" dirty="0" smtClean="0">
+                <a:solidFill>
+                  <a:srgbClr val="FFFF00"/>
+                </a:solidFill>
+              </a:rPr>
+              <a:t> </a:t>
+            </a:r>
+            <a:r>
+              <a:rPr lang="en-US" altLang="zh-CN" dirty="0" err="1" smtClean="0">
+                <a:solidFill>
+                  <a:srgbClr val="FFFFFF"/>
+                </a:solidFill>
+              </a:rPr>
+              <a:t>Github</a:t>
+            </a:r>
+            <a:r>
+              <a:rPr lang="zh-CN" altLang="en-US" dirty="0" smtClean="0">
+                <a:solidFill>
+                  <a:srgbClr val="FFFFFF"/>
+                </a:solidFill>
+              </a:rPr>
+              <a:t>初级</a:t>
+            </a:r>
+            <a:endParaRPr lang="en-US" dirty="0" smtClean="0">
+              <a:solidFill>
+                <a:srgbClr val="FFFFFF"/>
+              </a:solidFill>
+            </a:endParaRPr>
+          </a:p>
+          <a:p>
+            <a:r>
+              <a:rPr lang="en-US" dirty="0" smtClean="0">
+                <a:solidFill>
+                  <a:srgbClr val="FFFF00"/>
+                </a:solidFill>
+              </a:rPr>
+              <a:t>http</a:t>
+            </a:r>
+            <a:r>
+              <a:rPr lang="en-US" dirty="0">
+                <a:solidFill>
+                  <a:srgbClr val="FFFF00"/>
+                </a:solidFill>
+              </a:rPr>
+              <a:t>://rogerdudler.github.io/git-guide/</a:t>
+            </a:r>
+            <a:r>
+              <a:rPr lang="en-US" dirty="0" smtClean="0">
+                <a:solidFill>
+                  <a:srgbClr val="FFFF00"/>
+                </a:solidFill>
+              </a:rPr>
+              <a:t>index.zh.html</a:t>
+            </a:r>
+            <a:r>
+              <a:rPr lang="zh-CN" altLang="en-US" dirty="0" smtClean="0">
+                <a:solidFill>
+                  <a:srgbClr val="FFFF00"/>
+                </a:solidFill>
+              </a:rPr>
+              <a:t> </a:t>
+            </a:r>
+            <a:r>
+              <a:rPr lang="en-GB" altLang="zh-CN" dirty="0" smtClean="0">
+                <a:solidFill>
+                  <a:srgbClr val="FFFFFF"/>
+                </a:solidFill>
+              </a:rPr>
+              <a:t>Git</a:t>
+            </a:r>
+            <a:r>
+              <a:rPr lang="zh-CN" altLang="en-US" dirty="0" smtClean="0">
+                <a:solidFill>
+                  <a:srgbClr val="FFFFFF"/>
+                </a:solidFill>
+              </a:rPr>
+              <a:t>简介</a:t>
+            </a:r>
+            <a:endParaRPr lang="en-US" dirty="0" smtClean="0">
+              <a:solidFill>
+                <a:srgbClr val="FFFFFF"/>
+              </a:solidFill>
+            </a:endParaRPr>
+          </a:p>
+          <a:p>
+            <a:r>
+              <a:rPr lang="en-US" dirty="0">
+                <a:solidFill>
+                  <a:srgbClr val="FFFF00"/>
+                </a:solidFill>
+              </a:rPr>
+              <a:t>https://www.kernel.org/pub/software/scm/git/docs/user-</a:t>
+            </a:r>
+            <a:r>
+              <a:rPr lang="en-US" dirty="0" smtClean="0">
+                <a:solidFill>
+                  <a:srgbClr val="FFFF00"/>
+                </a:solidFill>
+              </a:rPr>
+              <a:t>manual.html </a:t>
+            </a:r>
+            <a:r>
+              <a:rPr lang="en-US" dirty="0" err="1" smtClean="0">
+                <a:solidFill>
+                  <a:schemeClr val="tx2"/>
+                </a:solidFill>
+              </a:rPr>
+              <a:t>Github官方Help</a:t>
+            </a:r>
+            <a:endParaRPr lang="en-US" dirty="0" smtClean="0">
+              <a:solidFill>
+                <a:schemeClr val="tx2"/>
+              </a:solidFill>
+            </a:endParaRPr>
+          </a:p>
+          <a:p>
+            <a:r>
+              <a:rPr lang="en-US" dirty="0">
+                <a:solidFill>
+                  <a:srgbClr val="FFFF00"/>
+                </a:solidFill>
+              </a:rPr>
+              <a:t>http://www.git-scm.com/book/zh/</a:t>
+            </a:r>
+            <a:r>
+              <a:rPr lang="en-US" dirty="0" smtClean="0">
+                <a:solidFill>
+                  <a:srgbClr val="FFFF00"/>
+                </a:solidFill>
+              </a:rPr>
+              <a:t>v2 </a:t>
+            </a:r>
+            <a:r>
+              <a:rPr lang="en-US" dirty="0" err="1" smtClean="0"/>
+              <a:t>Git</a:t>
+            </a:r>
+            <a:r>
+              <a:rPr lang="zh-CN" altLang="en-US" dirty="0" smtClean="0"/>
+              <a:t>社区，</a:t>
+            </a:r>
+            <a:r>
+              <a:rPr lang="en-US" altLang="zh-CN" dirty="0" smtClean="0"/>
+              <a:t>2014</a:t>
+            </a:r>
+            <a:r>
+              <a:rPr lang="zh-CN" altLang="en-US" dirty="0" smtClean="0"/>
+              <a:t>，</a:t>
+            </a:r>
+            <a:r>
+              <a:rPr lang="en-US" altLang="zh-CN" dirty="0" smtClean="0"/>
+              <a:t>2nd</a:t>
+            </a:r>
+            <a:r>
+              <a:rPr lang="zh-CN" altLang="en-US" dirty="0" smtClean="0"/>
+              <a:t> </a:t>
+            </a:r>
+            <a:r>
+              <a:rPr lang="en-US" altLang="zh-CN" dirty="0" smtClean="0"/>
+              <a:t>Ed</a:t>
+            </a:r>
+            <a:r>
+              <a:rPr lang="zh-CN" altLang="en-US" dirty="0" smtClean="0"/>
+              <a:t>.</a:t>
+            </a:r>
+            <a:endParaRPr lang="en-GB" altLang="zh-CN" dirty="0" smtClean="0"/>
+          </a:p>
+          <a:p>
+            <a:r>
+              <a:rPr lang="en-US" dirty="0">
+                <a:solidFill>
+                  <a:srgbClr val="FFFF00"/>
+                </a:solidFill>
+              </a:rPr>
+              <a:t>http://git-scm.com/book/en/v2/</a:t>
+            </a:r>
+            <a:r>
+              <a:rPr lang="en-US" dirty="0">
+                <a:solidFill>
+                  <a:schemeClr val="accent5">
+                    <a:lumMod val="60000"/>
+                    <a:lumOff val="40000"/>
+                  </a:schemeClr>
+                </a:solidFill>
+              </a:rPr>
+              <a:t>GitHub-Contributing-to-a-</a:t>
+            </a:r>
+            <a:r>
+              <a:rPr lang="en-US" dirty="0" smtClean="0">
+                <a:solidFill>
+                  <a:schemeClr val="accent5">
+                    <a:lumMod val="60000"/>
+                    <a:lumOff val="40000"/>
+                  </a:schemeClr>
+                </a:solidFill>
+              </a:rPr>
+              <a:t>Project</a:t>
+            </a:r>
+            <a:endParaRPr lang="en-US" dirty="0">
+              <a:solidFill>
+                <a:schemeClr val="accent5">
+                  <a:lumMod val="60000"/>
+                  <a:lumOff val="40000"/>
+                </a:schemeClr>
+              </a:solidFill>
+            </a:endParaRPr>
+          </a:p>
+        </p:txBody>
+      </p:sp>
+    </p:spTree>
+    <p:extLst>
+      <p:ext uri="{BB962C8B-B14F-4D97-AF65-F5344CB8AC3E}">
+        <p14:creationId xmlns:p14="http://schemas.microsoft.com/office/powerpoint/2010/main" val="1540401741"/>
+      </p:ext>
+    </p:extLst>
+  </p:cSld>
+  <p:clrMapOvr>
+    <a:masterClrMapping/>
+  </p:clrMapOvr>
+  <mc:AlternateContent xmlns:mc="http://schemas.openxmlformats.org/markup-compatibility/2006" xmlns:p14="http://schemas.microsoft.com/office/powerpoint/2010/main">
+    <mc:Choice Requires="p14">
+      <p:transition spd="slow" p14:dur="2000"/>
+    </mc:Choice>
+    <mc:Fallback xmlns="">
+      <p:transition xmlns:p14="http://schemas.microsoft.com/office/powerpoint/2010/main" spd="slow"/>
+    </mc:Fallback>
+  </mc:AlternateContent>
+</p:sld>
+</file>
+
+<file path=ppt/slides/slide18.xml><?xml version="1.0" encoding="utf-8"?>
+<p:sld xmlns:a="http://schemas.openxmlformats.org/drawingml/2006/main" xmlns:r="http://schemas.openxmlformats.org/officeDocument/2006/relationships" xmlns:p="http://schemas.openxmlformats.org/presentationml/2006/main">
+  <p:cSld>
+    <p:spTree>
+      <p:nvGrpSpPr>
+        <p:cNvPr id="1" name=""/>
+        <p:cNvGrpSpPr/>
+        <p:nvPr/>
+      </p:nvGrpSpPr>
+      <p:grpSpPr>
+        <a:xfrm>
+          <a:off x="0" y="0"/>
+          <a:ext cx="0" cy="0"/>
+          <a:chOff x="0" y="0"/>
+          <a:chExt cx="0" cy="0"/>
+        </a:xfrm>
+      </p:grpSpPr>
+      <p:sp>
+        <p:nvSpPr>
+          <p:cNvPr id="2" name="Title 1"/>
+          <p:cNvSpPr>
+            <a:spLocks noGrp="1"/>
+          </p:cNvSpPr>
+          <p:nvPr>
+            <p:ph type="title"/>
+          </p:nvPr>
+        </p:nvSpPr>
+        <p:spPr/>
+        <p:txBody>
+          <a:bodyPr/>
+          <a:lstStyle/>
+          <a:p>
+            <a:r>
+              <a:rPr lang="en-US" dirty="0" smtClean="0"/>
+              <a:t>SSH Links</a:t>
+            </a:r>
+            <a:endParaRPr lang="en-US" dirty="0"/>
+          </a:p>
+        </p:txBody>
+      </p:sp>
+      <p:sp>
+        <p:nvSpPr>
+          <p:cNvPr id="3" name="Content Placeholder 2"/>
+          <p:cNvSpPr>
+            <a:spLocks noGrp="1"/>
+          </p:cNvSpPr>
+          <p:nvPr>
+            <p:ph idx="1"/>
+          </p:nvPr>
+        </p:nvSpPr>
+        <p:spPr/>
+        <p:txBody>
+          <a:bodyPr/>
+          <a:lstStyle/>
+          <a:p>
+            <a:r>
+              <a:rPr lang="en-US" dirty="0" err="1"/>
+              <a:t>TeamA</a:t>
+            </a:r>
+            <a:r>
+              <a:rPr lang="en-US" dirty="0"/>
+              <a:t>: ﻿</a:t>
+            </a:r>
+            <a:r>
+              <a:rPr lang="en-US" dirty="0" err="1" smtClean="0"/>
+              <a:t>git</a:t>
+            </a:r>
+            <a:r>
+              <a:rPr lang="en-US" dirty="0" err="1"/>
+              <a:t>@github.com:bhsei</a:t>
+            </a:r>
+            <a:r>
+              <a:rPr lang="en-US" dirty="0"/>
+              <a:t>/</a:t>
+            </a:r>
+            <a:r>
+              <a:rPr lang="en-US" dirty="0" err="1"/>
+              <a:t>TeamA.git</a:t>
+            </a:r>
+            <a:endParaRPr lang="en-US" dirty="0"/>
+          </a:p>
+          <a:p>
+            <a:r>
+              <a:rPr lang="en-US" dirty="0" err="1"/>
+              <a:t>TeamB</a:t>
+            </a:r>
+            <a:r>
+              <a:rPr lang="en-US" dirty="0"/>
+              <a:t>: ﻿</a:t>
+            </a:r>
+            <a:r>
+              <a:rPr lang="en-US" dirty="0" err="1"/>
+              <a:t>git@github.com:bhsei</a:t>
+            </a:r>
+            <a:r>
+              <a:rPr lang="en-US" dirty="0"/>
+              <a:t>/</a:t>
+            </a:r>
+            <a:r>
+              <a:rPr lang="en-US" dirty="0" err="1" smtClean="0"/>
+              <a:t>TeamB.git</a:t>
+            </a:r>
+            <a:endParaRPr lang="en-US" dirty="0" smtClean="0"/>
+          </a:p>
+          <a:p>
+            <a:r>
+              <a:rPr lang="en-US" dirty="0" err="1" smtClean="0"/>
+              <a:t>TeamC</a:t>
+            </a:r>
+            <a:r>
+              <a:rPr lang="en-US" dirty="0" smtClean="0"/>
+              <a:t>: </a:t>
+            </a:r>
+            <a:r>
+              <a:rPr lang="en-US" dirty="0"/>
+              <a:t>﻿</a:t>
+            </a:r>
+            <a:r>
+              <a:rPr lang="en-US" dirty="0" err="1"/>
+              <a:t>git@github.com:bhsei</a:t>
+            </a:r>
+            <a:r>
+              <a:rPr lang="en-US" dirty="0"/>
+              <a:t>/</a:t>
+            </a:r>
+            <a:r>
+              <a:rPr lang="en-US" dirty="0" err="1" smtClean="0"/>
+              <a:t>TeamC.git</a:t>
+            </a:r>
+            <a:endParaRPr lang="en-US" dirty="0"/>
+          </a:p>
+          <a:p>
+            <a:r>
+              <a:rPr lang="en-US" dirty="0" err="1" smtClean="0"/>
+              <a:t>TeamD</a:t>
+            </a:r>
+            <a:r>
+              <a:rPr lang="en-US" dirty="0" smtClean="0"/>
+              <a:t>: </a:t>
+            </a:r>
+            <a:r>
+              <a:rPr lang="en-US" dirty="0"/>
+              <a:t>﻿</a:t>
+            </a:r>
+            <a:r>
+              <a:rPr lang="en-US" dirty="0" err="1"/>
+              <a:t>git@github.com:bhsei</a:t>
+            </a:r>
+            <a:r>
+              <a:rPr lang="en-US" dirty="0"/>
+              <a:t>/</a:t>
+            </a:r>
+            <a:r>
+              <a:rPr lang="en-US" dirty="0" err="1" smtClean="0"/>
+              <a:t>TeamD.git</a:t>
+            </a:r>
+            <a:endParaRPr lang="en-US" dirty="0"/>
+          </a:p>
+          <a:p>
+            <a:endParaRPr lang="en-US" dirty="0"/>
+          </a:p>
+        </p:txBody>
+      </p:sp>
+    </p:spTree>
+    <p:extLst>
+      <p:ext uri="{BB962C8B-B14F-4D97-AF65-F5344CB8AC3E}">
+        <p14:creationId xmlns:p14="http://schemas.microsoft.com/office/powerpoint/2010/main" val="4178326822"/>
+      </p:ext>
+    </p:extLst>
+  </p:cSld>
+  <p:clrMapOvr>
+    <a:masterClrMapping/>
+  </p:clrMapOvr>
+  <mc:AlternateContent xmlns:mc="http://schemas.openxmlformats.org/markup-compatibility/2006">
+    <mc:Choice xmlns:p14="http://schemas.microsoft.com/office/powerpoint/2010/main" Requires="p14">
+      <p:transition spd="slow" p14:dur="2000"/>
+    </mc:Choice>
+    <mc:Fallback>
+      <p:transition xmlns:p14="http://schemas.microsoft.com/office/powerpoint/2010/main" spd="slow"/>
+    </mc:Fallback>
+  </mc:AlternateContent>
+  <p:timing>
+    <p:tnLst>
+      <p:par>
+        <p:cTn xmlns:p14="http://schemas.microsoft.com/office/powerpoint/2010/main" id="1" dur="indefinite" restart="never" nodeType="tmRoot"/>
+      </p:par>
+    </p:tnLst>
+  </p:timing>
+</p:sld>
+</file>
+
+<file path=ppt/slides/slide19.xml><?xml version="1.0" encoding="utf-8"?>
+<p:sld xmlns:a="http://schemas.openxmlformats.org/drawingml/2006/main" xmlns:r="http://schemas.openxmlformats.org/officeDocument/2006/relationships" xmlns:p="http://schemas.openxmlformats.org/presentationml/2006/main">
+  <p:cSld>
+    <p:spTree>
+      <p:nvGrpSpPr>
+        <p:cNvPr id="1" name=""/>
+        <p:cNvGrpSpPr/>
+        <p:nvPr/>
+      </p:nvGrpSpPr>
+      <p:grpSpPr>
+        <a:xfrm>
+          <a:off x="0" y="0"/>
+          <a:ext cx="0" cy="0"/>
+          <a:chOff x="0" y="0"/>
+          <a:chExt cx="0" cy="0"/>
+        </a:xfrm>
+      </p:grpSpPr>
+      <p:sp>
+        <p:nvSpPr>
+          <p:cNvPr id="2" name="Title 1"/>
+          <p:cNvSpPr>
+            <a:spLocks noGrp="1"/>
+          </p:cNvSpPr>
+          <p:nvPr>
+            <p:ph type="title"/>
+          </p:nvPr>
+        </p:nvSpPr>
+        <p:spPr/>
+        <p:txBody>
+          <a:bodyPr/>
+          <a:lstStyle/>
+          <a:p>
+            <a:r>
+              <a:rPr lang="zh-CN" altLang="en-US" dirty="0" smtClean="0"/>
+              <a:t>被管理的制品包括</a:t>
+            </a:r>
+            <a:endParaRPr lang="en-US" dirty="0"/>
+          </a:p>
+        </p:txBody>
+      </p:sp>
+      <p:sp>
+        <p:nvSpPr>
+          <p:cNvPr id="3" name="Content Placeholder 2"/>
+          <p:cNvSpPr>
+            <a:spLocks noGrp="1"/>
+          </p:cNvSpPr>
+          <p:nvPr>
+            <p:ph idx="1"/>
+          </p:nvPr>
+        </p:nvSpPr>
+        <p:spPr/>
+        <p:txBody>
+          <a:bodyPr>
+            <a:normAutofit lnSpcReduction="10000"/>
+          </a:bodyPr>
+          <a:lstStyle/>
+          <a:p>
+            <a:r>
+              <a:rPr lang="zh-CN" altLang="en-US" dirty="0" smtClean="0"/>
+              <a:t>每个实验的输出</a:t>
+            </a:r>
+            <a:r>
+              <a:rPr lang="zh-CN" altLang="en-US" dirty="0"/>
+              <a:t>，</a:t>
+            </a:r>
+            <a:r>
+              <a:rPr lang="zh-CN" altLang="en-US" dirty="0" smtClean="0"/>
+              <a:t>如实验一输出为</a:t>
+            </a:r>
+            <a:r>
+              <a:rPr lang="en-US" altLang="zh-CN" dirty="0" smtClean="0"/>
+              <a:t>《</a:t>
+            </a:r>
+            <a:r>
+              <a:rPr lang="zh-CN" altLang="en-US" dirty="0" smtClean="0"/>
+              <a:t>软件需求规格说明书</a:t>
+            </a:r>
+            <a:r>
+              <a:rPr lang="en-US" altLang="zh-CN" dirty="0" smtClean="0"/>
+              <a:t>》</a:t>
+            </a:r>
+          </a:p>
+          <a:p>
+            <a:r>
+              <a:rPr lang="zh-CN" altLang="en-US" dirty="0" smtClean="0"/>
+              <a:t>相关代码脚本</a:t>
+            </a:r>
+            <a:endParaRPr lang="en-GB" altLang="zh-CN" dirty="0" smtClean="0"/>
+          </a:p>
+          <a:p>
+            <a:r>
+              <a:rPr lang="zh-CN" altLang="en-US" dirty="0" smtClean="0"/>
+              <a:t>项目管理文档：项目分工</a:t>
+            </a:r>
+            <a:r>
+              <a:rPr lang="zh-CN" altLang="en-US" dirty="0" smtClean="0"/>
+              <a:t>、工作</a:t>
+            </a:r>
+            <a:r>
+              <a:rPr lang="zh-CN" altLang="en-US" dirty="0" smtClean="0"/>
+              <a:t>量的</a:t>
+            </a:r>
+            <a:r>
+              <a:rPr lang="zh-CN" altLang="en-US" dirty="0" smtClean="0"/>
+              <a:t>事前估计与事后统计</a:t>
+            </a:r>
+            <a:r>
+              <a:rPr lang="zh-CN" altLang="en-US" dirty="0" smtClean="0"/>
+              <a:t>、</a:t>
+            </a:r>
+            <a:r>
+              <a:rPr lang="zh-CN" altLang="en-US" dirty="0" smtClean="0"/>
+              <a:t>会议记录</a:t>
+            </a:r>
+            <a:r>
+              <a:rPr lang="zh-CN" altLang="en-US" dirty="0"/>
+              <a:t>、个人工作日</a:t>
+            </a:r>
+            <a:r>
+              <a:rPr lang="zh-CN" altLang="en-US" dirty="0" smtClean="0"/>
+              <a:t>志</a:t>
+            </a:r>
+            <a:endParaRPr lang="en-US" altLang="zh-CN" dirty="0" smtClean="0"/>
+          </a:p>
+          <a:p>
+            <a:r>
+              <a:rPr lang="zh-CN" altLang="en-US" dirty="0" smtClean="0"/>
+              <a:t>主要参考资料源文件</a:t>
+            </a:r>
+            <a:endParaRPr lang="en-US" dirty="0"/>
+          </a:p>
+        </p:txBody>
+      </p:sp>
+    </p:spTree>
+    <p:extLst>
+      <p:ext uri="{BB962C8B-B14F-4D97-AF65-F5344CB8AC3E}">
+        <p14:creationId xmlns:p14="http://schemas.microsoft.com/office/powerpoint/2010/main" val="2418512981"/>
+      </p:ext>
+    </p:extLst>
+  </p:cSld>
+  <p:clrMapOvr>
+    <a:masterClrMapping/>
+  </p:clrMapOvr>
+</p:sld>
+</file>
+
+<file path=ppt/slides/slide2.xml><?xml version="1.0" encoding="utf-8"?>
+<p:sld xmlns:a="http://schemas.openxmlformats.org/drawingml/2006/main" xmlns:r="http://schemas.openxmlformats.org/officeDocument/2006/relationships" xmlns:p="http://schemas.openxmlformats.org/presentationml/2006/main">
+  <p:cSld>
+    <p:spTree>
+      <p:nvGrpSpPr>
+        <p:cNvPr id="1" name=""/>
+        <p:cNvGrpSpPr/>
+        <p:nvPr/>
+      </p:nvGrpSpPr>
+      <p:grpSpPr>
+        <a:xfrm>
+          <a:off x="0" y="0"/>
+          <a:ext cx="0" cy="0"/>
+          <a:chOff x="0" y="0"/>
+          <a:chExt cx="0" cy="0"/>
+        </a:xfrm>
+      </p:grpSpPr>
+      <p:pic>
+        <p:nvPicPr>
+          <p:cNvPr id="5" name="Picture 4"/>
+          <p:cNvPicPr>
+            <a:picLocks noChangeAspect="1"/>
+          </p:cNvPicPr>
+          <p:nvPr/>
+        </p:nvPicPr>
+        <p:blipFill>
+          <a:blip r:embed="rId2"/>
+          <a:stretch>
+            <a:fillRect/>
+          </a:stretch>
+        </p:blipFill>
+        <p:spPr>
+          <a:xfrm>
+            <a:off x="0" y="0"/>
+            <a:ext cx="9144000" cy="6844505"/>
+          </a:xfrm>
+          <a:prstGeom prst="rect">
+            <a:avLst/>
+          </a:prstGeom>
+        </p:spPr>
+      </p:pic>
+    </p:spTree>
+    <p:extLst>
+      <p:ext uri="{BB962C8B-B14F-4D97-AF65-F5344CB8AC3E}">
+        <p14:creationId xmlns:p14="http://schemas.microsoft.com/office/powerpoint/2010/main" val="2042589038"/>
+      </p:ext>
+    </p:extLst>
+  </p:cSld>
+  <p:clrMapOvr>
+    <a:masterClrMapping/>
+  </p:clrMapOvr>
+</p:sld>
+</file>
+
+<file path=ppt/slides/slide3.xml><?xml version="1.0" encoding="utf-8"?>
+<p:sld xmlns:a="http://schemas.openxmlformats.org/drawingml/2006/main" xmlns:r="http://schemas.openxmlformats.org/officeDocument/2006/relationships" xmlns:p="http://schemas.openxmlformats.org/presentationml/2006/main">
+  <p:cSld>
+    <p:spTree>
+      <p:nvGrpSpPr>
+        <p:cNvPr id="1" name=""/>
+        <p:cNvGrpSpPr/>
+        <p:nvPr/>
+      </p:nvGrpSpPr>
+      <p:grpSpPr>
+        <a:xfrm>
+          <a:off x="0" y="0"/>
+          <a:ext cx="0" cy="0"/>
+          <a:chOff x="0" y="0"/>
+          <a:chExt cx="0" cy="0"/>
+        </a:xfrm>
+      </p:grpSpPr>
+      <p:pic>
+        <p:nvPicPr>
+          <p:cNvPr id="4" name="Picture 3"/>
+          <p:cNvPicPr>
+            <a:picLocks noChangeAspect="1"/>
+          </p:cNvPicPr>
+          <p:nvPr/>
+        </p:nvPicPr>
+        <p:blipFill>
+          <a:blip r:embed="rId2"/>
+          <a:stretch>
+            <a:fillRect/>
+          </a:stretch>
+        </p:blipFill>
+        <p:spPr>
+          <a:xfrm>
+            <a:off x="0" y="38100"/>
+            <a:ext cx="9144000" cy="6758139"/>
+          </a:xfrm>
+          <a:prstGeom prst="rect">
+            <a:avLst/>
+          </a:prstGeom>
+        </p:spPr>
+      </p:pic>
+    </p:spTree>
+    <p:extLst>
+      <p:ext uri="{BB962C8B-B14F-4D97-AF65-F5344CB8AC3E}">
+        <p14:creationId xmlns:p14="http://schemas.microsoft.com/office/powerpoint/2010/main" val="1388558862"/>
+      </p:ext>
+    </p:extLst>
+  </p:cSld>
+  <p:clrMapOvr>
+    <a:masterClrMapping/>
+  </p:clrMapOvr>
+</p:sld>
+</file>
+
+<file path=ppt/slides/slide4.xml><?xml version="1.0" encoding="utf-8"?>
+<p:sld xmlns:a="http://schemas.openxmlformats.org/drawingml/2006/main" xmlns:r="http://schemas.openxmlformats.org/officeDocument/2006/relationships" xmlns:p="http://schemas.openxmlformats.org/presentationml/2006/main">
+  <p:cSld>
+    <p:spTree>
+      <p:nvGrpSpPr>
+        <p:cNvPr id="1" name=""/>
+        <p:cNvGrpSpPr/>
+        <p:nvPr/>
+      </p:nvGrpSpPr>
+      <p:grpSpPr>
+        <a:xfrm>
+          <a:off x="0" y="0"/>
+          <a:ext cx="0" cy="0"/>
+          <a:chOff x="0" y="0"/>
+          <a:chExt cx="0" cy="0"/>
+        </a:xfrm>
+      </p:grpSpPr>
+      <p:sp>
+        <p:nvSpPr>
+          <p:cNvPr id="2" name="Title 1"/>
+          <p:cNvSpPr>
+            <a:spLocks noGrp="1"/>
+          </p:cNvSpPr>
+          <p:nvPr>
+            <p:ph type="title"/>
+          </p:nvPr>
+        </p:nvSpPr>
+        <p:spPr/>
+        <p:txBody>
+          <a:bodyPr/>
+          <a:lstStyle/>
+          <a:p>
+            <a:endParaRPr lang="en-US"/>
+          </a:p>
+        </p:txBody>
+      </p:sp>
+      <p:pic>
+        <p:nvPicPr>
+          <p:cNvPr id="4" name="Picture 3"/>
+          <p:cNvPicPr>
+            <a:picLocks noChangeAspect="1"/>
+          </p:cNvPicPr>
+          <p:nvPr/>
+        </p:nvPicPr>
+        <p:blipFill>
+          <a:blip r:embed="rId2"/>
+          <a:stretch>
+            <a:fillRect/>
+          </a:stretch>
+        </p:blipFill>
+        <p:spPr>
+          <a:xfrm>
+            <a:off x="0" y="12700"/>
+            <a:ext cx="9144000" cy="6823079"/>
+          </a:xfrm>
+          <a:prstGeom prst="rect">
+            <a:avLst/>
+          </a:prstGeom>
+        </p:spPr>
+      </p:pic>
+    </p:spTree>
+    <p:extLst>
+      <p:ext uri="{BB962C8B-B14F-4D97-AF65-F5344CB8AC3E}">
+        <p14:creationId xmlns:p14="http://schemas.microsoft.com/office/powerpoint/2010/main" val="4156128889"/>
+      </p:ext>
+    </p:extLst>
+  </p:cSld>
+  <p:clrMapOvr>
+    <a:masterClrMapping/>
+  </p:clrMapOvr>
+</p:sld>
+</file>
+
+<file path=ppt/slides/slide5.xml><?xml version="1.0" encoding="utf-8"?>
+<p:sld xmlns:a="http://schemas.openxmlformats.org/drawingml/2006/main" xmlns:r="http://schemas.openxmlformats.org/officeDocument/2006/relationships" xmlns:p="http://schemas.openxmlformats.org/presentationml/2006/main">
+  <p:cSld>
+    <p:spTree>
+      <p:nvGrpSpPr>
+        <p:cNvPr id="1" name=""/>
+        <p:cNvGrpSpPr/>
+        <p:nvPr/>
+      </p:nvGrpSpPr>
+      <p:grpSpPr>
+        <a:xfrm>
+          <a:off x="0" y="0"/>
+          <a:ext cx="0" cy="0"/>
+          <a:chOff x="0" y="0"/>
+          <a:chExt cx="0" cy="0"/>
+        </a:xfrm>
+      </p:grpSpPr>
+      <p:sp>
+        <p:nvSpPr>
+          <p:cNvPr id="2" name="Title 1"/>
+          <p:cNvSpPr>
+            <a:spLocks noGrp="1"/>
+          </p:cNvSpPr>
+          <p:nvPr>
+            <p:ph type="title"/>
+          </p:nvPr>
+        </p:nvSpPr>
+        <p:spPr/>
+        <p:txBody>
+          <a:bodyPr/>
+          <a:lstStyle/>
+          <a:p>
+            <a:endParaRPr lang="en-US"/>
+          </a:p>
+        </p:txBody>
+      </p:sp>
+      <p:pic>
+        <p:nvPicPr>
+          <p:cNvPr id="4" name="Picture 3"/>
+          <p:cNvPicPr>
+            <a:picLocks noChangeAspect="1"/>
+          </p:cNvPicPr>
+          <p:nvPr/>
+        </p:nvPicPr>
+        <p:blipFill>
+          <a:blip r:embed="rId2"/>
+          <a:stretch>
+            <a:fillRect/>
+          </a:stretch>
+        </p:blipFill>
+        <p:spPr>
+          <a:xfrm>
+            <a:off x="0" y="0"/>
+            <a:ext cx="9144000" cy="6852596"/>
+          </a:xfrm>
+          <a:prstGeom prst="rect">
+            <a:avLst/>
+          </a:prstGeom>
+        </p:spPr>
+      </p:pic>
+    </p:spTree>
+    <p:extLst>
+      <p:ext uri="{BB962C8B-B14F-4D97-AF65-F5344CB8AC3E}">
+        <p14:creationId xmlns:p14="http://schemas.microsoft.com/office/powerpoint/2010/main" val="2346843195"/>
+      </p:ext>
+    </p:extLst>
+  </p:cSld>
+  <p:clrMapOvr>
+    <a:masterClrMapping/>
+  </p:clrMapOvr>
+</p:sld>
+</file>
+
+<file path=ppt/slides/slide6.xml><?xml version="1.0" encoding="utf-8"?>
+<p:sld xmlns:a="http://schemas.openxmlformats.org/drawingml/2006/main" xmlns:r="http://schemas.openxmlformats.org/officeDocument/2006/relationships" xmlns:p="http://schemas.openxmlformats.org/presentationml/2006/main">
+  <p:cSld>
+    <p:spTree>
+      <p:nvGrpSpPr>
+        <p:cNvPr id="1" name=""/>
+        <p:cNvGrpSpPr/>
+        <p:nvPr/>
+      </p:nvGrpSpPr>
+      <p:grpSpPr>
+        <a:xfrm>
+          <a:off x="0" y="0"/>
+          <a:ext cx="0" cy="0"/>
+          <a:chOff x="0" y="0"/>
+          <a:chExt cx="0" cy="0"/>
+        </a:xfrm>
+      </p:grpSpPr>
+      <p:sp>
+        <p:nvSpPr>
+          <p:cNvPr id="2" name="Title 1"/>
+          <p:cNvSpPr>
+            <a:spLocks noGrp="1"/>
+          </p:cNvSpPr>
+          <p:nvPr>
+            <p:ph type="title"/>
+          </p:nvPr>
+        </p:nvSpPr>
+        <p:spPr/>
+        <p:txBody>
+          <a:bodyPr/>
+          <a:lstStyle/>
+          <a:p>
+            <a:r>
+              <a:rPr lang="en-US" dirty="0" err="1" smtClean="0"/>
+              <a:t>Github使用</a:t>
+            </a:r>
+            <a:endParaRPr lang="en-US" dirty="0"/>
+          </a:p>
+        </p:txBody>
+      </p:sp>
+      <p:sp>
+        <p:nvSpPr>
+          <p:cNvPr id="3" name="Content Placeholder 2"/>
+          <p:cNvSpPr>
+            <a:spLocks noGrp="1"/>
+          </p:cNvSpPr>
+          <p:nvPr>
+            <p:ph idx="1"/>
+          </p:nvPr>
+        </p:nvSpPr>
+        <p:spPr>
+          <a:xfrm>
+            <a:off x="457200" y="1600200"/>
+            <a:ext cx="8229600" cy="4904696"/>
+          </a:xfrm>
+        </p:spPr>
+        <p:txBody>
+          <a:bodyPr/>
+          <a:lstStyle/>
+          <a:p>
+            <a:pPr marL="0" indent="0">
+              <a:buNone/>
+            </a:pPr>
+            <a:r>
+              <a:rPr lang="en-US" altLang="zh-CN" dirty="0" err="1" smtClean="0"/>
+              <a:t>www.github.com</a:t>
+            </a:r>
+            <a:r>
+              <a:rPr lang="zh-CN" altLang="en-US" dirty="0" smtClean="0"/>
+              <a:t> 注册用户</a:t>
+            </a:r>
+            <a:endParaRPr lang="en-GB" altLang="zh-CN" dirty="0" smtClean="0"/>
+          </a:p>
+          <a:p>
+            <a:pPr marL="0" indent="0">
+              <a:buNone/>
+            </a:pPr>
+            <a:r>
+              <a:rPr lang="zh-CN" altLang="en-GB" dirty="0" smtClean="0"/>
+              <a:t>安装</a:t>
+            </a:r>
+            <a:r>
+              <a:rPr lang="en-GB" altLang="zh-CN" dirty="0" err="1" smtClean="0"/>
+              <a:t>GitHub</a:t>
+            </a:r>
+            <a:r>
+              <a:rPr lang="zh-CN" altLang="en-GB" dirty="0" smtClean="0"/>
+              <a:t>客户端</a:t>
+            </a:r>
+            <a:r>
+              <a:rPr lang="en-GB" altLang="zh-CN" dirty="0" smtClean="0"/>
+              <a:t> </a:t>
+            </a:r>
+          </a:p>
+          <a:p>
+            <a:pPr lvl="1"/>
+            <a:r>
+              <a:rPr lang="en-GB" altLang="zh-CN" dirty="0" err="1" smtClean="0"/>
+              <a:t>windows.github.com</a:t>
+            </a:r>
+            <a:endParaRPr lang="en-GB" altLang="zh-CN" dirty="0" smtClean="0"/>
+          </a:p>
+          <a:p>
+            <a:pPr lvl="1"/>
+            <a:r>
+              <a:rPr lang="en-US" altLang="zh-CN" dirty="0" err="1" smtClean="0"/>
+              <a:t>mac.github.com</a:t>
+            </a:r>
+            <a:endParaRPr lang="en-GB" altLang="zh-CN" dirty="0" smtClean="0"/>
+          </a:p>
+          <a:p>
+            <a:pPr marL="0" indent="0">
+              <a:buNone/>
+            </a:pPr>
+            <a:r>
+              <a:rPr lang="zh-CN" altLang="en-US" dirty="0" smtClean="0"/>
+              <a:t>把用户名分组按相关格式</a:t>
+            </a:r>
+            <a:r>
+              <a:rPr lang="zh-CN" altLang="en-GB" dirty="0" smtClean="0"/>
+              <a:t>发给</a:t>
+            </a:r>
+            <a:r>
+              <a:rPr lang="en-GB" altLang="zh-CN" dirty="0" smtClean="0"/>
+              <a:t>bhsei@qq.com</a:t>
+            </a:r>
+          </a:p>
+          <a:p>
+            <a:pPr marL="0" indent="0">
+              <a:buNone/>
+            </a:pPr>
+            <a:r>
+              <a:rPr lang="zh-CN" altLang="en-US" dirty="0" smtClean="0"/>
+              <a:t>管理员添加后即可</a:t>
+            </a:r>
+            <a:r>
+              <a:rPr lang="en-US" altLang="zh-CN" dirty="0" smtClean="0"/>
+              <a:t>clone</a:t>
+            </a:r>
+            <a:r>
+              <a:rPr lang="zh-CN" altLang="en-US" dirty="0" smtClean="0"/>
+              <a:t>本组相关项目</a:t>
+            </a:r>
+            <a:endParaRPr lang="en-GB" altLang="zh-CN" dirty="0" smtClean="0"/>
+          </a:p>
+          <a:p>
+            <a:endParaRPr lang="en-US" dirty="0"/>
+          </a:p>
+        </p:txBody>
+      </p:sp>
+    </p:spTree>
+    <p:extLst>
+      <p:ext uri="{BB962C8B-B14F-4D97-AF65-F5344CB8AC3E}">
+        <p14:creationId xmlns:p14="http://schemas.microsoft.com/office/powerpoint/2010/main" val="3060589453"/>
+      </p:ext>
+    </p:extLst>
+  </p:cSld>
+  <p:clrMapOvr>
+    <a:masterClrMapping/>
+  </p:clrMapOvr>
+  <mc:AlternateContent xmlns:mc="http://schemas.openxmlformats.org/markup-compatibility/2006" xmlns:p14="http://schemas.microsoft.com/office/powerpoint/2010/main">
+    <mc:Choice Requires="p14">
+      <p:transition spd="slow" p14:dur="2000"/>
+    </mc:Choice>
+    <mc:Fallback xmlns="">
+      <p:transition xmlns:p14="http://schemas.microsoft.com/office/powerpoint/2010/main" spd="slow"/>
+    </mc:Fallback>
+  </mc:AlternateContent>
+</p:sld>
+</file>
+
+<file path=ppt/slides/slide7.xml><?xml version="1.0" encoding="utf-8"?>
+<p:sld xmlns:a="http://schemas.openxmlformats.org/drawingml/2006/main" xmlns:r="http://schemas.openxmlformats.org/officeDocument/2006/relationships" xmlns:p="http://schemas.openxmlformats.org/presentationml/2006/main">
+  <p:cSld>
+    <p:spTree>
+      <p:nvGrpSpPr>
+        <p:cNvPr id="1" name=""/>
+        <p:cNvGrpSpPr/>
+        <p:nvPr/>
+      </p:nvGrpSpPr>
+      <p:grpSpPr>
+        <a:xfrm>
+          <a:off x="0" y="0"/>
+          <a:ext cx="0" cy="0"/>
+          <a:chOff x="0" y="0"/>
+          <a:chExt cx="0" cy="0"/>
+        </a:xfrm>
+      </p:grpSpPr>
+      <p:sp>
+        <p:nvSpPr>
+          <p:cNvPr id="2" name="Title 1"/>
+          <p:cNvSpPr>
+            <a:spLocks noGrp="1"/>
+          </p:cNvSpPr>
+          <p:nvPr>
+            <p:ph type="title"/>
+          </p:nvPr>
+        </p:nvSpPr>
+        <p:spPr/>
+        <p:txBody>
+          <a:bodyPr/>
+          <a:lstStyle/>
+          <a:p>
+            <a:r>
+              <a:rPr lang="zh-CN" altLang="en-US" dirty="0" smtClean="0"/>
+              <a:t>注册</a:t>
+            </a:r>
+            <a:r>
+              <a:rPr lang="zh-CN" altLang="en-GB" dirty="0" smtClean="0"/>
+              <a:t>用户</a:t>
+            </a:r>
+            <a:r>
+              <a:rPr lang="zh-CN" altLang="zh-CN" dirty="0" smtClean="0"/>
+              <a:t>，</a:t>
+            </a:r>
+            <a:r>
+              <a:rPr lang="zh-CN" altLang="en-US" dirty="0" smtClean="0"/>
+              <a:t>记住用户名</a:t>
+            </a:r>
+            <a:endParaRPr lang="en-US" dirty="0"/>
+          </a:p>
+        </p:txBody>
+      </p:sp>
+      <p:pic>
+        <p:nvPicPr>
+          <p:cNvPr id="6" name="Picture 5" descr="WeChat_1427181555.jpeg"/>
+          <p:cNvPicPr>
+            <a:picLocks noChangeAspect="1"/>
+          </p:cNvPicPr>
+          <p:nvPr/>
+        </p:nvPicPr>
+        <p:blipFill>
+          <a:blip r:embed="rId2">
+            <a:extLst>
+              <a:ext uri="{28A0092B-C50C-407E-A947-70E740481C1C}">
+                <a14:useLocalDpi xmlns:a14="http://schemas.microsoft.com/office/drawing/2010/main" val="0"/>
+              </a:ext>
+            </a:extLst>
+          </a:blip>
+          <a:stretch>
+            <a:fillRect/>
+          </a:stretch>
+        </p:blipFill>
+        <p:spPr>
+          <a:xfrm>
+            <a:off x="1092182" y="1471434"/>
+            <a:ext cx="6916314" cy="5127406"/>
+          </a:xfrm>
+          <a:prstGeom prst="rect">
+            <a:avLst/>
+          </a:prstGeom>
+        </p:spPr>
+      </p:pic>
+    </p:spTree>
+    <p:extLst>
+      <p:ext uri="{BB962C8B-B14F-4D97-AF65-F5344CB8AC3E}">
+        <p14:creationId xmlns:p14="http://schemas.microsoft.com/office/powerpoint/2010/main" val="1888539046"/>
+      </p:ext>
+    </p:extLst>
+  </p:cSld>
+  <p:clrMapOvr>
+    <a:masterClrMapping/>
+  </p:clrMapOvr>
+</p:sld>
+</file>
+
+<file path=ppt/slides/slide8.xml><?xml version="1.0" encoding="utf-8"?>
+<p:sld xmlns:a="http://schemas.openxmlformats.org/drawingml/2006/main" xmlns:r="http://schemas.openxmlformats.org/officeDocument/2006/relationships" xmlns:p="http://schemas.openxmlformats.org/presentationml/2006/main">
+  <p:cSld>
+    <p:spTree>
+      <p:nvGrpSpPr>
+        <p:cNvPr id="1" name=""/>
+        <p:cNvGrpSpPr/>
+        <p:nvPr/>
+      </p:nvGrpSpPr>
+      <p:grpSpPr>
+        <a:xfrm>
+          <a:off x="0" y="0"/>
+          <a:ext cx="0" cy="0"/>
+          <a:chOff x="0" y="0"/>
+          <a:chExt cx="0" cy="0"/>
+        </a:xfrm>
+      </p:grpSpPr>
+      <p:sp>
+        <p:nvSpPr>
+          <p:cNvPr id="2" name="Title 1"/>
+          <p:cNvSpPr>
+            <a:spLocks noGrp="1"/>
+          </p:cNvSpPr>
+          <p:nvPr>
+            <p:ph type="title"/>
+          </p:nvPr>
+        </p:nvSpPr>
+        <p:spPr/>
+        <p:txBody>
+          <a:bodyPr>
+            <a:normAutofit fontScale="90000"/>
+          </a:bodyPr>
+          <a:lstStyle/>
+          <a:p>
+            <a:r>
+              <a:rPr lang="en-US" dirty="0" err="1" smtClean="0"/>
+              <a:t>安装Github客户端</a:t>
+            </a:r>
+            <a:r>
+              <a:rPr lang="zh-CN" altLang="zh-CN" dirty="0" smtClean="0"/>
+              <a:t>，</a:t>
+            </a:r>
+            <a:r>
+              <a:rPr lang="zh-CN" altLang="en-US" dirty="0" smtClean="0"/>
+              <a:t>登录</a:t>
+            </a:r>
+            <a:r>
+              <a:rPr lang="zh-CN" altLang="en-GB" dirty="0" smtClean="0"/>
+              <a:t>确认</a:t>
+            </a:r>
+            <a:endParaRPr lang="en-US" dirty="0"/>
+          </a:p>
+        </p:txBody>
+      </p:sp>
+      <p:pic>
+        <p:nvPicPr>
+          <p:cNvPr id="5" name="Picture 4" descr="WeChat_1427185385.jpeg"/>
+          <p:cNvPicPr>
+            <a:picLocks noChangeAspect="1"/>
+          </p:cNvPicPr>
+          <p:nvPr/>
+        </p:nvPicPr>
+        <p:blipFill>
+          <a:blip r:embed="rId2">
+            <a:extLst>
+              <a:ext uri="{28A0092B-C50C-407E-A947-70E740481C1C}">
+                <a14:useLocalDpi xmlns:a14="http://schemas.microsoft.com/office/drawing/2010/main" val="0"/>
+              </a:ext>
+            </a:extLst>
+          </a:blip>
+          <a:stretch>
+            <a:fillRect/>
+          </a:stretch>
+        </p:blipFill>
+        <p:spPr>
+          <a:xfrm>
+            <a:off x="155506" y="1600200"/>
+            <a:ext cx="4859520" cy="3529329"/>
+          </a:xfrm>
+          <a:prstGeom prst="rect">
+            <a:avLst/>
+          </a:prstGeom>
+        </p:spPr>
+      </p:pic>
+      <p:pic>
+        <p:nvPicPr>
+          <p:cNvPr id="4" name="Picture 3" descr="WeChat_1427185201.jpeg"/>
+          <p:cNvPicPr>
+            <a:picLocks noChangeAspect="1"/>
+          </p:cNvPicPr>
+          <p:nvPr/>
+        </p:nvPicPr>
+        <p:blipFill>
+          <a:blip r:embed="rId3">
+            <a:extLst>
+              <a:ext uri="{28A0092B-C50C-407E-A947-70E740481C1C}">
+                <a14:useLocalDpi xmlns:a14="http://schemas.microsoft.com/office/drawing/2010/main" val="0"/>
+              </a:ext>
+            </a:extLst>
+          </a:blip>
+          <a:stretch>
+            <a:fillRect/>
+          </a:stretch>
+        </p:blipFill>
+        <p:spPr>
+          <a:xfrm>
+            <a:off x="4107917" y="2607170"/>
+            <a:ext cx="4833604" cy="3510507"/>
+          </a:xfrm>
+          <a:prstGeom prst="rect">
+            <a:avLst/>
+          </a:prstGeom>
+        </p:spPr>
+      </p:pic>
+    </p:spTree>
+    <p:extLst>
+      <p:ext uri="{BB962C8B-B14F-4D97-AF65-F5344CB8AC3E}">
+        <p14:creationId xmlns:p14="http://schemas.microsoft.com/office/powerpoint/2010/main" val="3630650460"/>
+      </p:ext>
+    </p:extLst>
+  </p:cSld>
+  <p:clrMapOvr>
+    <a:masterClrMapping/>
+  </p:clrMapOvr>
+  <p:timing>
+    <p:tnLst>
+      <p:par>
+        <p:cTn xmlns:p14="http://schemas.microsoft.com/office/powerpoint/2010/main" id="1" dur="indefinite" restart="never" nodeType="tmRoot"/>
+      </p:par>
+    </p:tnLst>
+  </p:timing>
+</p:sld>
+</file>
+
 <file path=ppt/slides/slide9.xml><?xml version="1.0" encoding="utf-8"?>
 <p:sld xmlns:a="http://schemas.openxmlformats.org/drawingml/2006/main" xmlns:r="http://schemas.openxmlformats.org/officeDocument/2006/relationships" xmlns:p="http://schemas.openxmlformats.org/presentationml/2006/main">
   <p:cSld>
@@ -5766,12 +6035,18 @@
         </p:nvSpPr>
         <p:spPr/>
         <p:txBody>
-          <a:bodyPr/>
+          <a:bodyPr>
+            <a:normAutofit fontScale="90000"/>
+          </a:bodyPr>
           <a:lstStyle/>
           <a:p>
             <a:r>
               <a:rPr lang="en-US" dirty="0" smtClean="0"/>
-              <a:t>文档版本控制</a:t>
+              <a:t>用户名</a:t>
+            </a:r>
+            <a:r>
+              <a:rPr lang="zh-CN" altLang="en-US" dirty="0" smtClean="0"/>
+              <a:t>分组发送给管理员邮箱</a:t>
             </a:r>
             <a:endParaRPr lang="en-US" dirty="0"/>
           </a:p>
@@ -5787,70 +6062,42 @@
             <p:ph idx="1"/>
           </p:nvPr>
         </p:nvSpPr>
-        <p:spPr/>
+        <p:spPr>
+          <a:xfrm>
+            <a:off x="457200" y="1250334"/>
+            <a:ext cx="8229600" cy="5257800"/>
+          </a:xfrm>
+        </p:spPr>
         <p:txBody>
           <a:bodyPr>
-            <a:normAutofit lnSpcReduction="10000"/>
+            <a:normAutofit/>
           </a:bodyPr>
           <a:lstStyle/>
           <a:p>
             <a:r>
               <a:rPr lang="zh-CN" altLang="en-US" dirty="0" smtClean="0"/>
-              <a:t>每次工作前先</a:t>
-            </a:r>
-            <a:r>
-              <a:rPr lang="en-US" altLang="zh-CN" dirty="0" smtClean="0"/>
-              <a:t>pull</a:t>
-            </a:r>
+              <a:t>收件人：</a:t>
+            </a:r>
+            <a:r>
+              <a:rPr lang="en-US" altLang="zh-CN" dirty="0" err="1" smtClean="0"/>
+              <a:t>bhsei@qq.com</a:t>
+            </a:r>
+            <a:endParaRPr lang="en-GB" altLang="zh-CN" dirty="0" smtClean="0"/>
+          </a:p>
+          <a:p>
             <a:r>
               <a:rPr lang="zh-CN" altLang="en-US" dirty="0" smtClean="0"/>
-              <a:t>，把别人</a:t>
-            </a:r>
-            <a:r>
-              <a:rPr lang="en-US" altLang="zh-CN" dirty="0" smtClean="0"/>
-              <a:t>push</a:t>
-            </a:r>
+              <a:t>每组只发一封邮件：</a:t>
+            </a:r>
+            <a:endParaRPr lang="en-GB" altLang="zh-CN" dirty="0" smtClean="0"/>
+          </a:p>
+          <a:p>
             <a:r>
               <a:rPr lang="zh-CN" altLang="en-US" dirty="0" smtClean="0"/>
-              <a:t>到服务器的文档拿到本地</a:t>
-            </a:r>
-            <a:endParaRPr lang="en-US" dirty="0" smtClean="0"/>
-          </a:p>
-          <a:p>
-            <a:r>
-              <a:rPr lang="zh-CN" altLang="en-US" dirty="0" smtClean="0"/>
-              <a:t>修改文档或代码后</a:t>
-            </a:r>
-            <a:r>
-              <a:rPr lang="en-US" dirty="0" smtClean="0"/>
-              <a:t>Commit</a:t>
-            </a:r>
-            <a:r>
-              <a:rPr lang="zh-CN" altLang="en-US" dirty="0" smtClean="0"/>
-              <a:t>时要填写总结和描述，</a:t>
-            </a:r>
-            <a:r>
-              <a:rPr lang="zh-CN" altLang="en-US" dirty="0" smtClean="0">
-                <a:solidFill>
-                  <a:srgbClr val="CCFFCC"/>
-                </a:solidFill>
-              </a:rPr>
-              <a:t>请对每个修改后的文档单独逐个</a:t>
-            </a:r>
-            <a:r>
-              <a:rPr lang="en-US" altLang="zh-CN" dirty="0" smtClean="0">
-                <a:solidFill>
-                  <a:srgbClr val="CCFFCC"/>
-                </a:solidFill>
-              </a:rPr>
-              <a:t>commit</a:t>
-            </a:r>
-            <a:r>
-              <a:rPr lang="zh-CN" altLang="en-US" dirty="0" smtClean="0"/>
-              <a:t>，格式：</a:t>
-            </a:r>
-            <a:r>
-              <a:rPr lang="zh-CN" altLang="zh-CN" b="1" dirty="0" smtClean="0">
+              <a:t>题目格式：</a:t>
+            </a:r>
+            <a:r>
+              <a:rPr lang="zh-CN" altLang="zh-CN" dirty="0" smtClean="0">
                 <a:solidFill>
                   <a:srgbClr val="FFFF00"/>
                 </a:solidFill>
@@ -5858,15 +6105,15 @@
               <a:t>&lt;</a:t>
             </a:r>
             <a:r>
-              <a:rPr lang="zh-CN" altLang="en-US" b="1" dirty="0" smtClean="0">
+              <a:rPr lang="zh-CN" altLang="en-US" dirty="0" smtClean="0">
                 <a:solidFill>
                   <a:srgbClr val="FFFF00"/>
                 </a:solidFill>
               </a:rPr>
-              <a:t>周</a:t>
-            </a:r>
-            <a:r>
-              <a:rPr lang="en-US" altLang="zh-CN" b="1" dirty="0" smtClean="0">
+              <a:t>组号</a:t>
+            </a:r>
+            <a:r>
+              <a:rPr lang="en-US" altLang="zh-CN" dirty="0" smtClean="0">
                 <a:solidFill>
                   <a:srgbClr val="FFFF00"/>
                 </a:solidFill>
@@ -5874,54 +6121,38 @@
               <a:t>&gt;-&lt;</a:t>
             </a:r>
             <a:r>
-              <a:rPr lang="zh-CN" altLang="en-US" b="1" dirty="0" smtClean="0">
+              <a:rPr lang="zh-CN" altLang="en-US" dirty="0" smtClean="0">
                 <a:solidFill>
                   <a:srgbClr val="FFFF00"/>
                 </a:solidFill>
               </a:rPr>
-              <a:t>改动总结</a:t>
-            </a:r>
-            <a:r>
-              <a:rPr lang="en-US" altLang="zh-CN" b="1" dirty="0" smtClean="0">
+              <a:t>所选项目</a:t>
+            </a:r>
+            <a:r>
+              <a:rPr lang="en-US" altLang="zh-CN" dirty="0" smtClean="0">
                 <a:solidFill>
                   <a:srgbClr val="FFFF00"/>
                 </a:solidFill>
               </a:rPr>
-              <a:t>&gt;;</a:t>
-            </a:r>
-            <a:r>
-              <a:rPr lang="zh-CN" altLang="en-US" b="1" dirty="0" smtClean="0">
+              <a:t>&gt;-</a:t>
+            </a:r>
+            <a:r>
+              <a:rPr lang="en-GB" altLang="zh-CN" dirty="0" err="1" smtClean="0">
                 <a:solidFill>
                   <a:srgbClr val="FFFF00"/>
                 </a:solidFill>
               </a:rPr>
-              <a:t> </a:t>
-            </a:r>
-            <a:r>
-              <a:rPr lang="zh-CN" altLang="zh-CN" b="1" dirty="0" smtClean="0">
+              <a:t>GitHub</a:t>
+            </a:r>
+            <a:r>
+              <a:rPr lang="en-US" altLang="zh-CN" dirty="0" smtClean="0">
                 <a:solidFill>
                   <a:srgbClr val="FFFF00"/>
                 </a:solidFill>
               </a:rPr>
-              <a:t>&lt;</a:t>
-            </a:r>
-            <a:r>
-              <a:rPr lang="zh-CN" altLang="en-US" b="1" dirty="0" smtClean="0">
-                <a:solidFill>
-                  <a:srgbClr val="FFFF00"/>
-                </a:solidFill>
-              </a:rPr>
-              <a:t>改动描述</a:t>
-            </a:r>
-            <a:r>
-              <a:rPr lang="en-US" altLang="zh-CN" b="1" dirty="0" smtClean="0">
-                <a:solidFill>
-                  <a:srgbClr val="FFFF00"/>
-                </a:solidFill>
-              </a:rPr>
-              <a:t>&gt;</a:t>
-            </a:r>
-            <a:endParaRPr lang="en-GB" altLang="zh-CN" b="1" dirty="0" smtClean="0">
+              <a:t>Rep</a:t>
+            </a:r>
+            <a:endParaRPr lang="en-GB" altLang="zh-CN" dirty="0" smtClean="0">
               <a:solidFill>
                 <a:srgbClr val="FFFF00"/>
               </a:solidFill>
@@ -5930,40 +6161,187 @@
           <a:p>
             <a:r>
               <a:rPr lang="zh-CN" altLang="en-US" dirty="0" smtClean="0"/>
-              <a:t>完成工作后</a:t>
-            </a:r>
-            <a:r>
-              <a:rPr lang="en-US" altLang="zh-CN" dirty="0" smtClean="0"/>
-              <a:t>push</a:t>
-            </a:r>
-            <a:r>
-              <a:rPr lang="zh-CN" altLang="en-US" dirty="0" smtClean="0"/>
-              <a:t>到服务器上</a:t>
-            </a:r>
-            <a:endParaRPr lang="en-US" dirty="0" smtClean="0"/>
-          </a:p>
-          <a:p>
-            <a:endParaRPr lang="en-US" dirty="0"/>
-          </a:p>
-        </p:txBody>
-      </p:sp>
+              <a:t>正文格式：</a:t>
+            </a:r>
+            <a:endParaRPr lang="en-GB" altLang="zh-CN" dirty="0" smtClean="0"/>
+          </a:p>
+          <a:p>
+            <a:pPr lvl="1"/>
+            <a:r>
+              <a:rPr lang="zh-CN" altLang="zh-CN" dirty="0" smtClean="0">
+                <a:solidFill>
+                  <a:srgbClr val="FFFF00"/>
+                </a:solidFill>
+              </a:rPr>
+              <a:t>&lt;</a:t>
+            </a:r>
+            <a:r>
+              <a:rPr lang="en-US" altLang="zh-CN" dirty="0" err="1">
+                <a:solidFill>
+                  <a:srgbClr val="FFFF00"/>
+                </a:solidFill>
+              </a:rPr>
+              <a:t>github</a:t>
+            </a:r>
+            <a:r>
+              <a:rPr lang="zh-CN" altLang="en-US" dirty="0">
+                <a:solidFill>
+                  <a:srgbClr val="FFFF00"/>
+                </a:solidFill>
+              </a:rPr>
+              <a:t>用户名</a:t>
+            </a:r>
+            <a:r>
+              <a:rPr lang="en-US" altLang="zh-CN" dirty="0">
+                <a:solidFill>
+                  <a:srgbClr val="FFFF00"/>
+                </a:solidFill>
+              </a:rPr>
+              <a:t>1</a:t>
+            </a:r>
+            <a:r>
+              <a:rPr lang="en-US" altLang="zh-CN" dirty="0" smtClean="0">
+                <a:solidFill>
+                  <a:srgbClr val="FFFF00"/>
+                </a:solidFill>
+              </a:rPr>
+              <a:t>&gt;-&lt;</a:t>
+            </a:r>
+            <a:r>
+              <a:rPr lang="zh-CN" altLang="en-US" dirty="0">
+                <a:solidFill>
+                  <a:srgbClr val="FFFF00"/>
+                </a:solidFill>
+              </a:rPr>
+              <a:t>真实姓名</a:t>
+            </a:r>
+            <a:r>
+              <a:rPr lang="en-US" altLang="zh-CN" dirty="0">
+                <a:solidFill>
+                  <a:srgbClr val="FFFF00"/>
+                </a:solidFill>
+              </a:rPr>
+              <a:t>1&gt;</a:t>
+            </a:r>
+            <a:endParaRPr lang="en-US" dirty="0">
+              <a:solidFill>
+                <a:srgbClr val="FFFF00"/>
+              </a:solidFill>
+            </a:endParaRPr>
+          </a:p>
+          <a:p>
+            <a:pPr lvl="1"/>
+            <a:r>
+              <a:rPr lang="zh-CN" altLang="zh-CN" dirty="0">
+                <a:solidFill>
+                  <a:srgbClr val="FFFF00"/>
+                </a:solidFill>
+              </a:rPr>
+              <a:t>&lt;</a:t>
+            </a:r>
+            <a:r>
+              <a:rPr lang="en-US" altLang="zh-CN" dirty="0" err="1">
+                <a:solidFill>
+                  <a:srgbClr val="FFFF00"/>
+                </a:solidFill>
+              </a:rPr>
+              <a:t>github</a:t>
+            </a:r>
+            <a:r>
+              <a:rPr lang="zh-CN" altLang="en-US" dirty="0" smtClean="0">
+                <a:solidFill>
+                  <a:srgbClr val="FFFF00"/>
+                </a:solidFill>
+              </a:rPr>
+              <a:t>用户名</a:t>
+            </a:r>
+            <a:r>
+              <a:rPr lang="zh-CN" altLang="zh-CN" dirty="0" smtClean="0">
+                <a:solidFill>
+                  <a:srgbClr val="FFFF00"/>
+                </a:solidFill>
+              </a:rPr>
+              <a:t>2</a:t>
+            </a:r>
+            <a:r>
+              <a:rPr lang="en-US" altLang="zh-CN" dirty="0" smtClean="0">
+                <a:solidFill>
+                  <a:srgbClr val="FFFF00"/>
+                </a:solidFill>
+              </a:rPr>
+              <a:t>&gt;-&lt;</a:t>
+            </a:r>
+            <a:r>
+              <a:rPr lang="zh-CN" altLang="en-US" dirty="0">
+                <a:solidFill>
+                  <a:srgbClr val="FFFF00"/>
+                </a:solidFill>
+              </a:rPr>
+              <a:t>真实</a:t>
+            </a:r>
+            <a:r>
+              <a:rPr lang="zh-CN" altLang="en-US" dirty="0" smtClean="0">
+                <a:solidFill>
+                  <a:srgbClr val="FFFF00"/>
+                </a:solidFill>
+              </a:rPr>
+              <a:t>姓名</a:t>
+            </a:r>
+            <a:r>
+              <a:rPr lang="zh-CN" altLang="zh-CN" dirty="0" smtClean="0">
+                <a:solidFill>
+                  <a:srgbClr val="FFFF00"/>
+                </a:solidFill>
+              </a:rPr>
+              <a:t>2&gt;</a:t>
+            </a:r>
+            <a:endParaRPr lang="en-US" altLang="zh-CN" dirty="0" smtClean="0">
+              <a:solidFill>
+                <a:srgbClr val="FFFF00"/>
+              </a:solidFill>
+            </a:endParaRPr>
+          </a:p>
+        </p:txBody>
+      </p:sp>
+      <p:pic>
+        <p:nvPicPr>
+          <p:cNvPr id="4" name="Picture 3" descr="WeChat_1427186256.jpeg"/>
+          <p:cNvPicPr>
+            <a:picLocks noChangeAspect="1"/>
+          </p:cNvPicPr>
+          <p:nvPr/>
+        </p:nvPicPr>
+        <p:blipFill rotWithShape="1">
+          <a:blip r:embed="rId2">
+            <a:extLst>
+              <a:ext uri="{28A0092B-C50C-407E-A947-70E740481C1C}">
+                <a14:useLocalDpi xmlns:a14="http://schemas.microsoft.com/office/drawing/2010/main" val="0"/>
+              </a:ext>
+            </a:extLst>
+          </a:blip>
+          <a:srcRect b="16341"/>
+          <a:stretch/>
+        </p:blipFill>
+        <p:spPr>
+          <a:xfrm>
+            <a:off x="5622219" y="1353998"/>
+            <a:ext cx="3327400" cy="1976198"/>
+          </a:xfrm>
+          <a:prstGeom prst="rect">
+            <a:avLst/>
+          </a:prstGeom>
+        </p:spPr>
+      </p:pic>
     </p:spTree>
     <p:extLst>
       <p:ext uri="{BB962C8B-B14F-4D97-AF65-F5344CB8AC3E}">
-        <p14:creationId xmlns:p14="http://schemas.microsoft.com/office/powerpoint/2010/main" val="1039438193"/>
+        <p14:creationId xmlns:p14="http://schemas.microsoft.com/office/powerpoint/2010/main" val="2663618376"/>
       </p:ext>
     </p:extLst>
   </p:cSld>
   <p:clrMapOvr>
     <a:masterClrMapping/>
   </p:clrMapOvr>
-  <p:timing>
-    <p:tnLst>
-      <p:par>
-        <p:cTn xmlns:p14="http://schemas.microsoft.com/office/powerpoint/2010/main" id="1" dur="indefinite" restart="never" nodeType="tmRoot"/>
-      </p:par>
-    </p:tnLst>
-  </p:timing>
 </p:sld>
 </file>
 
